--- a/DA_project.pptx
+++ b/DA_project.pptx
@@ -5,22 +5,23 @@
     <p:sldMasterId id="2147483648" r:id="rId4"/>
   </p:sldMasterIdLst>
   <p:notesMasterIdLst>
-    <p:notesMasterId r:id="rId18"/>
+    <p:notesMasterId r:id="rId19"/>
   </p:notesMasterIdLst>
   <p:sldIdLst>
     <p:sldId id="256" r:id="rId5"/>
     <p:sldId id="285" r:id="rId6"/>
     <p:sldId id="288" r:id="rId7"/>
-    <p:sldId id="261" r:id="rId8"/>
-    <p:sldId id="289" r:id="rId9"/>
-    <p:sldId id="290" r:id="rId10"/>
-    <p:sldId id="291" r:id="rId11"/>
-    <p:sldId id="295" r:id="rId12"/>
-    <p:sldId id="292" r:id="rId13"/>
-    <p:sldId id="293" r:id="rId14"/>
-    <p:sldId id="294" r:id="rId15"/>
-    <p:sldId id="296" r:id="rId16"/>
-    <p:sldId id="284" r:id="rId17"/>
+    <p:sldId id="297" r:id="rId8"/>
+    <p:sldId id="261" r:id="rId9"/>
+    <p:sldId id="289" r:id="rId10"/>
+    <p:sldId id="290" r:id="rId11"/>
+    <p:sldId id="291" r:id="rId12"/>
+    <p:sldId id="295" r:id="rId13"/>
+    <p:sldId id="292" r:id="rId14"/>
+    <p:sldId id="293" r:id="rId15"/>
+    <p:sldId id="294" r:id="rId16"/>
+    <p:sldId id="296" r:id="rId17"/>
+    <p:sldId id="284" r:id="rId18"/>
   </p:sldIdLst>
   <p:sldSz cx="12192000" cy="6858000"/>
   <p:notesSz cx="7104063" cy="10234613"/>
@@ -269,7 +270,7 @@
       </p15:sldGuideLst>
     </p:ext>
     <p:ext uri="http://customooxmlschemas.google.com/">
-      <go:slidesCustomData xmlns:go="http://customooxmlschemas.google.com/" xmlns:ahyp="http://schemas.microsoft.com/office/drawing/2018/hyperlinkcolor" xmlns:p15="http://schemas.microsoft.com/office/powerpoint/2012/main" xmlns:p14="http://schemas.microsoft.com/office/powerpoint/2010/main" xmlns:com="http://schemas.openxmlformats.org/drawingml/2006/compatibility" xmlns:pvml="urn:schemas-microsoft-com:office:powerpoint" xmlns:v="urn:schemas-microsoft-com:vml" xmlns:o="urn:schemas-microsoft-com:office:office" xmlns:dgm="http://schemas.openxmlformats.org/drawingml/2006/diagram" xmlns:c="http://schemas.openxmlformats.org/drawingml/2006/chart" xmlns:mv="urn:schemas-microsoft-com:mac:vml" xmlns:mc="http://schemas.openxmlformats.org/markup-compatibility/2006" xmlns="" r:id="rId35" roundtripDataSignature="AMtx7mhny1AmHFXKoQABgh0uWA3Nnm8m9g=="/>
+      <go:slidesCustomData xmlns="" xmlns:mc="http://schemas.openxmlformats.org/markup-compatibility/2006" xmlns:mv="urn:schemas-microsoft-com:mac:vml" xmlns:c="http://schemas.openxmlformats.org/drawingml/2006/chart" xmlns:dgm="http://schemas.openxmlformats.org/drawingml/2006/diagram" xmlns:o="urn:schemas-microsoft-com:office:office" xmlns:v="urn:schemas-microsoft-com:vml" xmlns:pvml="urn:schemas-microsoft-com:office:powerpoint" xmlns:com="http://schemas.openxmlformats.org/drawingml/2006/compatibility" xmlns:p14="http://schemas.microsoft.com/office/powerpoint/2010/main" xmlns:p15="http://schemas.microsoft.com/office/powerpoint/2012/main" xmlns:ahyp="http://schemas.microsoft.com/office/drawing/2018/hyperlinkcolor" xmlns:go="http://customooxmlschemas.google.com/" r:id="rId35" roundtripDataSignature="AMtx7mhny1AmHFXKoQABgh0uWA3Nnm8m9g=="/>
     </p:ext>
   </p:extLst>
 </p:presentation>
@@ -2067,7 +2068,7 @@
     </p:spTree>
     <p:extLst>
       <p:ext uri="{BB962C8B-B14F-4D97-AF65-F5344CB8AC3E}">
-        <p14:creationId xmlns:p14="http://schemas.microsoft.com/office/powerpoint/2010/main" val="3206033947"/>
+        <p14:creationId xmlns:p14="http://schemas.microsoft.com/office/powerpoint/2010/main" val="259401311"/>
       </p:ext>
     </p:extLst>
   </p:cSld>
@@ -2244,6 +2245,183 @@
     </p:spTree>
     <p:extLst>
       <p:ext uri="{BB962C8B-B14F-4D97-AF65-F5344CB8AC3E}">
+        <p14:creationId xmlns:p14="http://schemas.microsoft.com/office/powerpoint/2010/main" val="3206033947"/>
+      </p:ext>
+    </p:extLst>
+  </p:cSld>
+  <p:clrMapOvr>
+    <a:masterClrMapping/>
+  </p:clrMapOvr>
+</p:notes>
+</file>
+
+<file path=ppt/notesSlides/notesSlide12.xml><?xml version="1.0" encoding="utf-8"?>
+<p:notes xmlns:a="http://schemas.openxmlformats.org/drawingml/2006/main" xmlns:r="http://schemas.openxmlformats.org/officeDocument/2006/relationships" xmlns:p="http://schemas.openxmlformats.org/presentationml/2006/main" showMasterSp="0" showMasterPhAnim="0">
+  <p:cSld>
+    <p:spTree>
+      <p:nvGrpSpPr>
+        <p:cNvPr id="1" name="Shape 132"/>
+        <p:cNvGrpSpPr/>
+        <p:nvPr/>
+      </p:nvGrpSpPr>
+      <p:grpSpPr>
+        <a:xfrm>
+          <a:off x="0" y="0"/>
+          <a:ext cx="0" cy="0"/>
+          <a:chOff x="0" y="0"/>
+          <a:chExt cx="0" cy="0"/>
+        </a:xfrm>
+      </p:grpSpPr>
+      <p:sp>
+        <p:nvSpPr>
+          <p:cNvPr id="133" name="Google Shape;133;p15:notes"/>
+          <p:cNvSpPr>
+            <a:spLocks noGrp="1" noRot="1" noChangeAspect="1"/>
+          </p:cNvSpPr>
+          <p:nvPr>
+            <p:ph type="sldImg" idx="2"/>
+          </p:nvPr>
+        </p:nvSpPr>
+        <p:spPr>
+          <a:xfrm>
+            <a:off x="482600" y="1279525"/>
+            <a:ext cx="6140450" cy="3454400"/>
+          </a:xfrm>
+          <a:custGeom>
+            <a:avLst/>
+            <a:gdLst/>
+            <a:ahLst/>
+            <a:cxnLst/>
+            <a:rect l="l" t="t" r="r" b="b"/>
+            <a:pathLst>
+              <a:path w="120000" h="120000" extrusionOk="0">
+                <a:moveTo>
+                  <a:pt x="0" y="0"/>
+                </a:moveTo>
+                <a:lnTo>
+                  <a:pt x="120000" y="0"/>
+                </a:lnTo>
+                <a:lnTo>
+                  <a:pt x="120000" y="120000"/>
+                </a:lnTo>
+                <a:lnTo>
+                  <a:pt x="0" y="120000"/>
+                </a:lnTo>
+                <a:close/>
+              </a:path>
+            </a:pathLst>
+          </a:custGeom>
+          <a:noFill/>
+          <a:ln w="12700" cap="flat" cmpd="sng">
+            <a:solidFill>
+              <a:srgbClr val="000000"/>
+            </a:solidFill>
+            <a:prstDash val="solid"/>
+            <a:round/>
+            <a:headEnd type="none" w="sm" len="sm"/>
+            <a:tailEnd type="none" w="sm" len="sm"/>
+          </a:ln>
+        </p:spPr>
+      </p:sp>
+      <p:sp>
+        <p:nvSpPr>
+          <p:cNvPr id="134" name="Google Shape;134;p15:notes"/>
+          <p:cNvSpPr txBox="1">
+            <a:spLocks noGrp="1"/>
+          </p:cNvSpPr>
+          <p:nvPr>
+            <p:ph type="body" idx="1"/>
+          </p:nvPr>
+        </p:nvSpPr>
+        <p:spPr>
+          <a:xfrm>
+            <a:off x="711200" y="4926013"/>
+            <a:ext cx="5683250" cy="4029075"/>
+          </a:xfrm>
+          <a:prstGeom prst="rect">
+            <a:avLst/>
+          </a:prstGeom>
+          <a:noFill/>
+          <a:ln>
+            <a:noFill/>
+          </a:ln>
+        </p:spPr>
+        <p:txBody>
+          <a:bodyPr spcFirstLastPara="1" wrap="square" lIns="91425" tIns="45700" rIns="91425" bIns="45700" anchor="t" anchorCtr="0">
+            <a:noAutofit/>
+          </a:bodyPr>
+          <a:lstStyle/>
+          <a:p>
+            <a:pPr marL="0" lvl="0" indent="0" algn="l" rtl="0">
+              <a:lnSpc>
+                <a:spcPct val="100000"/>
+              </a:lnSpc>
+              <a:spcBef>
+                <a:spcPts val="0"/>
+              </a:spcBef>
+              <a:spcAft>
+                <a:spcPts val="0"/>
+              </a:spcAft>
+              <a:buSzPts val="1400"/>
+              <a:buNone/>
+            </a:pPr>
+            <a:endParaRPr/>
+          </a:p>
+        </p:txBody>
+      </p:sp>
+      <p:sp>
+        <p:nvSpPr>
+          <p:cNvPr id="135" name="Google Shape;135;p15:notes"/>
+          <p:cNvSpPr txBox="1">
+            <a:spLocks noGrp="1"/>
+          </p:cNvSpPr>
+          <p:nvPr>
+            <p:ph type="sldNum" idx="12"/>
+          </p:nvPr>
+        </p:nvSpPr>
+        <p:spPr>
+          <a:xfrm>
+            <a:off x="4024313" y="9721850"/>
+            <a:ext cx="3078162" cy="512763"/>
+          </a:xfrm>
+          <a:prstGeom prst="rect">
+            <a:avLst/>
+          </a:prstGeom>
+          <a:noFill/>
+          <a:ln>
+            <a:noFill/>
+          </a:ln>
+        </p:spPr>
+        <p:txBody>
+          <a:bodyPr spcFirstLastPara="1" wrap="square" lIns="91425" tIns="45700" rIns="91425" bIns="45700" anchor="b" anchorCtr="0">
+            <a:noAutofit/>
+          </a:bodyPr>
+          <a:lstStyle/>
+          <a:p>
+            <a:pPr marL="0" lvl="0" indent="0" algn="r" rtl="0">
+              <a:lnSpc>
+                <a:spcPct val="100000"/>
+              </a:lnSpc>
+              <a:spcBef>
+                <a:spcPts val="0"/>
+              </a:spcBef>
+              <a:spcAft>
+                <a:spcPts val="0"/>
+              </a:spcAft>
+              <a:buSzPts val="1400"/>
+              <a:buNone/>
+            </a:pPr>
+            <a:fld id="{00000000-1234-1234-1234-123412341234}" type="slidenum">
+              <a:rPr lang="it-IT"/>
+              <a:t>12</a:t>
+            </a:fld>
+            <a:endParaRPr/>
+          </a:p>
+        </p:txBody>
+      </p:sp>
+    </p:spTree>
+    <p:extLst>
+      <p:ext uri="{BB962C8B-B14F-4D97-AF65-F5344CB8AC3E}">
         <p14:creationId xmlns:p14="http://schemas.microsoft.com/office/powerpoint/2010/main" val="4185825262"/>
       </p:ext>
     </p:extLst>
@@ -2254,7 +2432,7 @@
 </p:notes>
 </file>
 
-<file path=ppt/notesSlides/notesSlide12.xml><?xml version="1.0" encoding="utf-8"?>
+<file path=ppt/notesSlides/notesSlide13.xml><?xml version="1.0" encoding="utf-8"?>
 <p:notes xmlns:a="http://schemas.openxmlformats.org/drawingml/2006/main" xmlns:r="http://schemas.openxmlformats.org/officeDocument/2006/relationships" xmlns:p="http://schemas.openxmlformats.org/presentationml/2006/main" showMasterSp="0" showMasterPhAnim="0">
   <p:cSld>
     <p:spTree>
@@ -2412,7 +2590,7 @@
             </a:pPr>
             <a:fld id="{00000000-1234-1234-1234-123412341234}" type="slidenum">
               <a:rPr lang="it-IT"/>
-              <a:t>12</a:t>
+              <a:t>13</a:t>
             </a:fld>
             <a:endParaRPr/>
           </a:p>
@@ -2431,7 +2609,7 @@
 </p:notes>
 </file>
 
-<file path=ppt/notesSlides/notesSlide13.xml><?xml version="1.0" encoding="utf-8"?>
+<file path=ppt/notesSlides/notesSlide14.xml><?xml version="1.0" encoding="utf-8"?>
 <p:notes xmlns:a="http://schemas.openxmlformats.org/drawingml/2006/main" xmlns:r="http://schemas.openxmlformats.org/officeDocument/2006/relationships" xmlns:p="http://schemas.openxmlformats.org/presentationml/2006/main" showMasterSp="0" showMasterPhAnim="0">
   <p:cSld>
     <p:spTree>
@@ -2589,7 +2767,7 @@
             </a:pPr>
             <a:fld id="{00000000-1234-1234-1234-123412341234}" type="slidenum">
               <a:rPr lang="it-IT"/>
-              <a:t>13</a:t>
+              <a:t>14</a:t>
             </a:fld>
             <a:endParaRPr/>
           </a:p>
@@ -3122,6 +3300,11 @@
         </p:txBody>
       </p:sp>
     </p:spTree>
+    <p:extLst>
+      <p:ext uri="{BB962C8B-B14F-4D97-AF65-F5344CB8AC3E}">
+        <p14:creationId xmlns:p14="http://schemas.microsoft.com/office/powerpoint/2010/main" val="2537788442"/>
+      </p:ext>
+    </p:extLst>
   </p:cSld>
   <p:clrMapOvr>
     <a:masterClrMapping/>
@@ -3294,11 +3477,6 @@
         </p:txBody>
       </p:sp>
     </p:spTree>
-    <p:extLst>
-      <p:ext uri="{BB962C8B-B14F-4D97-AF65-F5344CB8AC3E}">
-        <p14:creationId xmlns:p14="http://schemas.microsoft.com/office/powerpoint/2010/main" val="1302535262"/>
-      </p:ext>
-    </p:extLst>
   </p:cSld>
   <p:clrMapOvr>
     <a:masterClrMapping/>
@@ -3473,7 +3651,7 @@
     </p:spTree>
     <p:extLst>
       <p:ext uri="{BB962C8B-B14F-4D97-AF65-F5344CB8AC3E}">
-        <p14:creationId xmlns:p14="http://schemas.microsoft.com/office/powerpoint/2010/main" val="2095864331"/>
+        <p14:creationId xmlns:p14="http://schemas.microsoft.com/office/powerpoint/2010/main" val="1302535262"/>
       </p:ext>
     </p:extLst>
   </p:cSld>
@@ -3650,7 +3828,7 @@
     </p:spTree>
     <p:extLst>
       <p:ext uri="{BB962C8B-B14F-4D97-AF65-F5344CB8AC3E}">
-        <p14:creationId xmlns:p14="http://schemas.microsoft.com/office/powerpoint/2010/main" val="1554593918"/>
+        <p14:creationId xmlns:p14="http://schemas.microsoft.com/office/powerpoint/2010/main" val="2095864331"/>
       </p:ext>
     </p:extLst>
   </p:cSld>
@@ -3827,7 +4005,7 @@
     </p:spTree>
     <p:extLst>
       <p:ext uri="{BB962C8B-B14F-4D97-AF65-F5344CB8AC3E}">
-        <p14:creationId xmlns:p14="http://schemas.microsoft.com/office/powerpoint/2010/main" val="2402217439"/>
+        <p14:creationId xmlns:p14="http://schemas.microsoft.com/office/powerpoint/2010/main" val="1554593918"/>
       </p:ext>
     </p:extLst>
   </p:cSld>
@@ -4004,7 +4182,7 @@
     </p:spTree>
     <p:extLst>
       <p:ext uri="{BB962C8B-B14F-4D97-AF65-F5344CB8AC3E}">
-        <p14:creationId xmlns:p14="http://schemas.microsoft.com/office/powerpoint/2010/main" val="259401311"/>
+        <p14:creationId xmlns:p14="http://schemas.microsoft.com/office/powerpoint/2010/main" val="2402217439"/>
       </p:ext>
     </p:extLst>
   </p:cSld>
@@ -17634,66 +17812,6 @@
       </p:sp>
       <p:pic>
         <p:nvPicPr>
-          <p:cNvPr id="4" name="Immagine 3">
-            <a:extLst>
-              <a:ext uri="{FF2B5EF4-FFF2-40B4-BE49-F238E27FC236}">
-                <a16:creationId xmlns:a16="http://schemas.microsoft.com/office/drawing/2014/main" id="{05AE264D-70CD-44E0-BEF8-DDF33578B3B3}"/>
-              </a:ext>
-            </a:extLst>
-          </p:cNvPr>
-          <p:cNvPicPr>
-            <a:picLocks noChangeAspect="1"/>
-          </p:cNvPicPr>
-          <p:nvPr/>
-        </p:nvPicPr>
-        <p:blipFill>
-          <a:blip r:embed="rId3"/>
-          <a:stretch>
-            <a:fillRect/>
-          </a:stretch>
-        </p:blipFill>
-        <p:spPr>
-          <a:xfrm>
-            <a:off x="2301240" y="1722119"/>
-            <a:ext cx="1490472" cy="1490472"/>
-          </a:xfrm>
-          <a:prstGeom prst="rect">
-            <a:avLst/>
-          </a:prstGeom>
-        </p:spPr>
-      </p:pic>
-      <p:pic>
-        <p:nvPicPr>
-          <p:cNvPr id="6" name="Immagine 5">
-            <a:extLst>
-              <a:ext uri="{FF2B5EF4-FFF2-40B4-BE49-F238E27FC236}">
-                <a16:creationId xmlns:a16="http://schemas.microsoft.com/office/drawing/2014/main" id="{7A782569-88F6-4876-A547-680BEFDFD4F4}"/>
-              </a:ext>
-            </a:extLst>
-          </p:cNvPr>
-          <p:cNvPicPr>
-            <a:picLocks noChangeAspect="1"/>
-          </p:cNvPicPr>
-          <p:nvPr/>
-        </p:nvPicPr>
-        <p:blipFill>
-          <a:blip r:embed="rId4"/>
-          <a:stretch>
-            <a:fillRect/>
-          </a:stretch>
-        </p:blipFill>
-        <p:spPr>
-          <a:xfrm>
-            <a:off x="4720333" y="1398438"/>
-            <a:ext cx="6370122" cy="2137833"/>
-          </a:xfrm>
-          <a:prstGeom prst="rect">
-            <a:avLst/>
-          </a:prstGeom>
-        </p:spPr>
-      </p:pic>
-      <p:pic>
-        <p:nvPicPr>
           <p:cNvPr id="7" name="Google Shape;98;p41">
             <a:extLst>
               <a:ext uri="{FF2B5EF4-FFF2-40B4-BE49-F238E27FC236}">
@@ -17705,7 +17823,7 @@
           <p:nvPr/>
         </p:nvPicPr>
         <p:blipFill rotWithShape="1">
-          <a:blip r:embed="rId5">
+          <a:blip r:embed="rId3">
             <a:alphaModFix/>
           </a:blip>
           <a:srcRect/>
@@ -17725,6 +17843,87 @@
           </a:ln>
         </p:spPr>
       </p:pic>
+      <p:grpSp>
+        <p:nvGrpSpPr>
+          <p:cNvPr id="10" name="Gruppo 9">
+            <a:extLst>
+              <a:ext uri="{FF2B5EF4-FFF2-40B4-BE49-F238E27FC236}">
+                <a16:creationId xmlns:a16="http://schemas.microsoft.com/office/drawing/2014/main" id="{6384AE10-14F0-4D14-84A3-B6135DD19255}"/>
+              </a:ext>
+            </a:extLst>
+          </p:cNvPr>
+          <p:cNvGrpSpPr/>
+          <p:nvPr/>
+        </p:nvGrpSpPr>
+        <p:grpSpPr>
+          <a:xfrm>
+            <a:off x="2941320" y="1131282"/>
+            <a:ext cx="6309360" cy="2669095"/>
+            <a:chOff x="2941320" y="1131282"/>
+            <a:chExt cx="6309360" cy="2669095"/>
+          </a:xfrm>
+        </p:grpSpPr>
+        <p:pic>
+          <p:nvPicPr>
+            <p:cNvPr id="4" name="Immagine 3">
+              <a:extLst>
+                <a:ext uri="{FF2B5EF4-FFF2-40B4-BE49-F238E27FC236}">
+                  <a16:creationId xmlns:a16="http://schemas.microsoft.com/office/drawing/2014/main" id="{05AE264D-70CD-44E0-BEF8-DDF33578B3B3}"/>
+                </a:ext>
+              </a:extLst>
+            </p:cNvPr>
+            <p:cNvPicPr>
+              <a:picLocks noChangeAspect="1"/>
+            </p:cNvPicPr>
+            <p:nvPr/>
+          </p:nvPicPr>
+          <p:blipFill>
+            <a:blip r:embed="rId4"/>
+            <a:stretch>
+              <a:fillRect/>
+            </a:stretch>
+          </p:blipFill>
+          <p:spPr>
+            <a:xfrm>
+              <a:off x="2941320" y="1627630"/>
+              <a:ext cx="1676400" cy="1676400"/>
+            </a:xfrm>
+            <a:prstGeom prst="rect">
+              <a:avLst/>
+            </a:prstGeom>
+          </p:spPr>
+        </p:pic>
+        <p:pic>
+          <p:nvPicPr>
+            <p:cNvPr id="8" name="Immagine 7">
+              <a:extLst>
+                <a:ext uri="{FF2B5EF4-FFF2-40B4-BE49-F238E27FC236}">
+                  <a16:creationId xmlns:a16="http://schemas.microsoft.com/office/drawing/2014/main" id="{6A88417A-3494-45C6-B2B5-A159162F7917}"/>
+                </a:ext>
+              </a:extLst>
+            </p:cNvPr>
+            <p:cNvPicPr>
+              <a:picLocks noChangeAspect="1"/>
+            </p:cNvPicPr>
+            <p:nvPr/>
+          </p:nvPicPr>
+          <p:blipFill>
+            <a:blip r:embed="rId5"/>
+            <a:stretch>
+              <a:fillRect/>
+            </a:stretch>
+          </p:blipFill>
+          <p:spPr>
+            <a:xfrm>
+              <a:off x="6773654" y="1131282"/>
+              <a:ext cx="2477026" cy="2669095"/>
+            </a:xfrm>
+            <a:prstGeom prst="rect">
+              <a:avLst/>
+            </a:prstGeom>
+          </p:spPr>
+        </p:pic>
+      </p:grpSp>
     </p:spTree>
   </p:cSld>
   <p:clrMapOvr>
@@ -17734,6 +17933,1413 @@
 </file>
 
 <file path=ppt/slides/slide10.xml><?xml version="1.0" encoding="utf-8"?>
+<p:sld xmlns:a="http://schemas.openxmlformats.org/drawingml/2006/main" xmlns:r="http://schemas.openxmlformats.org/officeDocument/2006/relationships" xmlns:p="http://schemas.openxmlformats.org/presentationml/2006/main">
+  <p:cSld>
+    <p:spTree>
+      <p:nvGrpSpPr>
+        <p:cNvPr id="1" name="Shape 136"/>
+        <p:cNvGrpSpPr/>
+        <p:nvPr/>
+      </p:nvGrpSpPr>
+      <p:grpSpPr>
+        <a:xfrm>
+          <a:off x="0" y="0"/>
+          <a:ext cx="0" cy="0"/>
+          <a:chOff x="0" y="0"/>
+          <a:chExt cx="0" cy="0"/>
+        </a:xfrm>
+      </p:grpSpPr>
+      <p:sp>
+        <p:nvSpPr>
+          <p:cNvPr id="137" name="Google Shape;137;p15"/>
+          <p:cNvSpPr txBox="1"/>
+          <p:nvPr/>
+        </p:nvSpPr>
+        <p:spPr>
+          <a:xfrm>
+            <a:off x="861391" y="954157"/>
+            <a:ext cx="7593600" cy="707846"/>
+          </a:xfrm>
+          <a:prstGeom prst="rect">
+            <a:avLst/>
+          </a:prstGeom>
+          <a:noFill/>
+          <a:ln>
+            <a:noFill/>
+          </a:ln>
+        </p:spPr>
+        <p:txBody>
+          <a:bodyPr spcFirstLastPara="1" wrap="square" lIns="91425" tIns="45700" rIns="91425" bIns="45700" anchor="t" anchorCtr="0">
+            <a:spAutoFit/>
+          </a:bodyPr>
+          <a:lstStyle/>
+          <a:p>
+            <a:pPr marL="0" marR="0" lvl="0" indent="0" algn="l" rtl="0">
+              <a:lnSpc>
+                <a:spcPct val="100000"/>
+              </a:lnSpc>
+              <a:spcBef>
+                <a:spcPts val="0"/>
+              </a:spcBef>
+              <a:spcAft>
+                <a:spcPts val="0"/>
+              </a:spcAft>
+              <a:buClr>
+                <a:srgbClr val="000000"/>
+              </a:buClr>
+              <a:buSzPts val="4000"/>
+              <a:buFont typeface="Arial"/>
+              <a:buNone/>
+            </a:pPr>
+            <a:r>
+              <a:rPr lang="it-IT" sz="4000" b="1" i="0" u="none" strike="noStrike" cap="none">
+                <a:solidFill>
+                  <a:srgbClr val="002060"/>
+                </a:solidFill>
+                <a:latin typeface="Twentieth Century"/>
+                <a:ea typeface="Twentieth Century"/>
+                <a:cs typeface="Twentieth Century"/>
+                <a:sym typeface="Twentieth Century"/>
+              </a:rPr>
+              <a:t>Implementation</a:t>
+            </a:r>
+            <a:endParaRPr lang="it-IT" sz="1400" b="0" i="0" u="none" strike="noStrike" cap="none" dirty="0">
+              <a:solidFill>
+                <a:srgbClr val="000000"/>
+              </a:solidFill>
+              <a:latin typeface="Arial"/>
+              <a:ea typeface="Arial"/>
+              <a:cs typeface="Arial"/>
+              <a:sym typeface="Arial"/>
+            </a:endParaRPr>
+          </a:p>
+        </p:txBody>
+      </p:sp>
+      <p:sp>
+        <p:nvSpPr>
+          <p:cNvPr id="138" name="Google Shape;138;p15"/>
+          <p:cNvSpPr txBox="1"/>
+          <p:nvPr/>
+        </p:nvSpPr>
+        <p:spPr>
+          <a:xfrm>
+            <a:off x="239477" y="2106000"/>
+            <a:ext cx="5283499" cy="3508623"/>
+          </a:xfrm>
+          <a:prstGeom prst="rect">
+            <a:avLst/>
+          </a:prstGeom>
+          <a:noFill/>
+          <a:ln>
+            <a:noFill/>
+          </a:ln>
+        </p:spPr>
+        <p:txBody>
+          <a:bodyPr spcFirstLastPara="1" wrap="square" lIns="91425" tIns="91425" rIns="91425" bIns="91425" anchor="t" anchorCtr="0">
+            <a:spAutoFit/>
+          </a:bodyPr>
+          <a:lstStyle/>
+          <a:p>
+            <a:pPr marL="342900" marR="0" lvl="0" indent="-342900" algn="l" rtl="0">
+              <a:lnSpc>
+                <a:spcPct val="100000"/>
+              </a:lnSpc>
+              <a:spcBef>
+                <a:spcPts val="0"/>
+              </a:spcBef>
+              <a:spcAft>
+                <a:spcPts val="0"/>
+              </a:spcAft>
+              <a:buClr>
+                <a:srgbClr val="000000"/>
+              </a:buClr>
+              <a:buSzPts val="2400"/>
+              <a:buFont typeface="Arial"/>
+              <a:buChar char="•"/>
+            </a:pPr>
+            <a:r>
+              <a:rPr lang="en-US" sz="2400" dirty="0">
+                <a:latin typeface="Twentieth Century"/>
+                <a:ea typeface="Twentieth Century"/>
+                <a:cs typeface="Twentieth Century"/>
+                <a:sym typeface="Twentieth Century"/>
+              </a:rPr>
+              <a:t>Need </a:t>
+            </a:r>
+            <a:r>
+              <a:rPr lang="en-US" sz="2400" b="1" dirty="0">
+                <a:latin typeface="Twentieth Century"/>
+                <a:ea typeface="Twentieth Century"/>
+                <a:cs typeface="Twentieth Century"/>
+                <a:sym typeface="Twentieth Century"/>
+              </a:rPr>
+              <a:t>libraries</a:t>
+            </a:r>
+            <a:r>
+              <a:rPr lang="en-US" sz="2400" dirty="0">
+                <a:latin typeface="Twentieth Century"/>
+                <a:ea typeface="Twentieth Century"/>
+                <a:cs typeface="Twentieth Century"/>
+                <a:sym typeface="Twentieth Century"/>
+              </a:rPr>
+              <a:t> are imported.</a:t>
+            </a:r>
+          </a:p>
+          <a:p>
+            <a:pPr marL="342900" marR="0" lvl="0" indent="-342900" algn="l" rtl="0">
+              <a:lnSpc>
+                <a:spcPct val="100000"/>
+              </a:lnSpc>
+              <a:spcBef>
+                <a:spcPts val="0"/>
+              </a:spcBef>
+              <a:spcAft>
+                <a:spcPts val="0"/>
+              </a:spcAft>
+              <a:buClr>
+                <a:srgbClr val="000000"/>
+              </a:buClr>
+              <a:buSzPts val="2400"/>
+              <a:buFont typeface="Arial"/>
+              <a:buChar char="•"/>
+            </a:pPr>
+            <a:endParaRPr lang="en-US" sz="2400" dirty="0">
+              <a:latin typeface="Twentieth Century"/>
+              <a:ea typeface="Twentieth Century"/>
+              <a:cs typeface="Twentieth Century"/>
+              <a:sym typeface="Twentieth Century"/>
+            </a:endParaRPr>
+          </a:p>
+          <a:p>
+            <a:pPr marL="342900" indent="-342900">
+              <a:buSzPts val="2400"/>
+              <a:buFont typeface="Arial"/>
+              <a:buChar char="•"/>
+            </a:pPr>
+            <a:r>
+              <a:rPr lang="en-US" sz="2400" dirty="0">
+                <a:latin typeface="Twentieth Century"/>
+                <a:ea typeface="Twentieth Century"/>
+                <a:cs typeface="Twentieth Century"/>
+                <a:sym typeface="Twentieth Century"/>
+              </a:rPr>
+              <a:t>Python script will </a:t>
+            </a:r>
+            <a:r>
+              <a:rPr lang="en-US" sz="2400" b="1" dirty="0">
+                <a:latin typeface="Twentieth Century"/>
+                <a:ea typeface="Twentieth Century"/>
+                <a:cs typeface="Twentieth Century"/>
+                <a:sym typeface="Twentieth Century"/>
+              </a:rPr>
+              <a:t>read</a:t>
+            </a:r>
+            <a:r>
+              <a:rPr lang="en-US" sz="2400" dirty="0">
+                <a:latin typeface="Twentieth Century"/>
+                <a:ea typeface="Twentieth Century"/>
+                <a:cs typeface="Twentieth Century"/>
+                <a:sym typeface="Twentieth Century"/>
+              </a:rPr>
+              <a:t> string from csv file.</a:t>
+            </a:r>
+          </a:p>
+          <a:p>
+            <a:pPr marR="0" lvl="0" algn="l" rtl="0">
+              <a:lnSpc>
+                <a:spcPct val="100000"/>
+              </a:lnSpc>
+              <a:spcBef>
+                <a:spcPts val="0"/>
+              </a:spcBef>
+              <a:spcAft>
+                <a:spcPts val="0"/>
+              </a:spcAft>
+              <a:buClr>
+                <a:srgbClr val="000000"/>
+              </a:buClr>
+              <a:buSzPts val="2400"/>
+            </a:pPr>
+            <a:endParaRPr lang="en-US" sz="2400" dirty="0">
+              <a:latin typeface="Twentieth Century"/>
+              <a:ea typeface="Twentieth Century"/>
+              <a:cs typeface="Twentieth Century"/>
+              <a:sym typeface="Twentieth Century"/>
+            </a:endParaRPr>
+          </a:p>
+          <a:p>
+            <a:pPr marL="342900" marR="0" lvl="0" indent="-342900" algn="l" rtl="0">
+              <a:lnSpc>
+                <a:spcPct val="100000"/>
+              </a:lnSpc>
+              <a:spcBef>
+                <a:spcPts val="0"/>
+              </a:spcBef>
+              <a:spcAft>
+                <a:spcPts val="0"/>
+              </a:spcAft>
+              <a:buClr>
+                <a:srgbClr val="000000"/>
+              </a:buClr>
+              <a:buSzPts val="2400"/>
+              <a:buFont typeface="Arial"/>
+              <a:buChar char="•"/>
+            </a:pPr>
+            <a:r>
+              <a:rPr lang="en-US" sz="2400" dirty="0">
+                <a:latin typeface="Twentieth Century"/>
+                <a:ea typeface="Twentieth Century"/>
+                <a:cs typeface="Twentieth Century"/>
+                <a:sym typeface="Twentieth Century"/>
+              </a:rPr>
+              <a:t>Tokenize and model are </a:t>
+            </a:r>
+            <a:r>
+              <a:rPr lang="en-US" sz="2400" b="1" dirty="0">
+                <a:latin typeface="Twentieth Century"/>
+                <a:ea typeface="Twentieth Century"/>
+                <a:cs typeface="Twentieth Century"/>
+                <a:sym typeface="Twentieth Century"/>
+              </a:rPr>
+              <a:t>loaded</a:t>
+            </a:r>
+            <a:r>
+              <a:rPr lang="en-US" sz="2400" dirty="0">
+                <a:latin typeface="Twentieth Century"/>
+                <a:ea typeface="Twentieth Century"/>
+                <a:cs typeface="Twentieth Century"/>
+                <a:sym typeface="Twentieth Century"/>
+              </a:rPr>
+              <a:t>. </a:t>
+            </a:r>
+          </a:p>
+          <a:p>
+            <a:pPr marL="342900" marR="0" lvl="0" indent="-342900" algn="l" rtl="0">
+              <a:lnSpc>
+                <a:spcPct val="100000"/>
+              </a:lnSpc>
+              <a:spcBef>
+                <a:spcPts val="0"/>
+              </a:spcBef>
+              <a:spcAft>
+                <a:spcPts val="0"/>
+              </a:spcAft>
+              <a:buClr>
+                <a:srgbClr val="000000"/>
+              </a:buClr>
+              <a:buSzPts val="2400"/>
+              <a:buFont typeface="Arial"/>
+              <a:buChar char="•"/>
+            </a:pPr>
+            <a:endParaRPr lang="en-US" sz="2400" dirty="0">
+              <a:latin typeface="Twentieth Century"/>
+              <a:ea typeface="Twentieth Century"/>
+              <a:cs typeface="Twentieth Century"/>
+              <a:sym typeface="Twentieth Century"/>
+            </a:endParaRPr>
+          </a:p>
+          <a:p>
+            <a:pPr marL="342900" marR="0" lvl="0" indent="-342900" algn="l" rtl="0">
+              <a:lnSpc>
+                <a:spcPct val="100000"/>
+              </a:lnSpc>
+              <a:spcBef>
+                <a:spcPts val="0"/>
+              </a:spcBef>
+              <a:spcAft>
+                <a:spcPts val="0"/>
+              </a:spcAft>
+              <a:buClr>
+                <a:srgbClr val="000000"/>
+              </a:buClr>
+              <a:buSzPts val="2400"/>
+              <a:buFont typeface="Arial"/>
+              <a:buChar char="•"/>
+            </a:pPr>
+            <a:r>
+              <a:rPr lang="en-US" sz="2400" dirty="0">
+                <a:latin typeface="Twentieth Century"/>
+                <a:ea typeface="Twentieth Century"/>
+                <a:cs typeface="Twentieth Century"/>
+                <a:sym typeface="Twentieth Century"/>
+              </a:rPr>
+              <a:t>An empty string where store output is created.</a:t>
+            </a:r>
+          </a:p>
+        </p:txBody>
+      </p:sp>
+      <p:pic>
+        <p:nvPicPr>
+          <p:cNvPr id="5" name="Google Shape;98;p41">
+            <a:extLst>
+              <a:ext uri="{FF2B5EF4-FFF2-40B4-BE49-F238E27FC236}">
+                <a16:creationId xmlns:a16="http://schemas.microsoft.com/office/drawing/2014/main" id="{564035EE-44E1-4C3A-BD05-48F7B85384D1}"/>
+              </a:ext>
+            </a:extLst>
+          </p:cNvPr>
+          <p:cNvPicPr preferRelativeResize="0"/>
+          <p:nvPr/>
+        </p:nvPicPr>
+        <p:blipFill rotWithShape="1">
+          <a:blip r:embed="rId3">
+            <a:alphaModFix/>
+          </a:blip>
+          <a:srcRect/>
+          <a:stretch/>
+        </p:blipFill>
+        <p:spPr>
+          <a:xfrm>
+            <a:off x="11411712" y="302053"/>
+            <a:ext cx="540811" cy="652104"/>
+          </a:xfrm>
+          <a:prstGeom prst="rect">
+            <a:avLst/>
+          </a:prstGeom>
+          <a:noFill/>
+          <a:ln>
+            <a:noFill/>
+          </a:ln>
+        </p:spPr>
+      </p:pic>
+      <p:sp>
+        <p:nvSpPr>
+          <p:cNvPr id="11" name="CasellaDiTesto 10">
+            <a:extLst>
+              <a:ext uri="{FF2B5EF4-FFF2-40B4-BE49-F238E27FC236}">
+                <a16:creationId xmlns:a16="http://schemas.microsoft.com/office/drawing/2014/main" id="{0C92CD2B-CED1-4A80-BD13-74A28F95267E}"/>
+              </a:ext>
+            </a:extLst>
+          </p:cNvPr>
+          <p:cNvSpPr txBox="1"/>
+          <p:nvPr/>
+        </p:nvSpPr>
+        <p:spPr>
+          <a:xfrm>
+            <a:off x="5858047" y="2106000"/>
+            <a:ext cx="6094476" cy="4616648"/>
+          </a:xfrm>
+          <a:prstGeom prst="rect">
+            <a:avLst/>
+          </a:prstGeom>
+          <a:solidFill>
+            <a:schemeClr val="tx1"/>
+          </a:solidFill>
+        </p:spPr>
+        <p:txBody>
+          <a:bodyPr wrap="square">
+            <a:spAutoFit/>
+          </a:bodyPr>
+          <a:lstStyle/>
+          <a:p>
+            <a:r>
+              <a:rPr lang="it-IT" b="0" dirty="0">
+                <a:solidFill>
+                  <a:srgbClr val="C586C0"/>
+                </a:solidFill>
+                <a:effectLst/>
+                <a:latin typeface="Consolas" panose="020B0609020204030204" pitchFamily="49" charset="0"/>
+              </a:rPr>
+              <a:t>import</a:t>
+            </a:r>
+            <a:r>
+              <a:rPr lang="it-IT" b="0" dirty="0">
+                <a:solidFill>
+                  <a:srgbClr val="D4D4D4"/>
+                </a:solidFill>
+                <a:effectLst/>
+                <a:latin typeface="Consolas" panose="020B0609020204030204" pitchFamily="49" charset="0"/>
+              </a:rPr>
+              <a:t> </a:t>
+            </a:r>
+            <a:r>
+              <a:rPr lang="it-IT" b="0" dirty="0" err="1">
+                <a:solidFill>
+                  <a:srgbClr val="4EC9B0"/>
+                </a:solidFill>
+                <a:effectLst/>
+                <a:latin typeface="Consolas" panose="020B0609020204030204" pitchFamily="49" charset="0"/>
+              </a:rPr>
+              <a:t>json</a:t>
+            </a:r>
+            <a:endParaRPr lang="it-IT" b="0" dirty="0">
+              <a:solidFill>
+                <a:srgbClr val="D4D4D4"/>
+              </a:solidFill>
+              <a:effectLst/>
+              <a:latin typeface="Consolas" panose="020B0609020204030204" pitchFamily="49" charset="0"/>
+            </a:endParaRPr>
+          </a:p>
+          <a:p>
+            <a:r>
+              <a:rPr lang="it-IT" b="0" dirty="0">
+                <a:solidFill>
+                  <a:srgbClr val="C586C0"/>
+                </a:solidFill>
+                <a:effectLst/>
+                <a:latin typeface="Consolas" panose="020B0609020204030204" pitchFamily="49" charset="0"/>
+              </a:rPr>
+              <a:t>from</a:t>
+            </a:r>
+            <a:r>
+              <a:rPr lang="it-IT" b="0" dirty="0">
+                <a:solidFill>
+                  <a:srgbClr val="D4D4D4"/>
+                </a:solidFill>
+                <a:effectLst/>
+                <a:latin typeface="Consolas" panose="020B0609020204030204" pitchFamily="49" charset="0"/>
+              </a:rPr>
+              <a:t> </a:t>
+            </a:r>
+            <a:r>
+              <a:rPr lang="it-IT" b="0" dirty="0" err="1">
+                <a:solidFill>
+                  <a:srgbClr val="4EC9B0"/>
+                </a:solidFill>
+                <a:effectLst/>
+                <a:latin typeface="Consolas" panose="020B0609020204030204" pitchFamily="49" charset="0"/>
+              </a:rPr>
+              <a:t>datetime</a:t>
+            </a:r>
+            <a:r>
+              <a:rPr lang="it-IT" b="0" dirty="0">
+                <a:solidFill>
+                  <a:srgbClr val="D4D4D4"/>
+                </a:solidFill>
+                <a:effectLst/>
+                <a:latin typeface="Consolas" panose="020B0609020204030204" pitchFamily="49" charset="0"/>
+              </a:rPr>
+              <a:t> </a:t>
+            </a:r>
+            <a:r>
+              <a:rPr lang="it-IT" b="0" dirty="0">
+                <a:solidFill>
+                  <a:srgbClr val="C586C0"/>
+                </a:solidFill>
+                <a:effectLst/>
+                <a:latin typeface="Consolas" panose="020B0609020204030204" pitchFamily="49" charset="0"/>
+              </a:rPr>
+              <a:t>import</a:t>
+            </a:r>
+            <a:r>
+              <a:rPr lang="it-IT" b="0" dirty="0">
+                <a:solidFill>
+                  <a:srgbClr val="D4D4D4"/>
+                </a:solidFill>
+                <a:effectLst/>
+                <a:latin typeface="Consolas" panose="020B0609020204030204" pitchFamily="49" charset="0"/>
+              </a:rPr>
+              <a:t> </a:t>
+            </a:r>
+            <a:r>
+              <a:rPr lang="it-IT" b="0" dirty="0" err="1">
+                <a:solidFill>
+                  <a:srgbClr val="4EC9B0"/>
+                </a:solidFill>
+                <a:effectLst/>
+                <a:latin typeface="Consolas" panose="020B0609020204030204" pitchFamily="49" charset="0"/>
+              </a:rPr>
+              <a:t>datetime</a:t>
+            </a:r>
+            <a:endParaRPr lang="it-IT" b="0" dirty="0">
+              <a:solidFill>
+                <a:srgbClr val="D4D4D4"/>
+              </a:solidFill>
+              <a:effectLst/>
+              <a:latin typeface="Consolas" panose="020B0609020204030204" pitchFamily="49" charset="0"/>
+            </a:endParaRPr>
+          </a:p>
+          <a:p>
+            <a:br>
+              <a:rPr lang="it-IT" b="0" dirty="0">
+                <a:solidFill>
+                  <a:srgbClr val="D4D4D4"/>
+                </a:solidFill>
+                <a:effectLst/>
+                <a:latin typeface="Consolas" panose="020B0609020204030204" pitchFamily="49" charset="0"/>
+              </a:rPr>
+            </a:br>
+            <a:r>
+              <a:rPr lang="it-IT" b="0" dirty="0">
+                <a:solidFill>
+                  <a:srgbClr val="C586C0"/>
+                </a:solidFill>
+                <a:effectLst/>
+                <a:latin typeface="Consolas" panose="020B0609020204030204" pitchFamily="49" charset="0"/>
+              </a:rPr>
+              <a:t>import</a:t>
+            </a:r>
+            <a:r>
+              <a:rPr lang="it-IT" b="0" dirty="0">
+                <a:solidFill>
+                  <a:srgbClr val="D4D4D4"/>
+                </a:solidFill>
+                <a:effectLst/>
+                <a:latin typeface="Consolas" panose="020B0609020204030204" pitchFamily="49" charset="0"/>
+              </a:rPr>
+              <a:t> </a:t>
+            </a:r>
+            <a:r>
+              <a:rPr lang="it-IT" b="0" dirty="0" err="1">
+                <a:solidFill>
+                  <a:srgbClr val="D4D4D4"/>
+                </a:solidFill>
+                <a:effectLst/>
+                <a:latin typeface="Consolas" panose="020B0609020204030204" pitchFamily="49" charset="0"/>
+              </a:rPr>
+              <a:t>numpy</a:t>
+            </a:r>
+            <a:r>
+              <a:rPr lang="it-IT" b="0" dirty="0">
+                <a:solidFill>
+                  <a:srgbClr val="D4D4D4"/>
+                </a:solidFill>
+                <a:effectLst/>
+                <a:latin typeface="Consolas" panose="020B0609020204030204" pitchFamily="49" charset="0"/>
+              </a:rPr>
+              <a:t> </a:t>
+            </a:r>
+            <a:r>
+              <a:rPr lang="it-IT" b="0" dirty="0" err="1">
+                <a:solidFill>
+                  <a:srgbClr val="C586C0"/>
+                </a:solidFill>
+                <a:effectLst/>
+                <a:latin typeface="Consolas" panose="020B0609020204030204" pitchFamily="49" charset="0"/>
+              </a:rPr>
+              <a:t>as</a:t>
+            </a:r>
+            <a:r>
+              <a:rPr lang="it-IT" b="0" dirty="0">
+                <a:solidFill>
+                  <a:srgbClr val="D4D4D4"/>
+                </a:solidFill>
+                <a:effectLst/>
+                <a:latin typeface="Consolas" panose="020B0609020204030204" pitchFamily="49" charset="0"/>
+              </a:rPr>
+              <a:t> </a:t>
+            </a:r>
+            <a:r>
+              <a:rPr lang="it-IT" b="0" dirty="0" err="1">
+                <a:solidFill>
+                  <a:srgbClr val="4EC9B0"/>
+                </a:solidFill>
+                <a:effectLst/>
+                <a:latin typeface="Consolas" panose="020B0609020204030204" pitchFamily="49" charset="0"/>
+              </a:rPr>
+              <a:t>np</a:t>
+            </a:r>
+            <a:endParaRPr lang="it-IT" b="0" dirty="0">
+              <a:solidFill>
+                <a:srgbClr val="D4D4D4"/>
+              </a:solidFill>
+              <a:effectLst/>
+              <a:latin typeface="Consolas" panose="020B0609020204030204" pitchFamily="49" charset="0"/>
+            </a:endParaRPr>
+          </a:p>
+          <a:p>
+            <a:r>
+              <a:rPr lang="it-IT" b="0" dirty="0">
+                <a:solidFill>
+                  <a:srgbClr val="C586C0"/>
+                </a:solidFill>
+                <a:effectLst/>
+                <a:latin typeface="Consolas" panose="020B0609020204030204" pitchFamily="49" charset="0"/>
+              </a:rPr>
+              <a:t>import</a:t>
+            </a:r>
+            <a:r>
+              <a:rPr lang="it-IT" b="0" dirty="0">
+                <a:solidFill>
+                  <a:srgbClr val="D4D4D4"/>
+                </a:solidFill>
+                <a:effectLst/>
+                <a:latin typeface="Consolas" panose="020B0609020204030204" pitchFamily="49" charset="0"/>
+              </a:rPr>
+              <a:t> </a:t>
+            </a:r>
+            <a:r>
+              <a:rPr lang="it-IT" b="0" dirty="0" err="1">
+                <a:solidFill>
+                  <a:srgbClr val="D4D4D4"/>
+                </a:solidFill>
+                <a:effectLst/>
+                <a:latin typeface="Consolas" panose="020B0609020204030204" pitchFamily="49" charset="0"/>
+              </a:rPr>
+              <a:t>torch</a:t>
+            </a:r>
+            <a:endParaRPr lang="it-IT" b="0" dirty="0">
+              <a:solidFill>
+                <a:srgbClr val="D4D4D4"/>
+              </a:solidFill>
+              <a:effectLst/>
+              <a:latin typeface="Consolas" panose="020B0609020204030204" pitchFamily="49" charset="0"/>
+            </a:endParaRPr>
+          </a:p>
+          <a:p>
+            <a:r>
+              <a:rPr lang="it-IT" b="0" dirty="0">
+                <a:solidFill>
+                  <a:srgbClr val="C586C0"/>
+                </a:solidFill>
+                <a:effectLst/>
+                <a:latin typeface="Consolas" panose="020B0609020204030204" pitchFamily="49" charset="0"/>
+              </a:rPr>
+              <a:t>from</a:t>
+            </a:r>
+            <a:r>
+              <a:rPr lang="it-IT" b="0" dirty="0">
+                <a:solidFill>
+                  <a:srgbClr val="D4D4D4"/>
+                </a:solidFill>
+                <a:effectLst/>
+                <a:latin typeface="Consolas" panose="020B0609020204030204" pitchFamily="49" charset="0"/>
+              </a:rPr>
+              <a:t> transformers </a:t>
+            </a:r>
+            <a:r>
+              <a:rPr lang="it-IT" b="0" dirty="0">
+                <a:solidFill>
+                  <a:srgbClr val="C586C0"/>
+                </a:solidFill>
+                <a:effectLst/>
+                <a:latin typeface="Consolas" panose="020B0609020204030204" pitchFamily="49" charset="0"/>
+              </a:rPr>
+              <a:t>import</a:t>
+            </a:r>
+            <a:r>
+              <a:rPr lang="it-IT" b="0" dirty="0">
+                <a:solidFill>
+                  <a:srgbClr val="D4D4D4"/>
+                </a:solidFill>
+                <a:effectLst/>
+                <a:latin typeface="Consolas" panose="020B0609020204030204" pitchFamily="49" charset="0"/>
+              </a:rPr>
+              <a:t> </a:t>
+            </a:r>
+            <a:r>
+              <a:rPr lang="it-IT" b="0" dirty="0" err="1">
+                <a:solidFill>
+                  <a:srgbClr val="D4D4D4"/>
+                </a:solidFill>
+                <a:effectLst/>
+                <a:latin typeface="Consolas" panose="020B0609020204030204" pitchFamily="49" charset="0"/>
+              </a:rPr>
+              <a:t>AutoTokenizer</a:t>
+            </a:r>
+            <a:r>
+              <a:rPr lang="it-IT" b="0" dirty="0">
+                <a:solidFill>
+                  <a:srgbClr val="D4D4D4"/>
+                </a:solidFill>
+                <a:effectLst/>
+                <a:latin typeface="Consolas" panose="020B0609020204030204" pitchFamily="49" charset="0"/>
+              </a:rPr>
+              <a:t>, </a:t>
+            </a:r>
+            <a:r>
+              <a:rPr lang="it-IT" b="0" dirty="0" err="1">
+                <a:solidFill>
+                  <a:srgbClr val="D4D4D4"/>
+                </a:solidFill>
+                <a:effectLst/>
+                <a:latin typeface="Consolas" panose="020B0609020204030204" pitchFamily="49" charset="0"/>
+              </a:rPr>
+              <a:t>AutoModelForSequenceClassification</a:t>
+            </a:r>
+            <a:endParaRPr lang="it-IT" b="0" dirty="0">
+              <a:solidFill>
+                <a:srgbClr val="D4D4D4"/>
+              </a:solidFill>
+              <a:effectLst/>
+              <a:latin typeface="Consolas" panose="020B0609020204030204" pitchFamily="49" charset="0"/>
+            </a:endParaRPr>
+          </a:p>
+          <a:p>
+            <a:br>
+              <a:rPr lang="it-IT" b="0" dirty="0">
+                <a:solidFill>
+                  <a:srgbClr val="D4D4D4"/>
+                </a:solidFill>
+                <a:effectLst/>
+                <a:latin typeface="Consolas" panose="020B0609020204030204" pitchFamily="49" charset="0"/>
+              </a:rPr>
+            </a:br>
+            <a:r>
+              <a:rPr lang="it-IT" b="0" dirty="0">
+                <a:solidFill>
+                  <a:srgbClr val="6A9955"/>
+                </a:solidFill>
+                <a:effectLst/>
+                <a:latin typeface="Consolas" panose="020B0609020204030204" pitchFamily="49" charset="0"/>
+              </a:rPr>
+              <a:t># Read data from input file</a:t>
+            </a:r>
+            <a:endParaRPr lang="it-IT" b="0" dirty="0">
+              <a:solidFill>
+                <a:srgbClr val="D4D4D4"/>
+              </a:solidFill>
+              <a:effectLst/>
+              <a:latin typeface="Consolas" panose="020B0609020204030204" pitchFamily="49" charset="0"/>
+            </a:endParaRPr>
+          </a:p>
+          <a:p>
+            <a:r>
+              <a:rPr lang="it-IT" b="0" dirty="0">
+                <a:solidFill>
+                  <a:srgbClr val="9CDCFE"/>
+                </a:solidFill>
+                <a:effectLst/>
+                <a:latin typeface="Consolas" panose="020B0609020204030204" pitchFamily="49" charset="0"/>
+              </a:rPr>
+              <a:t>file</a:t>
+            </a:r>
+            <a:r>
+              <a:rPr lang="it-IT" b="0" dirty="0">
+                <a:solidFill>
+                  <a:srgbClr val="D4D4D4"/>
+                </a:solidFill>
+                <a:effectLst/>
+                <a:latin typeface="Consolas" panose="020B0609020204030204" pitchFamily="49" charset="0"/>
+              </a:rPr>
+              <a:t> = </a:t>
+            </a:r>
+            <a:r>
+              <a:rPr lang="it-IT" b="0" dirty="0">
+                <a:solidFill>
+                  <a:srgbClr val="DCDCAA"/>
+                </a:solidFill>
+                <a:effectLst/>
+                <a:latin typeface="Consolas" panose="020B0609020204030204" pitchFamily="49" charset="0"/>
+              </a:rPr>
+              <a:t>open</a:t>
+            </a:r>
+            <a:r>
+              <a:rPr lang="it-IT" b="0" dirty="0">
+                <a:solidFill>
+                  <a:srgbClr val="D4D4D4"/>
+                </a:solidFill>
+                <a:effectLst/>
+                <a:latin typeface="Consolas" panose="020B0609020204030204" pitchFamily="49" charset="0"/>
+              </a:rPr>
+              <a:t>(</a:t>
+            </a:r>
+            <a:r>
+              <a:rPr lang="it-IT" dirty="0">
+                <a:solidFill>
+                  <a:srgbClr val="CE9178"/>
+                </a:solidFill>
+                <a:latin typeface="Consolas" panose="020B0609020204030204" pitchFamily="49" charset="0"/>
+              </a:rPr>
+              <a:t>"</a:t>
+            </a:r>
+            <a:r>
+              <a:rPr lang="it-IT" b="0" dirty="0">
+                <a:solidFill>
+                  <a:srgbClr val="CE9178"/>
+                </a:solidFill>
+                <a:effectLst/>
+                <a:latin typeface="Consolas" panose="020B0609020204030204" pitchFamily="49" charset="0"/>
+              </a:rPr>
+              <a:t>input.csv"</a:t>
+            </a:r>
+            <a:r>
+              <a:rPr lang="it-IT" b="0" dirty="0">
+                <a:solidFill>
+                  <a:srgbClr val="D4D4D4"/>
+                </a:solidFill>
+                <a:effectLst/>
+                <a:latin typeface="Consolas" panose="020B0609020204030204" pitchFamily="49" charset="0"/>
+              </a:rPr>
+              <a:t>, </a:t>
+            </a:r>
+            <a:r>
+              <a:rPr lang="it-IT" dirty="0">
+                <a:solidFill>
+                  <a:srgbClr val="CE9178"/>
+                </a:solidFill>
+                <a:latin typeface="Consolas" panose="020B0609020204030204" pitchFamily="49" charset="0"/>
+              </a:rPr>
+              <a:t>"</a:t>
+            </a:r>
+            <a:r>
+              <a:rPr lang="it-IT" b="0" dirty="0">
+                <a:solidFill>
+                  <a:srgbClr val="CE9178"/>
+                </a:solidFill>
+                <a:effectLst/>
+                <a:latin typeface="Consolas" panose="020B0609020204030204" pitchFamily="49" charset="0"/>
+              </a:rPr>
+              <a:t>r"</a:t>
+            </a:r>
+            <a:r>
+              <a:rPr lang="it-IT" b="0" dirty="0">
+                <a:solidFill>
+                  <a:srgbClr val="D4D4D4"/>
+                </a:solidFill>
+                <a:effectLst/>
+                <a:latin typeface="Consolas" panose="020B0609020204030204" pitchFamily="49" charset="0"/>
+              </a:rPr>
+              <a:t>, </a:t>
+            </a:r>
+            <a:r>
+              <a:rPr lang="it-IT" b="0" dirty="0">
+                <a:solidFill>
+                  <a:srgbClr val="9CDCFE"/>
+                </a:solidFill>
+                <a:effectLst/>
+                <a:latin typeface="Consolas" panose="020B0609020204030204" pitchFamily="49" charset="0"/>
+              </a:rPr>
+              <a:t>encoding</a:t>
+            </a:r>
+            <a:r>
+              <a:rPr lang="it-IT" b="0" dirty="0">
+                <a:solidFill>
+                  <a:srgbClr val="D4D4D4"/>
+                </a:solidFill>
+                <a:effectLst/>
+                <a:latin typeface="Consolas" panose="020B0609020204030204" pitchFamily="49" charset="0"/>
+              </a:rPr>
+              <a:t>=</a:t>
+            </a:r>
+            <a:r>
+              <a:rPr lang="it-IT" dirty="0">
+                <a:solidFill>
+                  <a:srgbClr val="CE9178"/>
+                </a:solidFill>
+                <a:latin typeface="Consolas" panose="020B0609020204030204" pitchFamily="49" charset="0"/>
+              </a:rPr>
+              <a:t>"</a:t>
+            </a:r>
+            <a:r>
+              <a:rPr lang="it-IT" b="0" dirty="0">
+                <a:solidFill>
+                  <a:srgbClr val="CE9178"/>
+                </a:solidFill>
+                <a:effectLst/>
+                <a:latin typeface="Consolas" panose="020B0609020204030204" pitchFamily="49" charset="0"/>
+              </a:rPr>
+              <a:t>utf-8</a:t>
+            </a:r>
+            <a:r>
+              <a:rPr lang="it-IT" dirty="0">
+                <a:solidFill>
+                  <a:srgbClr val="CE9178"/>
+                </a:solidFill>
+                <a:latin typeface="Consolas" panose="020B0609020204030204" pitchFamily="49" charset="0"/>
+              </a:rPr>
+              <a:t>"</a:t>
+            </a:r>
+            <a:r>
+              <a:rPr lang="it-IT" b="0" dirty="0">
+                <a:solidFill>
+                  <a:srgbClr val="D4D4D4"/>
+                </a:solidFill>
+                <a:effectLst/>
+                <a:latin typeface="Consolas" panose="020B0609020204030204" pitchFamily="49" charset="0"/>
+              </a:rPr>
+              <a:t>)</a:t>
+            </a:r>
+          </a:p>
+          <a:p>
+            <a:r>
+              <a:rPr lang="it-IT" b="0" dirty="0">
+                <a:solidFill>
+                  <a:srgbClr val="9CDCFE"/>
+                </a:solidFill>
+                <a:effectLst/>
+                <a:latin typeface="Consolas" panose="020B0609020204030204" pitchFamily="49" charset="0"/>
+              </a:rPr>
+              <a:t>lines</a:t>
+            </a:r>
+            <a:r>
+              <a:rPr lang="it-IT" b="0" dirty="0">
+                <a:solidFill>
+                  <a:srgbClr val="D4D4D4"/>
+                </a:solidFill>
+                <a:effectLst/>
+                <a:latin typeface="Consolas" panose="020B0609020204030204" pitchFamily="49" charset="0"/>
+              </a:rPr>
+              <a:t> = </a:t>
+            </a:r>
+            <a:r>
+              <a:rPr lang="it-IT" b="0" dirty="0" err="1">
+                <a:solidFill>
+                  <a:srgbClr val="9CDCFE"/>
+                </a:solidFill>
+                <a:effectLst/>
+                <a:latin typeface="Consolas" panose="020B0609020204030204" pitchFamily="49" charset="0"/>
+              </a:rPr>
+              <a:t>file</a:t>
+            </a:r>
+            <a:r>
+              <a:rPr lang="it-IT" b="0" dirty="0" err="1">
+                <a:solidFill>
+                  <a:srgbClr val="D4D4D4"/>
+                </a:solidFill>
+                <a:effectLst/>
+                <a:latin typeface="Consolas" panose="020B0609020204030204" pitchFamily="49" charset="0"/>
+              </a:rPr>
+              <a:t>.</a:t>
+            </a:r>
+            <a:r>
+              <a:rPr lang="it-IT" b="0" dirty="0" err="1">
+                <a:solidFill>
+                  <a:srgbClr val="DCDCAA"/>
+                </a:solidFill>
+                <a:effectLst/>
+                <a:latin typeface="Consolas" panose="020B0609020204030204" pitchFamily="49" charset="0"/>
+              </a:rPr>
+              <a:t>readlines</a:t>
+            </a:r>
+            <a:r>
+              <a:rPr lang="it-IT" b="0" dirty="0">
+                <a:solidFill>
+                  <a:srgbClr val="D4D4D4"/>
+                </a:solidFill>
+                <a:effectLst/>
+                <a:latin typeface="Consolas" panose="020B0609020204030204" pitchFamily="49" charset="0"/>
+              </a:rPr>
+              <a:t>()</a:t>
+            </a:r>
+          </a:p>
+          <a:p>
+            <a:r>
+              <a:rPr lang="it-IT" b="0" dirty="0" err="1">
+                <a:solidFill>
+                  <a:srgbClr val="9CDCFE"/>
+                </a:solidFill>
+                <a:effectLst/>
+                <a:latin typeface="Consolas" panose="020B0609020204030204" pitchFamily="49" charset="0"/>
+              </a:rPr>
+              <a:t>file</a:t>
+            </a:r>
+            <a:r>
+              <a:rPr lang="it-IT" b="0" dirty="0" err="1">
+                <a:solidFill>
+                  <a:srgbClr val="D4D4D4"/>
+                </a:solidFill>
+                <a:effectLst/>
+                <a:latin typeface="Consolas" panose="020B0609020204030204" pitchFamily="49" charset="0"/>
+              </a:rPr>
+              <a:t>.</a:t>
+            </a:r>
+            <a:r>
+              <a:rPr lang="it-IT" b="0" dirty="0" err="1">
+                <a:solidFill>
+                  <a:srgbClr val="DCDCAA"/>
+                </a:solidFill>
+                <a:effectLst/>
+                <a:latin typeface="Consolas" panose="020B0609020204030204" pitchFamily="49" charset="0"/>
+              </a:rPr>
+              <a:t>close</a:t>
+            </a:r>
+            <a:r>
+              <a:rPr lang="it-IT" b="0" dirty="0">
+                <a:solidFill>
+                  <a:srgbClr val="D4D4D4"/>
+                </a:solidFill>
+                <a:effectLst/>
+                <a:latin typeface="Consolas" panose="020B0609020204030204" pitchFamily="49" charset="0"/>
+              </a:rPr>
+              <a:t>()</a:t>
+            </a:r>
+          </a:p>
+          <a:p>
+            <a:br>
+              <a:rPr lang="it-IT" b="0" dirty="0">
+                <a:solidFill>
+                  <a:srgbClr val="D4D4D4"/>
+                </a:solidFill>
+                <a:effectLst/>
+                <a:latin typeface="Consolas" panose="020B0609020204030204" pitchFamily="49" charset="0"/>
+              </a:rPr>
+            </a:br>
+            <a:r>
+              <a:rPr lang="it-IT" b="0" dirty="0">
+                <a:solidFill>
+                  <a:srgbClr val="6A9955"/>
+                </a:solidFill>
+                <a:effectLst/>
+                <a:latin typeface="Consolas" panose="020B0609020204030204" pitchFamily="49" charset="0"/>
+              </a:rPr>
+              <a:t># Load </a:t>
+            </a:r>
+            <a:r>
+              <a:rPr lang="it-IT" b="0" dirty="0" err="1">
+                <a:solidFill>
+                  <a:srgbClr val="6A9955"/>
+                </a:solidFill>
+                <a:effectLst/>
+                <a:latin typeface="Consolas" panose="020B0609020204030204" pitchFamily="49" charset="0"/>
+              </a:rPr>
+              <a:t>tokenizer</a:t>
+            </a:r>
+            <a:r>
+              <a:rPr lang="it-IT" b="0" dirty="0">
+                <a:solidFill>
+                  <a:srgbClr val="6A9955"/>
+                </a:solidFill>
+                <a:effectLst/>
+                <a:latin typeface="Consolas" panose="020B0609020204030204" pitchFamily="49" charset="0"/>
+              </a:rPr>
+              <a:t> and model</a:t>
+            </a:r>
+            <a:endParaRPr lang="it-IT" b="0" dirty="0">
+              <a:solidFill>
+                <a:srgbClr val="D4D4D4"/>
+              </a:solidFill>
+              <a:effectLst/>
+              <a:latin typeface="Consolas" panose="020B0609020204030204" pitchFamily="49" charset="0"/>
+            </a:endParaRPr>
+          </a:p>
+          <a:p>
+            <a:r>
+              <a:rPr lang="it-IT" b="0" dirty="0" err="1">
+                <a:solidFill>
+                  <a:srgbClr val="9CDCFE"/>
+                </a:solidFill>
+                <a:effectLst/>
+                <a:latin typeface="Consolas" panose="020B0609020204030204" pitchFamily="49" charset="0"/>
+              </a:rPr>
+              <a:t>tokenizer</a:t>
+            </a:r>
+            <a:r>
+              <a:rPr lang="it-IT" b="0" dirty="0">
+                <a:solidFill>
+                  <a:srgbClr val="D4D4D4"/>
+                </a:solidFill>
+                <a:effectLst/>
+                <a:latin typeface="Consolas" panose="020B0609020204030204" pitchFamily="49" charset="0"/>
+              </a:rPr>
+              <a:t> = </a:t>
+            </a:r>
+            <a:r>
+              <a:rPr lang="it-IT" b="0" dirty="0" err="1">
+                <a:solidFill>
+                  <a:srgbClr val="D4D4D4"/>
+                </a:solidFill>
+                <a:effectLst/>
+                <a:latin typeface="Consolas" panose="020B0609020204030204" pitchFamily="49" charset="0"/>
+              </a:rPr>
+              <a:t>AutoTokenizer.from_pretrained</a:t>
+            </a:r>
+            <a:r>
+              <a:rPr lang="it-IT" b="0" dirty="0">
+                <a:solidFill>
+                  <a:srgbClr val="D4D4D4"/>
+                </a:solidFill>
+                <a:effectLst/>
+                <a:latin typeface="Consolas" panose="020B0609020204030204" pitchFamily="49" charset="0"/>
+              </a:rPr>
+              <a:t>(</a:t>
+            </a:r>
+            <a:r>
+              <a:rPr lang="it-IT" b="0" dirty="0">
+                <a:solidFill>
+                  <a:srgbClr val="CE9178"/>
+                </a:solidFill>
+                <a:effectLst/>
+                <a:latin typeface="Consolas" panose="020B0609020204030204" pitchFamily="49" charset="0"/>
+              </a:rPr>
+              <a:t>"</a:t>
+            </a:r>
+            <a:r>
+              <a:rPr lang="it-IT" b="0" dirty="0" err="1">
+                <a:solidFill>
+                  <a:srgbClr val="CE9178"/>
+                </a:solidFill>
+                <a:effectLst/>
+                <a:latin typeface="Consolas" panose="020B0609020204030204" pitchFamily="49" charset="0"/>
+              </a:rPr>
+              <a:t>MilaNLProc</a:t>
+            </a:r>
+            <a:r>
+              <a:rPr lang="it-IT" b="0" dirty="0">
+                <a:solidFill>
+                  <a:srgbClr val="CE9178"/>
+                </a:solidFill>
+                <a:effectLst/>
+                <a:latin typeface="Consolas" panose="020B0609020204030204" pitchFamily="49" charset="0"/>
+              </a:rPr>
+              <a:t>/</a:t>
+            </a:r>
+            <a:r>
+              <a:rPr lang="it-IT" b="0" dirty="0" err="1">
+                <a:solidFill>
+                  <a:srgbClr val="CE9178"/>
+                </a:solidFill>
+                <a:effectLst/>
+                <a:latin typeface="Consolas" panose="020B0609020204030204" pitchFamily="49" charset="0"/>
+              </a:rPr>
+              <a:t>feel</a:t>
+            </a:r>
+            <a:r>
+              <a:rPr lang="it-IT" b="0" dirty="0">
+                <a:solidFill>
+                  <a:srgbClr val="CE9178"/>
+                </a:solidFill>
+                <a:effectLst/>
+                <a:latin typeface="Consolas" panose="020B0609020204030204" pitchFamily="49" charset="0"/>
+              </a:rPr>
+              <a:t>-</a:t>
+            </a:r>
+            <a:r>
+              <a:rPr lang="it-IT" b="0" dirty="0" err="1">
+                <a:solidFill>
+                  <a:srgbClr val="CE9178"/>
+                </a:solidFill>
+                <a:effectLst/>
+                <a:latin typeface="Consolas" panose="020B0609020204030204" pitchFamily="49" charset="0"/>
+              </a:rPr>
+              <a:t>it</a:t>
+            </a:r>
+            <a:r>
+              <a:rPr lang="it-IT" b="0" dirty="0">
+                <a:solidFill>
+                  <a:srgbClr val="CE9178"/>
+                </a:solidFill>
+                <a:effectLst/>
+                <a:latin typeface="Consolas" panose="020B0609020204030204" pitchFamily="49" charset="0"/>
+              </a:rPr>
+              <a:t>-</a:t>
+            </a:r>
+            <a:r>
+              <a:rPr lang="it-IT" b="0" dirty="0" err="1">
+                <a:solidFill>
+                  <a:srgbClr val="CE9178"/>
+                </a:solidFill>
+                <a:effectLst/>
+                <a:latin typeface="Consolas" panose="020B0609020204030204" pitchFamily="49" charset="0"/>
+              </a:rPr>
+              <a:t>italian</a:t>
+            </a:r>
+            <a:r>
+              <a:rPr lang="it-IT" b="0" dirty="0">
+                <a:solidFill>
+                  <a:srgbClr val="CE9178"/>
+                </a:solidFill>
+                <a:effectLst/>
+                <a:latin typeface="Consolas" panose="020B0609020204030204" pitchFamily="49" charset="0"/>
+              </a:rPr>
+              <a:t>-sentiment"</a:t>
+            </a:r>
+            <a:r>
+              <a:rPr lang="it-IT" b="0" dirty="0">
+                <a:solidFill>
+                  <a:srgbClr val="D4D4D4"/>
+                </a:solidFill>
+                <a:effectLst/>
+                <a:latin typeface="Consolas" panose="020B0609020204030204" pitchFamily="49" charset="0"/>
+              </a:rPr>
+              <a:t>)</a:t>
+            </a:r>
+          </a:p>
+          <a:p>
+            <a:r>
+              <a:rPr lang="it-IT" b="0" dirty="0">
+                <a:solidFill>
+                  <a:srgbClr val="9CDCFE"/>
+                </a:solidFill>
+                <a:effectLst/>
+                <a:latin typeface="Consolas" panose="020B0609020204030204" pitchFamily="49" charset="0"/>
+              </a:rPr>
+              <a:t>model</a:t>
+            </a:r>
+            <a:r>
+              <a:rPr lang="it-IT" b="0" dirty="0">
+                <a:solidFill>
+                  <a:srgbClr val="D4D4D4"/>
+                </a:solidFill>
+                <a:effectLst/>
+                <a:latin typeface="Consolas" panose="020B0609020204030204" pitchFamily="49" charset="0"/>
+              </a:rPr>
+              <a:t> = </a:t>
+            </a:r>
+            <a:r>
+              <a:rPr lang="it-IT" b="0" dirty="0" err="1">
+                <a:solidFill>
+                  <a:srgbClr val="D4D4D4"/>
+                </a:solidFill>
+                <a:effectLst/>
+                <a:latin typeface="Consolas" panose="020B0609020204030204" pitchFamily="49" charset="0"/>
+              </a:rPr>
+              <a:t>AutoModelForSequenceClassification.from_pretrained</a:t>
+            </a:r>
+            <a:r>
+              <a:rPr lang="it-IT" b="0" dirty="0">
+                <a:solidFill>
+                  <a:srgbClr val="D4D4D4"/>
+                </a:solidFill>
+                <a:effectLst/>
+                <a:latin typeface="Consolas" panose="020B0609020204030204" pitchFamily="49" charset="0"/>
+              </a:rPr>
+              <a:t>(</a:t>
+            </a:r>
+            <a:r>
+              <a:rPr lang="it-IT" b="0" dirty="0">
+                <a:solidFill>
+                  <a:srgbClr val="CE9178"/>
+                </a:solidFill>
+                <a:effectLst/>
+                <a:latin typeface="Consolas" panose="020B0609020204030204" pitchFamily="49" charset="0"/>
+              </a:rPr>
+              <a:t>"</a:t>
+            </a:r>
+            <a:r>
+              <a:rPr lang="it-IT" b="0" dirty="0" err="1">
+                <a:solidFill>
+                  <a:srgbClr val="CE9178"/>
+                </a:solidFill>
+                <a:effectLst/>
+                <a:latin typeface="Consolas" panose="020B0609020204030204" pitchFamily="49" charset="0"/>
+              </a:rPr>
+              <a:t>MilaNLProc</a:t>
+            </a:r>
+            <a:r>
+              <a:rPr lang="it-IT" b="0" dirty="0">
+                <a:solidFill>
+                  <a:srgbClr val="CE9178"/>
+                </a:solidFill>
+                <a:effectLst/>
+                <a:latin typeface="Consolas" panose="020B0609020204030204" pitchFamily="49" charset="0"/>
+              </a:rPr>
+              <a:t>/</a:t>
+            </a:r>
+            <a:r>
+              <a:rPr lang="it-IT" b="0" dirty="0" err="1">
+                <a:solidFill>
+                  <a:srgbClr val="CE9178"/>
+                </a:solidFill>
+                <a:effectLst/>
+                <a:latin typeface="Consolas" panose="020B0609020204030204" pitchFamily="49" charset="0"/>
+              </a:rPr>
+              <a:t>feel</a:t>
+            </a:r>
+            <a:r>
+              <a:rPr lang="it-IT" b="0" dirty="0">
+                <a:solidFill>
+                  <a:srgbClr val="CE9178"/>
+                </a:solidFill>
+                <a:effectLst/>
+                <a:latin typeface="Consolas" panose="020B0609020204030204" pitchFamily="49" charset="0"/>
+              </a:rPr>
+              <a:t>-</a:t>
+            </a:r>
+            <a:r>
+              <a:rPr lang="it-IT" b="0" dirty="0" err="1">
+                <a:solidFill>
+                  <a:srgbClr val="CE9178"/>
+                </a:solidFill>
+                <a:effectLst/>
+                <a:latin typeface="Consolas" panose="020B0609020204030204" pitchFamily="49" charset="0"/>
+              </a:rPr>
+              <a:t>it</a:t>
+            </a:r>
+            <a:r>
+              <a:rPr lang="it-IT" b="0" dirty="0">
+                <a:solidFill>
+                  <a:srgbClr val="CE9178"/>
+                </a:solidFill>
+                <a:effectLst/>
+                <a:latin typeface="Consolas" panose="020B0609020204030204" pitchFamily="49" charset="0"/>
+              </a:rPr>
+              <a:t>-</a:t>
+            </a:r>
+            <a:r>
+              <a:rPr lang="it-IT" b="0" dirty="0" err="1">
+                <a:solidFill>
+                  <a:srgbClr val="CE9178"/>
+                </a:solidFill>
+                <a:effectLst/>
+                <a:latin typeface="Consolas" panose="020B0609020204030204" pitchFamily="49" charset="0"/>
+              </a:rPr>
+              <a:t>italian</a:t>
+            </a:r>
+            <a:r>
+              <a:rPr lang="it-IT" b="0" dirty="0">
+                <a:solidFill>
+                  <a:srgbClr val="CE9178"/>
+                </a:solidFill>
+                <a:effectLst/>
+                <a:latin typeface="Consolas" panose="020B0609020204030204" pitchFamily="49" charset="0"/>
+              </a:rPr>
+              <a:t>-sentiment"</a:t>
+            </a:r>
+            <a:r>
+              <a:rPr lang="it-IT" b="0" dirty="0">
+                <a:solidFill>
+                  <a:srgbClr val="D4D4D4"/>
+                </a:solidFill>
+                <a:effectLst/>
+                <a:latin typeface="Consolas" panose="020B0609020204030204" pitchFamily="49" charset="0"/>
+              </a:rPr>
+              <a:t>)</a:t>
+            </a:r>
+          </a:p>
+          <a:p>
+            <a:br>
+              <a:rPr lang="it-IT" b="0" dirty="0">
+                <a:solidFill>
+                  <a:srgbClr val="D4D4D4"/>
+                </a:solidFill>
+                <a:effectLst/>
+                <a:latin typeface="Consolas" panose="020B0609020204030204" pitchFamily="49" charset="0"/>
+              </a:rPr>
+            </a:br>
+            <a:r>
+              <a:rPr lang="it-IT" b="0" dirty="0" err="1">
+                <a:solidFill>
+                  <a:srgbClr val="9CDCFE"/>
+                </a:solidFill>
+                <a:effectLst/>
+                <a:latin typeface="Consolas" panose="020B0609020204030204" pitchFamily="49" charset="0"/>
+              </a:rPr>
+              <a:t>ris</a:t>
+            </a:r>
+            <a:r>
+              <a:rPr lang="it-IT" b="0" dirty="0">
+                <a:solidFill>
+                  <a:srgbClr val="D4D4D4"/>
+                </a:solidFill>
+                <a:effectLst/>
+                <a:latin typeface="Consolas" panose="020B0609020204030204" pitchFamily="49" charset="0"/>
+              </a:rPr>
+              <a:t> = </a:t>
+            </a:r>
+            <a:r>
+              <a:rPr lang="it-IT" b="0" dirty="0">
+                <a:solidFill>
+                  <a:srgbClr val="CE9178"/>
+                </a:solidFill>
+                <a:effectLst/>
+                <a:latin typeface="Consolas" panose="020B0609020204030204" pitchFamily="49" charset="0"/>
+              </a:rPr>
+              <a:t>""</a:t>
+            </a:r>
+            <a:endParaRPr lang="it-IT" b="0" dirty="0">
+              <a:solidFill>
+                <a:srgbClr val="D4D4D4"/>
+              </a:solidFill>
+              <a:effectLst/>
+              <a:latin typeface="Consolas" panose="020B0609020204030204" pitchFamily="49" charset="0"/>
+            </a:endParaRPr>
+          </a:p>
+        </p:txBody>
+      </p:sp>
+    </p:spTree>
+    <p:extLst>
+      <p:ext uri="{BB962C8B-B14F-4D97-AF65-F5344CB8AC3E}">
+        <p14:creationId xmlns:p14="http://schemas.microsoft.com/office/powerpoint/2010/main" val="3830281371"/>
+      </p:ext>
+    </p:extLst>
+  </p:cSld>
+  <p:clrMapOvr>
+    <a:masterClrMapping/>
+  </p:clrMapOvr>
+</p:sld>
+</file>
+
+<file path=ppt/slides/slide11.xml><?xml version="1.0" encoding="utf-8"?>
 <p:sld xmlns:a="http://schemas.openxmlformats.org/drawingml/2006/main" xmlns:r="http://schemas.openxmlformats.org/officeDocument/2006/relationships" xmlns:p="http://schemas.openxmlformats.org/presentationml/2006/main">
   <p:cSld>
     <p:spTree>
@@ -19609,7 +21215,7 @@
 </p:sld>
 </file>
 
-<file path=ppt/slides/slide11.xml><?xml version="1.0" encoding="utf-8"?>
+<file path=ppt/slides/slide12.xml><?xml version="1.0" encoding="utf-8"?>
 <p:sld xmlns:a="http://schemas.openxmlformats.org/drawingml/2006/main" xmlns:r="http://schemas.openxmlformats.org/officeDocument/2006/relationships" xmlns:p="http://schemas.openxmlformats.org/presentationml/2006/main">
   <p:cSld>
     <p:spTree>
@@ -21187,7 +22793,7 @@
 </p:sld>
 </file>
 
-<file path=ppt/slides/slide12.xml><?xml version="1.0" encoding="utf-8"?>
+<file path=ppt/slides/slide13.xml><?xml version="1.0" encoding="utf-8"?>
 <p:sld xmlns:a="http://schemas.openxmlformats.org/drawingml/2006/main" xmlns:r="http://schemas.openxmlformats.org/officeDocument/2006/relationships" xmlns:p="http://schemas.openxmlformats.org/presentationml/2006/main">
   <p:cSld>
     <p:spTree>
@@ -21529,7 +23135,7 @@
 </p:sld>
 </file>
 
-<file path=ppt/slides/slide13.xml><?xml version="1.0" encoding="utf-8"?>
+<file path=ppt/slides/slide14.xml><?xml version="1.0" encoding="utf-8"?>
 <p:sld xmlns:a="http://schemas.openxmlformats.org/drawingml/2006/main" xmlns:r="http://schemas.openxmlformats.org/officeDocument/2006/relationships" xmlns:p="http://schemas.openxmlformats.org/presentationml/2006/main">
   <p:cSld>
     <p:spTree>
@@ -21676,66 +23282,6 @@
       </p:sp>
       <p:pic>
         <p:nvPicPr>
-          <p:cNvPr id="7" name="Immagine 6">
-            <a:extLst>
-              <a:ext uri="{FF2B5EF4-FFF2-40B4-BE49-F238E27FC236}">
-                <a16:creationId xmlns:a16="http://schemas.microsoft.com/office/drawing/2014/main" id="{32842B45-0CFD-4913-96D9-D05FE7EDEB7B}"/>
-              </a:ext>
-            </a:extLst>
-          </p:cNvPr>
-          <p:cNvPicPr>
-            <a:picLocks noChangeAspect="1"/>
-          </p:cNvPicPr>
-          <p:nvPr/>
-        </p:nvPicPr>
-        <p:blipFill>
-          <a:blip r:embed="rId3"/>
-          <a:stretch>
-            <a:fillRect/>
-          </a:stretch>
-        </p:blipFill>
-        <p:spPr>
-          <a:xfrm>
-            <a:off x="2301240" y="1722119"/>
-            <a:ext cx="1490472" cy="1490472"/>
-          </a:xfrm>
-          <a:prstGeom prst="rect">
-            <a:avLst/>
-          </a:prstGeom>
-        </p:spPr>
-      </p:pic>
-      <p:pic>
-        <p:nvPicPr>
-          <p:cNvPr id="8" name="Immagine 7">
-            <a:extLst>
-              <a:ext uri="{FF2B5EF4-FFF2-40B4-BE49-F238E27FC236}">
-                <a16:creationId xmlns:a16="http://schemas.microsoft.com/office/drawing/2014/main" id="{5C530309-C457-4BF0-AD06-3099C7044811}"/>
-              </a:ext>
-            </a:extLst>
-          </p:cNvPr>
-          <p:cNvPicPr>
-            <a:picLocks noChangeAspect="1"/>
-          </p:cNvPicPr>
-          <p:nvPr/>
-        </p:nvPicPr>
-        <p:blipFill>
-          <a:blip r:embed="rId4"/>
-          <a:stretch>
-            <a:fillRect/>
-          </a:stretch>
-        </p:blipFill>
-        <p:spPr>
-          <a:xfrm>
-            <a:off x="4720333" y="1398438"/>
-            <a:ext cx="6370122" cy="2137833"/>
-          </a:xfrm>
-          <a:prstGeom prst="rect">
-            <a:avLst/>
-          </a:prstGeom>
-        </p:spPr>
-      </p:pic>
-      <p:pic>
-        <p:nvPicPr>
           <p:cNvPr id="6" name="Google Shape;98;p41">
             <a:extLst>
               <a:ext uri="{FF2B5EF4-FFF2-40B4-BE49-F238E27FC236}">
@@ -21747,7 +23293,7 @@
           <p:nvPr/>
         </p:nvPicPr>
         <p:blipFill rotWithShape="1">
-          <a:blip r:embed="rId5">
+          <a:blip r:embed="rId3">
             <a:alphaModFix/>
           </a:blip>
           <a:srcRect/>
@@ -21767,6 +23313,87 @@
           </a:ln>
         </p:spPr>
       </p:pic>
+      <p:grpSp>
+        <p:nvGrpSpPr>
+          <p:cNvPr id="9" name="Gruppo 8">
+            <a:extLst>
+              <a:ext uri="{FF2B5EF4-FFF2-40B4-BE49-F238E27FC236}">
+                <a16:creationId xmlns:a16="http://schemas.microsoft.com/office/drawing/2014/main" id="{D55C929E-52EC-4651-96FC-7C9C01B74B6A}"/>
+              </a:ext>
+            </a:extLst>
+          </p:cNvPr>
+          <p:cNvGrpSpPr/>
+          <p:nvPr/>
+        </p:nvGrpSpPr>
+        <p:grpSpPr>
+          <a:xfrm>
+            <a:off x="2941320" y="1131282"/>
+            <a:ext cx="6309360" cy="2669095"/>
+            <a:chOff x="2941320" y="1131282"/>
+            <a:chExt cx="6309360" cy="2669095"/>
+          </a:xfrm>
+        </p:grpSpPr>
+        <p:pic>
+          <p:nvPicPr>
+            <p:cNvPr id="10" name="Immagine 9">
+              <a:extLst>
+                <a:ext uri="{FF2B5EF4-FFF2-40B4-BE49-F238E27FC236}">
+                  <a16:creationId xmlns:a16="http://schemas.microsoft.com/office/drawing/2014/main" id="{9986401C-64F5-4F51-B714-34314CDB9262}"/>
+                </a:ext>
+              </a:extLst>
+            </p:cNvPr>
+            <p:cNvPicPr>
+              <a:picLocks noChangeAspect="1"/>
+            </p:cNvPicPr>
+            <p:nvPr/>
+          </p:nvPicPr>
+          <p:blipFill>
+            <a:blip r:embed="rId4"/>
+            <a:stretch>
+              <a:fillRect/>
+            </a:stretch>
+          </p:blipFill>
+          <p:spPr>
+            <a:xfrm>
+              <a:off x="2941320" y="1627630"/>
+              <a:ext cx="1676400" cy="1676400"/>
+            </a:xfrm>
+            <a:prstGeom prst="rect">
+              <a:avLst/>
+            </a:prstGeom>
+          </p:spPr>
+        </p:pic>
+        <p:pic>
+          <p:nvPicPr>
+            <p:cNvPr id="11" name="Immagine 10">
+              <a:extLst>
+                <a:ext uri="{FF2B5EF4-FFF2-40B4-BE49-F238E27FC236}">
+                  <a16:creationId xmlns:a16="http://schemas.microsoft.com/office/drawing/2014/main" id="{CAAF5A2B-EA1F-4EC9-88D3-D14C80942869}"/>
+                </a:ext>
+              </a:extLst>
+            </p:cNvPr>
+            <p:cNvPicPr>
+              <a:picLocks noChangeAspect="1"/>
+            </p:cNvPicPr>
+            <p:nvPr/>
+          </p:nvPicPr>
+          <p:blipFill>
+            <a:blip r:embed="rId5"/>
+            <a:stretch>
+              <a:fillRect/>
+            </a:stretch>
+          </p:blipFill>
+          <p:spPr>
+            <a:xfrm>
+              <a:off x="6773654" y="1131282"/>
+              <a:ext cx="2477026" cy="2669095"/>
+            </a:xfrm>
+            <a:prstGeom prst="rect">
+              <a:avLst/>
+            </a:prstGeom>
+          </p:spPr>
+        </p:pic>
+      </p:grpSp>
     </p:spTree>
   </p:cSld>
   <p:clrMapOvr>
@@ -21867,7 +23494,7 @@
         <p:spPr>
           <a:xfrm>
             <a:off x="239477" y="2106000"/>
-            <a:ext cx="6627667" cy="3508623"/>
+            <a:ext cx="7423195" cy="3508623"/>
           </a:xfrm>
           <a:prstGeom prst="rect">
             <a:avLst/>
@@ -21958,7 +23585,43 @@
                 <a:cs typeface="Twentieth Century"/>
                 <a:sym typeface="Twentieth Century"/>
               </a:rPr>
-              <a:t>using Python and a specific framework for Italian sentiment analytics</a:t>
+              <a:t>using </a:t>
+            </a:r>
+            <a:r>
+              <a:rPr lang="en-US" sz="2400" b="1" i="0" u="none" strike="noStrike" cap="none" dirty="0">
+                <a:solidFill>
+                  <a:srgbClr val="000000"/>
+                </a:solidFill>
+                <a:latin typeface="Twentieth Century"/>
+                <a:ea typeface="Twentieth Century"/>
+                <a:cs typeface="Twentieth Century"/>
+                <a:sym typeface="Twentieth Century"/>
+              </a:rPr>
+              <a:t>Python</a:t>
+            </a:r>
+            <a:r>
+              <a:rPr lang="en-US" sz="2400" i="0" u="none" strike="noStrike" cap="none" dirty="0">
+                <a:solidFill>
+                  <a:srgbClr val="000000"/>
+                </a:solidFill>
+                <a:latin typeface="Twentieth Century"/>
+                <a:ea typeface="Twentieth Century"/>
+                <a:cs typeface="Twentieth Century"/>
+                <a:sym typeface="Twentieth Century"/>
+              </a:rPr>
+              <a:t> and a specific framework for Italian sentiment analytics based on </a:t>
+            </a:r>
+            <a:r>
+              <a:rPr lang="en-US" sz="2400" b="1" i="0" u="none" strike="noStrike" cap="none" dirty="0">
+                <a:solidFill>
+                  <a:srgbClr val="000000"/>
+                </a:solidFill>
+                <a:latin typeface="Twentieth Century"/>
+                <a:ea typeface="Twentieth Century"/>
+                <a:cs typeface="Twentieth Century"/>
+                <a:sym typeface="Twentieth Century"/>
+              </a:rPr>
+              <a:t>BERT</a:t>
             </a:r>
             <a:r>
               <a:rPr lang="en-US" sz="2400" b="0" i="0" u="none" strike="noStrike" cap="none" dirty="0">
@@ -22072,7 +23735,31 @@
                 <a:cs typeface="Twentieth Century"/>
                 <a:sym typeface="Twentieth Century"/>
               </a:rPr>
-              <a:t> content and it will perform a sentiment analytics foreach row after that </a:t>
+              <a:t> content and it will perform a </a:t>
+            </a:r>
+            <a:r>
+              <a:rPr lang="en-US" sz="2400" b="1" i="0" u="none" strike="noStrike" cap="none" dirty="0">
+                <a:solidFill>
+                  <a:srgbClr val="000000"/>
+                </a:solidFill>
+                <a:latin typeface="Twentieth Century"/>
+                <a:ea typeface="Twentieth Century"/>
+                <a:cs typeface="Twentieth Century"/>
+                <a:sym typeface="Twentieth Century"/>
+              </a:rPr>
+              <a:t>sentiment analytics </a:t>
+            </a:r>
+            <a:r>
+              <a:rPr lang="en-US" sz="2400" b="0" i="0" u="none" strike="noStrike" cap="none" dirty="0">
+                <a:solidFill>
+                  <a:srgbClr val="000000"/>
+                </a:solidFill>
+                <a:latin typeface="Twentieth Century"/>
+                <a:ea typeface="Twentieth Century"/>
+                <a:cs typeface="Twentieth Century"/>
+                <a:sym typeface="Twentieth Century"/>
+              </a:rPr>
+              <a:t>foreach row after that </a:t>
             </a:r>
             <a:r>
               <a:rPr lang="en-US" sz="2400" u="none" strike="noStrike" cap="none" dirty="0">
@@ -22237,40 +23924,14 @@
               <a:buNone/>
             </a:pPr>
             <a:r>
-              <a:rPr lang="it-IT" sz="4000" b="1" i="0" u="none" strike="noStrike" cap="none" dirty="0" err="1">
+              <a:rPr lang="it-IT" sz="4000" b="1" dirty="0">
                 <a:solidFill>
                   <a:srgbClr val="002060"/>
                 </a:solidFill>
                 <a:latin typeface="Twentieth Century"/>
-                <a:ea typeface="Twentieth Century"/>
-                <a:cs typeface="Twentieth Century"/>
-                <a:sym typeface="Twentieth Century"/>
-              </a:rPr>
-              <a:t>Used</a:t>
-            </a:r>
-            <a:r>
-              <a:rPr lang="it-IT" sz="4000" b="1" i="0" u="none" strike="noStrike" cap="none" dirty="0">
-                <a:solidFill>
-                  <a:srgbClr val="002060"/>
-                </a:solidFill>
-                <a:latin typeface="Twentieth Century"/>
-                <a:ea typeface="Twentieth Century"/>
-                <a:cs typeface="Twentieth Century"/>
-                <a:sym typeface="Twentieth Century"/>
-              </a:rPr>
-              <a:t> </a:t>
-            </a:r>
-            <a:r>
-              <a:rPr lang="it-IT" sz="4000" b="1" i="0" u="none" strike="noStrike" cap="none" dirty="0" err="1">
-                <a:solidFill>
-                  <a:srgbClr val="002060"/>
-                </a:solidFill>
-                <a:latin typeface="Twentieth Century"/>
-                <a:ea typeface="Twentieth Century"/>
-                <a:cs typeface="Twentieth Century"/>
-                <a:sym typeface="Twentieth Century"/>
-              </a:rPr>
-              <a:t>technologies</a:t>
+                <a:sym typeface="Twentieth Century"/>
+              </a:rPr>
+              <a:t>BERT</a:t>
             </a:r>
             <a:endParaRPr lang="it-IT" sz="1400" b="0" i="0" u="none" strike="noStrike" cap="none" dirty="0">
               <a:solidFill>
@@ -22293,7 +23954,7 @@
         <p:spPr>
           <a:xfrm>
             <a:off x="239477" y="2106000"/>
-            <a:ext cx="7158019" cy="4616618"/>
+            <a:ext cx="7825531" cy="4247286"/>
           </a:xfrm>
           <a:prstGeom prst="rect">
             <a:avLst/>
@@ -22333,7 +23994,7 @@
                 <a:cs typeface="Twentieth Century"/>
                 <a:sym typeface="Twentieth Century"/>
               </a:rPr>
-              <a:t>TensorFlow</a:t>
+              <a:t>BERT </a:t>
             </a:r>
             <a:r>
               <a:rPr lang="en-US" sz="2400" dirty="0">
@@ -22342,43 +24003,43 @@
                 <a:cs typeface="Twentieth Century"/>
                 <a:sym typeface="Twentieth Century"/>
               </a:rPr>
-              <a:t> is a free and open-source software library for </a:t>
-            </a:r>
-            <a:r>
-              <a:rPr lang="en-US" sz="2400" b="1" dirty="0">
-                <a:latin typeface="Twentieth Century"/>
-                <a:ea typeface="Twentieth Century"/>
-                <a:cs typeface="Twentieth Century"/>
-                <a:sym typeface="Twentieth Century"/>
-              </a:rPr>
-              <a:t>machine learning </a:t>
-            </a:r>
-            <a:r>
-              <a:rPr lang="en-US" sz="2400" dirty="0">
-                <a:latin typeface="Twentieth Century"/>
-                <a:ea typeface="Twentieth Century"/>
-                <a:cs typeface="Twentieth Century"/>
-                <a:sym typeface="Twentieth Century"/>
-              </a:rPr>
-              <a:t>and </a:t>
-            </a:r>
-            <a:r>
-              <a:rPr lang="en-US" sz="2400" b="1" dirty="0">
-                <a:latin typeface="Twentieth Century"/>
-                <a:ea typeface="Twentieth Century"/>
-                <a:cs typeface="Twentieth Century"/>
-                <a:sym typeface="Twentieth Century"/>
-              </a:rPr>
-              <a:t>artificial intelligence</a:t>
-            </a:r>
-            <a:r>
-              <a:rPr lang="en-US" sz="2400" dirty="0">
-                <a:latin typeface="Twentieth Century"/>
-                <a:ea typeface="Twentieth Century"/>
-                <a:cs typeface="Twentieth Century"/>
-                <a:sym typeface="Twentieth Century"/>
-              </a:rPr>
-              <a:t>. It can be used across a range of tasks but has a particular focus on training and inference of deep neural networks. </a:t>
+              <a:t>(</a:t>
+            </a:r>
+            <a:r>
+              <a:rPr lang="en-US" sz="2400" i="0" u="none" strike="noStrike" cap="none" dirty="0">
+                <a:solidFill>
+                  <a:srgbClr val="000000"/>
+                </a:solidFill>
+                <a:latin typeface="Twentieth Century"/>
+                <a:ea typeface="Twentieth Century"/>
+                <a:cs typeface="Twentieth Century"/>
+                <a:sym typeface="Twentieth Century"/>
+              </a:rPr>
+              <a:t>Bidirectional Encoder Representations from Transformers) is a transformer-based machine learning technique for </a:t>
+            </a:r>
+            <a:r>
+              <a:rPr lang="en-US" sz="2400" b="1" i="0" u="none" strike="noStrike" cap="none" dirty="0">
+                <a:solidFill>
+                  <a:srgbClr val="000000"/>
+                </a:solidFill>
+                <a:latin typeface="Twentieth Century"/>
+                <a:ea typeface="Twentieth Century"/>
+                <a:cs typeface="Twentieth Century"/>
+                <a:sym typeface="Twentieth Century"/>
+              </a:rPr>
+              <a:t>natural language processing </a:t>
+            </a:r>
+            <a:r>
+              <a:rPr lang="en-US" sz="2400" i="0" u="none" strike="noStrike" cap="none" dirty="0">
+                <a:solidFill>
+                  <a:srgbClr val="000000"/>
+                </a:solidFill>
+                <a:latin typeface="Twentieth Century"/>
+                <a:ea typeface="Twentieth Century"/>
+                <a:cs typeface="Twentieth Century"/>
+                <a:sym typeface="Twentieth Century"/>
+              </a:rPr>
+              <a:t>(NLP) developed by Google.</a:t>
             </a:r>
           </a:p>
           <a:p>
@@ -22425,24 +24086,6 @@
               <a:buChar char="•"/>
             </a:pPr>
             <a:r>
-              <a:rPr lang="en-US" sz="2400" b="1" dirty="0">
-                <a:latin typeface="Twentieth Century"/>
-                <a:ea typeface="Twentieth Century"/>
-                <a:cs typeface="Twentieth Century"/>
-                <a:sym typeface="Twentieth Century"/>
-              </a:rPr>
-              <a:t>BERT </a:t>
-            </a:r>
-            <a:r>
-              <a:rPr lang="en-US" sz="2400" dirty="0">
-                <a:latin typeface="Twentieth Century"/>
-                <a:ea typeface="Twentieth Century"/>
-                <a:cs typeface="Twentieth Century"/>
-                <a:sym typeface="Twentieth Century"/>
-              </a:rPr>
-              <a:t>(</a:t>
-            </a:r>
-            <a:r>
               <a:rPr lang="en-US" sz="2400" i="0" u="none" strike="noStrike" cap="none" dirty="0">
                 <a:solidFill>
                   <a:srgbClr val="000000"/>
@@ -22452,7 +24095,7 @@
                 <a:cs typeface="Twentieth Century"/>
                 <a:sym typeface="Twentieth Century"/>
               </a:rPr>
-              <a:t>Bidirectional Encoder Representations from Transformers) is a transformer-based machine learning technique for </a:t>
+              <a:t>It is the first architecture in Natural Language Processing to be pre-trained using </a:t>
             </a:r>
             <a:r>
               <a:rPr lang="en-US" sz="2400" b="1" i="0" u="none" strike="noStrike" cap="none" dirty="0">
@@ -22464,7 +24107,7 @@
                 <a:cs typeface="Twentieth Century"/>
                 <a:sym typeface="Twentieth Century"/>
               </a:rPr>
-              <a:t>natural language processing </a:t>
+              <a:t>unsupervised learning </a:t>
             </a:r>
             <a:r>
               <a:rPr lang="en-US" sz="2400" i="0" u="none" strike="noStrike" cap="none" dirty="0">
@@ -22476,7 +24119,7 @@
                 <a:cs typeface="Twentieth Century"/>
                 <a:sym typeface="Twentieth Century"/>
               </a:rPr>
-              <a:t>(NLP) pre-training developed by Google </a:t>
+              <a:t>on </a:t>
             </a:r>
             <a:r>
               <a:rPr lang="en-US" sz="2400" b="1" i="0" u="none" strike="noStrike" cap="none" dirty="0">
@@ -22488,7 +24131,7 @@
                 <a:cs typeface="Twentieth Century"/>
                 <a:sym typeface="Twentieth Century"/>
               </a:rPr>
-              <a:t>integrate</a:t>
+              <a:t>pure unstructured text</a:t>
             </a:r>
             <a:r>
               <a:rPr lang="en-US" sz="2400" i="0" u="none" strike="noStrike" cap="none" dirty="0">
@@ -22500,7 +24143,7 @@
                 <a:cs typeface="Twentieth Century"/>
                 <a:sym typeface="Twentieth Century"/>
               </a:rPr>
-              <a:t> in TensorFlow.</a:t>
+              <a:t>.</a:t>
             </a:r>
           </a:p>
           <a:p>
@@ -22527,6 +24170,85 @@
               <a:cs typeface="Twentieth Century"/>
               <a:sym typeface="Twentieth Century"/>
             </a:endParaRPr>
+          </a:p>
+          <a:p>
+            <a:pPr marL="342900" marR="0" lvl="0" indent="-342900" algn="l" rtl="0">
+              <a:lnSpc>
+                <a:spcPct val="100000"/>
+              </a:lnSpc>
+              <a:spcBef>
+                <a:spcPts val="0"/>
+              </a:spcBef>
+              <a:spcAft>
+                <a:spcPts val="0"/>
+              </a:spcAft>
+              <a:buClr>
+                <a:srgbClr val="000000"/>
+              </a:buClr>
+              <a:buSzPts val="2400"/>
+              <a:buFont typeface="Arial"/>
+              <a:buChar char="•"/>
+            </a:pPr>
+            <a:r>
+              <a:rPr lang="en-US" sz="2400" i="0" u="none" strike="noStrike" cap="none" dirty="0">
+                <a:solidFill>
+                  <a:srgbClr val="000000"/>
+                </a:solidFill>
+                <a:latin typeface="Twentieth Century"/>
+                <a:ea typeface="Twentieth Century"/>
+                <a:cs typeface="Twentieth Century"/>
+                <a:sym typeface="Twentieth Century"/>
+              </a:rPr>
+              <a:t>BERT it is a </a:t>
+            </a:r>
+            <a:r>
+              <a:rPr lang="en-US" sz="2400" b="1" i="0" u="none" strike="noStrike" cap="none" dirty="0">
+                <a:solidFill>
+                  <a:srgbClr val="000000"/>
+                </a:solidFill>
+                <a:latin typeface="Twentieth Century"/>
+                <a:ea typeface="Twentieth Century"/>
+                <a:cs typeface="Twentieth Century"/>
+                <a:sym typeface="Twentieth Century"/>
+              </a:rPr>
+              <a:t>framework</a:t>
+            </a:r>
+            <a:r>
+              <a:rPr lang="en-US" sz="2400" i="0" u="none" strike="noStrike" cap="none" dirty="0">
+                <a:solidFill>
+                  <a:srgbClr val="000000"/>
+                </a:solidFill>
+                <a:latin typeface="Twentieth Century"/>
+                <a:ea typeface="Twentieth Century"/>
+                <a:cs typeface="Twentieth Century"/>
+                <a:sym typeface="Twentieth Century"/>
+              </a:rPr>
+              <a:t> indeed is it possible train the model  for different activities or </a:t>
+            </a:r>
+            <a:r>
+              <a:rPr lang="en-US" sz="2400" i="0" u="none" strike="noStrike" cap="none" dirty="0" err="1">
+                <a:solidFill>
+                  <a:srgbClr val="000000"/>
+                </a:solidFill>
+                <a:latin typeface="Twentieth Century"/>
+                <a:ea typeface="Twentieth Century"/>
+                <a:cs typeface="Twentieth Century"/>
+                <a:sym typeface="Twentieth Century"/>
+              </a:rPr>
+              <a:t>languges</a:t>
+            </a:r>
+            <a:r>
+              <a:rPr lang="en-US" sz="2400" i="0" u="none" strike="noStrike" cap="none" dirty="0">
+                <a:solidFill>
+                  <a:srgbClr val="000000"/>
+                </a:solidFill>
+                <a:latin typeface="Twentieth Century"/>
+                <a:ea typeface="Twentieth Century"/>
+                <a:cs typeface="Twentieth Century"/>
+                <a:sym typeface="Twentieth Century"/>
+              </a:rPr>
+              <a:t>.</a:t>
+            </a:r>
           </a:p>
         </p:txBody>
       </p:sp>
@@ -22585,38 +24307,8 @@
         </p:blipFill>
         <p:spPr>
           <a:xfrm>
-            <a:off x="8942497" y="4414309"/>
-            <a:ext cx="3010026" cy="1688551"/>
-          </a:xfrm>
-          <a:prstGeom prst="rect">
-            <a:avLst/>
-          </a:prstGeom>
-        </p:spPr>
-      </p:pic>
-      <p:pic>
-        <p:nvPicPr>
-          <p:cNvPr id="7" name="Immagine 6">
-            <a:extLst>
-              <a:ext uri="{FF2B5EF4-FFF2-40B4-BE49-F238E27FC236}">
-                <a16:creationId xmlns:a16="http://schemas.microsoft.com/office/drawing/2014/main" id="{B18A89C8-7AF7-44E1-8B0B-5491BC7D2F7F}"/>
-              </a:ext>
-            </a:extLst>
-          </p:cNvPr>
-          <p:cNvPicPr>
-            <a:picLocks noChangeAspect="1"/>
-          </p:cNvPicPr>
-          <p:nvPr/>
-        </p:nvPicPr>
-        <p:blipFill>
-          <a:blip r:embed="rId5"/>
-          <a:stretch>
-            <a:fillRect/>
-          </a:stretch>
-        </p:blipFill>
-        <p:spPr>
-          <a:xfrm>
-            <a:off x="9676353" y="2106000"/>
-            <a:ext cx="1542314" cy="1648991"/>
+            <a:off x="8519218" y="2955747"/>
+            <a:ext cx="3433305" cy="1926000"/>
           </a:xfrm>
           <a:prstGeom prst="rect">
             <a:avLst/>
@@ -22696,6 +24388,451 @@
               <a:buNone/>
             </a:pPr>
             <a:r>
+              <a:rPr lang="it-IT" sz="4000" b="1" i="0" u="none" strike="noStrike" cap="none" dirty="0">
+                <a:solidFill>
+                  <a:srgbClr val="002060"/>
+                </a:solidFill>
+                <a:latin typeface="Twentieth Century"/>
+                <a:ea typeface="Twentieth Century"/>
+                <a:cs typeface="Twentieth Century"/>
+                <a:sym typeface="Twentieth Century"/>
+              </a:rPr>
+              <a:t>BERT</a:t>
+            </a:r>
+            <a:endParaRPr lang="it-IT" sz="1400" b="0" i="0" u="none" strike="noStrike" cap="none" dirty="0">
+              <a:solidFill>
+                <a:srgbClr val="000000"/>
+              </a:solidFill>
+              <a:latin typeface="Arial"/>
+              <a:ea typeface="Arial"/>
+              <a:cs typeface="Arial"/>
+              <a:sym typeface="Arial"/>
+            </a:endParaRPr>
+          </a:p>
+        </p:txBody>
+      </p:sp>
+      <p:sp>
+        <p:nvSpPr>
+          <p:cNvPr id="138" name="Google Shape;138;p15"/>
+          <p:cNvSpPr txBox="1"/>
+          <p:nvPr/>
+        </p:nvSpPr>
+        <p:spPr>
+          <a:xfrm>
+            <a:off x="239477" y="2106000"/>
+            <a:ext cx="6947707" cy="4247286"/>
+          </a:xfrm>
+          <a:prstGeom prst="rect">
+            <a:avLst/>
+          </a:prstGeom>
+          <a:noFill/>
+          <a:ln>
+            <a:noFill/>
+          </a:ln>
+        </p:spPr>
+        <p:txBody>
+          <a:bodyPr spcFirstLastPara="1" wrap="square" lIns="91425" tIns="91425" rIns="91425" bIns="91425" anchor="t" anchorCtr="0">
+            <a:spAutoFit/>
+          </a:bodyPr>
+          <a:lstStyle/>
+          <a:p>
+            <a:pPr marL="342900" marR="0" lvl="0" indent="-342900" algn="l" rtl="0">
+              <a:lnSpc>
+                <a:spcPct val="100000"/>
+              </a:lnSpc>
+              <a:spcBef>
+                <a:spcPts val="0"/>
+              </a:spcBef>
+              <a:spcAft>
+                <a:spcPts val="0"/>
+              </a:spcAft>
+              <a:buClr>
+                <a:srgbClr val="000000"/>
+              </a:buClr>
+              <a:buSzPts val="2400"/>
+              <a:buFont typeface="Arial"/>
+              <a:buChar char="•"/>
+            </a:pPr>
+            <a:r>
+              <a:rPr lang="en-US" sz="2400" dirty="0">
+                <a:latin typeface="Twentieth Century"/>
+                <a:ea typeface="Twentieth Century"/>
+                <a:cs typeface="Twentieth Century"/>
+                <a:sym typeface="Twentieth Century"/>
+              </a:rPr>
+              <a:t>In the previous approach </a:t>
+            </a:r>
+            <a:r>
+              <a:rPr lang="en-US" sz="2400" b="1" dirty="0">
+                <a:latin typeface="Twentieth Century"/>
+                <a:ea typeface="Twentieth Century"/>
+                <a:cs typeface="Twentieth Century"/>
+                <a:sym typeface="Twentieth Century"/>
+              </a:rPr>
+              <a:t>words not yet observed </a:t>
+            </a:r>
+            <a:r>
+              <a:rPr lang="en-US" sz="2400" dirty="0">
+                <a:latin typeface="Twentieth Century"/>
+                <a:ea typeface="Twentieth Century"/>
+                <a:cs typeface="Twentieth Century"/>
+                <a:sym typeface="Twentieth Century"/>
+              </a:rPr>
+              <a:t>within the context </a:t>
+            </a:r>
+            <a:r>
+              <a:rPr lang="en-US" sz="2400" b="1" dirty="0">
+                <a:latin typeface="Twentieth Century"/>
+                <a:ea typeface="Twentieth Century"/>
+                <a:cs typeface="Twentieth Century"/>
+                <a:sym typeface="Twentieth Century"/>
+              </a:rPr>
+              <a:t>could not be considered </a:t>
+            </a:r>
+            <a:r>
+              <a:rPr lang="en-US" sz="2400" dirty="0">
+                <a:latin typeface="Twentieth Century"/>
+                <a:ea typeface="Twentieth Century"/>
+                <a:cs typeface="Twentieth Century"/>
+                <a:sym typeface="Twentieth Century"/>
+              </a:rPr>
+              <a:t>in a sentence, but they could have </a:t>
+            </a:r>
+            <a:r>
+              <a:rPr lang="en-US" sz="2400" b="1" dirty="0">
+                <a:latin typeface="Twentieth Century"/>
+                <a:ea typeface="Twentieth Century"/>
+                <a:cs typeface="Twentieth Century"/>
+                <a:sym typeface="Twentieth Century"/>
+              </a:rPr>
+              <a:t>changed the meaning </a:t>
+            </a:r>
+            <a:r>
+              <a:rPr lang="en-US" sz="2400" dirty="0">
+                <a:latin typeface="Twentieth Century"/>
+                <a:ea typeface="Twentieth Century"/>
+                <a:cs typeface="Twentieth Century"/>
+                <a:sym typeface="Twentieth Century"/>
+              </a:rPr>
+              <a:t>of other words. </a:t>
+            </a:r>
+          </a:p>
+          <a:p>
+            <a:pPr marL="342900" marR="0" lvl="0" indent="-342900" algn="l" rtl="0">
+              <a:lnSpc>
+                <a:spcPct val="100000"/>
+              </a:lnSpc>
+              <a:spcBef>
+                <a:spcPts val="0"/>
+              </a:spcBef>
+              <a:spcAft>
+                <a:spcPts val="0"/>
+              </a:spcAft>
+              <a:buClr>
+                <a:srgbClr val="000000"/>
+              </a:buClr>
+              <a:buSzPts val="2400"/>
+              <a:buFont typeface="Arial"/>
+              <a:buChar char="•"/>
+            </a:pPr>
+            <a:endParaRPr lang="en-US" sz="2400" dirty="0">
+              <a:latin typeface="Twentieth Century"/>
+              <a:ea typeface="Twentieth Century"/>
+              <a:cs typeface="Twentieth Century"/>
+              <a:sym typeface="Twentieth Century"/>
+            </a:endParaRPr>
+          </a:p>
+          <a:p>
+            <a:pPr marL="342900" marR="0" lvl="0" indent="-342900" algn="l" rtl="0">
+              <a:lnSpc>
+                <a:spcPct val="100000"/>
+              </a:lnSpc>
+              <a:spcBef>
+                <a:spcPts val="0"/>
+              </a:spcBef>
+              <a:spcAft>
+                <a:spcPts val="0"/>
+              </a:spcAft>
+              <a:buClr>
+                <a:srgbClr val="000000"/>
+              </a:buClr>
+              <a:buSzPts val="2400"/>
+              <a:buFont typeface="Arial"/>
+              <a:buChar char="•"/>
+            </a:pPr>
+            <a:r>
+              <a:rPr lang="en-US" sz="2400" dirty="0">
+                <a:latin typeface="Twentieth Century"/>
+                <a:ea typeface="Twentieth Century"/>
+                <a:cs typeface="Twentieth Century"/>
+                <a:sym typeface="Twentieth Century"/>
+              </a:rPr>
+              <a:t>Bert can </a:t>
+            </a:r>
+            <a:r>
+              <a:rPr lang="en-US" sz="2400" b="1" dirty="0">
+                <a:latin typeface="Twentieth Century"/>
+                <a:ea typeface="Twentieth Century"/>
+                <a:cs typeface="Twentieth Century"/>
+                <a:sym typeface="Twentieth Century"/>
+              </a:rPr>
+              <a:t>consider at the same time all the</a:t>
+            </a:r>
+            <a:r>
+              <a:rPr lang="en-US" sz="2400" dirty="0">
+                <a:latin typeface="Twentieth Century"/>
+                <a:ea typeface="Twentieth Century"/>
+                <a:cs typeface="Twentieth Century"/>
+                <a:sym typeface="Twentieth Century"/>
+              </a:rPr>
+              <a:t> </a:t>
+            </a:r>
+            <a:r>
+              <a:rPr lang="en-US" sz="2400" b="1" dirty="0">
+                <a:latin typeface="Twentieth Century"/>
+                <a:ea typeface="Twentieth Century"/>
+                <a:cs typeface="Twentieth Century"/>
+                <a:sym typeface="Twentieth Century"/>
+              </a:rPr>
+              <a:t>words</a:t>
+            </a:r>
+            <a:r>
+              <a:rPr lang="en-US" sz="2400" dirty="0">
+                <a:latin typeface="Twentieth Century"/>
+                <a:ea typeface="Twentieth Century"/>
+                <a:cs typeface="Twentieth Century"/>
+                <a:sym typeface="Twentieth Century"/>
+              </a:rPr>
+              <a:t> present in that same sentence, therefore in a </a:t>
+            </a:r>
+            <a:r>
+              <a:rPr lang="en-US" sz="2400" b="1" dirty="0">
+                <a:latin typeface="Twentieth Century"/>
+                <a:ea typeface="Twentieth Century"/>
+                <a:cs typeface="Twentieth Century"/>
+                <a:sym typeface="Twentieth Century"/>
+              </a:rPr>
+              <a:t>bidirectional way</a:t>
+            </a:r>
+            <a:r>
+              <a:rPr lang="en-US" sz="2400" dirty="0">
+                <a:latin typeface="Twentieth Century"/>
+                <a:ea typeface="Twentieth Century"/>
+                <a:cs typeface="Twentieth Century"/>
+                <a:sym typeface="Twentieth Century"/>
+              </a:rPr>
+              <a:t>. </a:t>
+            </a:r>
+          </a:p>
+          <a:p>
+            <a:pPr marL="342900" marR="0" lvl="0" indent="-342900" algn="l" rtl="0">
+              <a:lnSpc>
+                <a:spcPct val="100000"/>
+              </a:lnSpc>
+              <a:spcBef>
+                <a:spcPts val="0"/>
+              </a:spcBef>
+              <a:spcAft>
+                <a:spcPts val="0"/>
+              </a:spcAft>
+              <a:buClr>
+                <a:srgbClr val="000000"/>
+              </a:buClr>
+              <a:buSzPts val="2400"/>
+              <a:buFont typeface="Arial"/>
+              <a:buChar char="•"/>
+            </a:pPr>
+            <a:endParaRPr lang="en-US" sz="2400" dirty="0">
+              <a:latin typeface="Twentieth Century"/>
+              <a:ea typeface="Twentieth Century"/>
+              <a:cs typeface="Twentieth Century"/>
+              <a:sym typeface="Twentieth Century"/>
+            </a:endParaRPr>
+          </a:p>
+          <a:p>
+            <a:pPr marL="342900" marR="0" lvl="0" indent="-342900" algn="l" rtl="0">
+              <a:lnSpc>
+                <a:spcPct val="100000"/>
+              </a:lnSpc>
+              <a:spcBef>
+                <a:spcPts val="0"/>
+              </a:spcBef>
+              <a:spcAft>
+                <a:spcPts val="0"/>
+              </a:spcAft>
+              <a:buClr>
+                <a:srgbClr val="000000"/>
+              </a:buClr>
+              <a:buSzPts val="2400"/>
+              <a:buFont typeface="Arial"/>
+              <a:buChar char="•"/>
+            </a:pPr>
+            <a:r>
+              <a:rPr lang="en-US" sz="2400" dirty="0">
+                <a:latin typeface="Twentieth Century"/>
+                <a:ea typeface="Twentieth Century"/>
+                <a:cs typeface="Twentieth Century"/>
+                <a:sym typeface="Twentieth Century"/>
+              </a:rPr>
+              <a:t>This procedure can be compared to the way of reasoning of the </a:t>
+            </a:r>
+            <a:r>
+              <a:rPr lang="en-US" sz="2400" b="1" dirty="0">
+                <a:latin typeface="Twentieth Century"/>
+                <a:ea typeface="Twentieth Century"/>
+                <a:cs typeface="Twentieth Century"/>
+                <a:sym typeface="Twentieth Century"/>
+              </a:rPr>
+              <a:t>human mind</a:t>
+            </a:r>
+            <a:r>
+              <a:rPr lang="en-US" sz="2400" dirty="0">
+                <a:latin typeface="Twentieth Century"/>
+                <a:ea typeface="Twentieth Century"/>
+                <a:cs typeface="Twentieth Century"/>
+                <a:sym typeface="Twentieth Century"/>
+              </a:rPr>
+              <a:t>.</a:t>
+            </a:r>
+          </a:p>
+        </p:txBody>
+      </p:sp>
+      <p:pic>
+        <p:nvPicPr>
+          <p:cNvPr id="5" name="Google Shape;98;p41">
+            <a:extLst>
+              <a:ext uri="{FF2B5EF4-FFF2-40B4-BE49-F238E27FC236}">
+                <a16:creationId xmlns:a16="http://schemas.microsoft.com/office/drawing/2014/main" id="{564035EE-44E1-4C3A-BD05-48F7B85384D1}"/>
+              </a:ext>
+            </a:extLst>
+          </p:cNvPr>
+          <p:cNvPicPr preferRelativeResize="0"/>
+          <p:nvPr/>
+        </p:nvPicPr>
+        <p:blipFill rotWithShape="1">
+          <a:blip r:embed="rId3">
+            <a:alphaModFix/>
+          </a:blip>
+          <a:srcRect/>
+          <a:stretch/>
+        </p:blipFill>
+        <p:spPr>
+          <a:xfrm>
+            <a:off x="11411712" y="302053"/>
+            <a:ext cx="540811" cy="652104"/>
+          </a:xfrm>
+          <a:prstGeom prst="rect">
+            <a:avLst/>
+          </a:prstGeom>
+          <a:noFill/>
+          <a:ln>
+            <a:noFill/>
+          </a:ln>
+        </p:spPr>
+      </p:pic>
+      <p:pic>
+        <p:nvPicPr>
+          <p:cNvPr id="7" name="Immagine 6">
+            <a:extLst>
+              <a:ext uri="{FF2B5EF4-FFF2-40B4-BE49-F238E27FC236}">
+                <a16:creationId xmlns:a16="http://schemas.microsoft.com/office/drawing/2014/main" id="{F9049D62-83B5-4E12-9C13-C84418D504FC}"/>
+              </a:ext>
+            </a:extLst>
+          </p:cNvPr>
+          <p:cNvPicPr>
+            <a:picLocks noChangeAspect="1"/>
+          </p:cNvPicPr>
+          <p:nvPr/>
+        </p:nvPicPr>
+        <p:blipFill>
+          <a:blip r:embed="rId4"/>
+          <a:stretch>
+            <a:fillRect/>
+          </a:stretch>
+        </p:blipFill>
+        <p:spPr>
+          <a:xfrm>
+            <a:off x="8519218" y="2955747"/>
+            <a:ext cx="3433305" cy="1926000"/>
+          </a:xfrm>
+          <a:prstGeom prst="rect">
+            <a:avLst/>
+          </a:prstGeom>
+        </p:spPr>
+      </p:pic>
+    </p:spTree>
+    <p:extLst>
+      <p:ext uri="{BB962C8B-B14F-4D97-AF65-F5344CB8AC3E}">
+        <p14:creationId xmlns:p14="http://schemas.microsoft.com/office/powerpoint/2010/main" val="3842940966"/>
+      </p:ext>
+    </p:extLst>
+  </p:cSld>
+  <p:clrMapOvr>
+    <a:masterClrMapping/>
+  </p:clrMapOvr>
+</p:sld>
+</file>
+
+<file path=ppt/slides/slide5.xml><?xml version="1.0" encoding="utf-8"?>
+<p:sld xmlns:a="http://schemas.openxmlformats.org/drawingml/2006/main" xmlns:r="http://schemas.openxmlformats.org/officeDocument/2006/relationships" xmlns:p="http://schemas.openxmlformats.org/presentationml/2006/main">
+  <p:cSld>
+    <p:spTree>
+      <p:nvGrpSpPr>
+        <p:cNvPr id="1" name="Shape 136"/>
+        <p:cNvGrpSpPr/>
+        <p:nvPr/>
+      </p:nvGrpSpPr>
+      <p:grpSpPr>
+        <a:xfrm>
+          <a:off x="0" y="0"/>
+          <a:ext cx="0" cy="0"/>
+          <a:chOff x="0" y="0"/>
+          <a:chExt cx="0" cy="0"/>
+        </a:xfrm>
+      </p:grpSpPr>
+      <p:sp>
+        <p:nvSpPr>
+          <p:cNvPr id="137" name="Google Shape;137;p15"/>
+          <p:cNvSpPr txBox="1"/>
+          <p:nvPr/>
+        </p:nvSpPr>
+        <p:spPr>
+          <a:xfrm>
+            <a:off x="861391" y="954157"/>
+            <a:ext cx="7593600" cy="707846"/>
+          </a:xfrm>
+          <a:prstGeom prst="rect">
+            <a:avLst/>
+          </a:prstGeom>
+          <a:noFill/>
+          <a:ln>
+            <a:noFill/>
+          </a:ln>
+        </p:spPr>
+        <p:txBody>
+          <a:bodyPr spcFirstLastPara="1" wrap="square" lIns="91425" tIns="45700" rIns="91425" bIns="45700" anchor="t" anchorCtr="0">
+            <a:spAutoFit/>
+          </a:bodyPr>
+          <a:lstStyle/>
+          <a:p>
+            <a:pPr marL="0" marR="0" lvl="0" indent="0" algn="l" rtl="0">
+              <a:lnSpc>
+                <a:spcPct val="100000"/>
+              </a:lnSpc>
+              <a:spcBef>
+                <a:spcPts val="0"/>
+              </a:spcBef>
+              <a:spcAft>
+                <a:spcPts val="0"/>
+              </a:spcAft>
+              <a:buClr>
+                <a:srgbClr val="000000"/>
+              </a:buClr>
+              <a:buSzPts val="4000"/>
+              <a:buFont typeface="Arial"/>
+              <a:buNone/>
+            </a:pPr>
+            <a:r>
               <a:rPr lang="it-IT" sz="4000" b="1" i="0" u="none" strike="noStrike" cap="none">
                 <a:solidFill>
                   <a:srgbClr val="002060"/>
@@ -22728,7 +24865,7 @@
         <p:spPr>
           <a:xfrm>
             <a:off x="239477" y="2106000"/>
-            <a:ext cx="7158019" cy="4247286"/>
+            <a:ext cx="7331755" cy="4247286"/>
           </a:xfrm>
           <a:prstGeom prst="rect">
             <a:avLst/>
@@ -22891,7 +25028,25 @@
                 <a:cs typeface="Twentieth Century"/>
                 <a:sym typeface="Twentieth Century"/>
               </a:rPr>
-              <a:t>is a Language Model trained on large Italian sentences. </a:t>
+              <a:t>is a Language Model based on </a:t>
+            </a:r>
+            <a:r>
+              <a:rPr lang="en-US" sz="2400" b="1" dirty="0">
+                <a:latin typeface="Twentieth Century"/>
+                <a:ea typeface="Twentieth Century"/>
+                <a:cs typeface="Twentieth Century"/>
+                <a:sym typeface="Twentieth Century"/>
+              </a:rPr>
+              <a:t>BERT</a:t>
+            </a:r>
+            <a:r>
+              <a:rPr lang="en-US" sz="2400" dirty="0">
+                <a:latin typeface="Twentieth Century"/>
+                <a:ea typeface="Twentieth Century"/>
+                <a:cs typeface="Twentieth Century"/>
+                <a:sym typeface="Twentieth Century"/>
+              </a:rPr>
+              <a:t> and trained on large set of Italian sentences. </a:t>
             </a:r>
           </a:p>
           <a:p>
@@ -22951,7 +25106,25 @@
                 <a:cs typeface="Twentieth Century"/>
                 <a:sym typeface="Twentieth Century"/>
               </a:rPr>
-              <a:t> was trained using a deduplicated version of the Italian corpus that consists in 70 GB of plain text data, sentences have been </a:t>
+              <a:t> was trained using a deduplicated version of the Italian corpus that consists in </a:t>
+            </a:r>
+            <a:r>
+              <a:rPr lang="en-US" sz="2400" b="1" dirty="0">
+                <a:latin typeface="Twentieth Century"/>
+                <a:ea typeface="Twentieth Century"/>
+                <a:cs typeface="Twentieth Century"/>
+                <a:sym typeface="Twentieth Century"/>
+              </a:rPr>
+              <a:t>70 GB </a:t>
+            </a:r>
+            <a:r>
+              <a:rPr lang="en-US" sz="2400" dirty="0">
+                <a:latin typeface="Twentieth Century"/>
+                <a:ea typeface="Twentieth Century"/>
+                <a:cs typeface="Twentieth Century"/>
+                <a:sym typeface="Twentieth Century"/>
+              </a:rPr>
+              <a:t>of plain text data, sentences have been </a:t>
             </a:r>
             <a:r>
               <a:rPr lang="en-US" sz="2400" b="1" dirty="0">
@@ -23081,7 +25254,7 @@
 </p:sld>
 </file>
 
-<file path=ppt/slides/slide5.xml><?xml version="1.0" encoding="utf-8"?>
+<file path=ppt/slides/slide6.xml><?xml version="1.0" encoding="utf-8"?>
 <p:sld xmlns:a="http://schemas.openxmlformats.org/drawingml/2006/main" xmlns:r="http://schemas.openxmlformats.org/officeDocument/2006/relationships" xmlns:p="http://schemas.openxmlformats.org/presentationml/2006/main">
   <p:cSld>
     <p:spTree>
@@ -23476,7 +25649,7 @@
 </p:sld>
 </file>
 
-<file path=ppt/slides/slide6.xml><?xml version="1.0" encoding="utf-8"?>
+<file path=ppt/slides/slide7.xml><?xml version="1.0" encoding="utf-8"?>
 <p:sld xmlns:a="http://schemas.openxmlformats.org/drawingml/2006/main" xmlns:r="http://schemas.openxmlformats.org/officeDocument/2006/relationships" xmlns:p="http://schemas.openxmlformats.org/presentationml/2006/main">
   <p:cSld>
     <p:spTree>
@@ -23914,7 +26087,7 @@
 </p:sld>
 </file>
 
-<file path=ppt/slides/slide7.xml><?xml version="1.0" encoding="utf-8"?>
+<file path=ppt/slides/slide8.xml><?xml version="1.0" encoding="utf-8"?>
 <p:sld xmlns:a="http://schemas.openxmlformats.org/drawingml/2006/main" xmlns:r="http://schemas.openxmlformats.org/officeDocument/2006/relationships" xmlns:p="http://schemas.openxmlformats.org/presentationml/2006/main">
   <p:cSld>
     <p:spTree>
@@ -24067,7 +26240,25 @@
                 <a:cs typeface="Twentieth Century"/>
                 <a:sym typeface="Twentieth Century"/>
               </a:rPr>
-              <a:t> provides thousands of pretrained models to perform tasks on different modalities such as text, vision, and audio. </a:t>
+              <a:t> provides thousands of </a:t>
+            </a:r>
+            <a:r>
+              <a:rPr lang="en-US" sz="2400" b="1" dirty="0">
+                <a:latin typeface="Twentieth Century"/>
+                <a:ea typeface="Twentieth Century"/>
+                <a:cs typeface="Twentieth Century"/>
+                <a:sym typeface="Twentieth Century"/>
+              </a:rPr>
+              <a:t>pretrained models </a:t>
+            </a:r>
+            <a:r>
+              <a:rPr lang="en-US" sz="2400" dirty="0">
+                <a:latin typeface="Twentieth Century"/>
+                <a:ea typeface="Twentieth Century"/>
+                <a:cs typeface="Twentieth Century"/>
+                <a:sym typeface="Twentieth Century"/>
+              </a:rPr>
+              <a:t>to perform tasks on different modalities such as text, vision, and audio. </a:t>
             </a:r>
           </a:p>
           <a:p>
@@ -24325,7 +26516,7 @@
 </p:sld>
 </file>
 
-<file path=ppt/slides/slide8.xml><?xml version="1.0" encoding="utf-8"?>
+<file path=ppt/slides/slide9.xml><?xml version="1.0" encoding="utf-8"?>
 <p:sld xmlns:a="http://schemas.openxmlformats.org/drawingml/2006/main" xmlns:r="http://schemas.openxmlformats.org/officeDocument/2006/relationships" xmlns:p="http://schemas.openxmlformats.org/presentationml/2006/main">
   <p:cSld>
     <p:spTree>
@@ -25832,1413 +28023,6 @@
     <p:extLst>
       <p:ext uri="{BB962C8B-B14F-4D97-AF65-F5344CB8AC3E}">
         <p14:creationId xmlns:p14="http://schemas.microsoft.com/office/powerpoint/2010/main" val="826806969"/>
-      </p:ext>
-    </p:extLst>
-  </p:cSld>
-  <p:clrMapOvr>
-    <a:masterClrMapping/>
-  </p:clrMapOvr>
-</p:sld>
-</file>
-
-<file path=ppt/slides/slide9.xml><?xml version="1.0" encoding="utf-8"?>
-<p:sld xmlns:a="http://schemas.openxmlformats.org/drawingml/2006/main" xmlns:r="http://schemas.openxmlformats.org/officeDocument/2006/relationships" xmlns:p="http://schemas.openxmlformats.org/presentationml/2006/main">
-  <p:cSld>
-    <p:spTree>
-      <p:nvGrpSpPr>
-        <p:cNvPr id="1" name="Shape 136"/>
-        <p:cNvGrpSpPr/>
-        <p:nvPr/>
-      </p:nvGrpSpPr>
-      <p:grpSpPr>
-        <a:xfrm>
-          <a:off x="0" y="0"/>
-          <a:ext cx="0" cy="0"/>
-          <a:chOff x="0" y="0"/>
-          <a:chExt cx="0" cy="0"/>
-        </a:xfrm>
-      </p:grpSpPr>
-      <p:sp>
-        <p:nvSpPr>
-          <p:cNvPr id="137" name="Google Shape;137;p15"/>
-          <p:cNvSpPr txBox="1"/>
-          <p:nvPr/>
-        </p:nvSpPr>
-        <p:spPr>
-          <a:xfrm>
-            <a:off x="861391" y="954157"/>
-            <a:ext cx="7593600" cy="707846"/>
-          </a:xfrm>
-          <a:prstGeom prst="rect">
-            <a:avLst/>
-          </a:prstGeom>
-          <a:noFill/>
-          <a:ln>
-            <a:noFill/>
-          </a:ln>
-        </p:spPr>
-        <p:txBody>
-          <a:bodyPr spcFirstLastPara="1" wrap="square" lIns="91425" tIns="45700" rIns="91425" bIns="45700" anchor="t" anchorCtr="0">
-            <a:spAutoFit/>
-          </a:bodyPr>
-          <a:lstStyle/>
-          <a:p>
-            <a:pPr marL="0" marR="0" lvl="0" indent="0" algn="l" rtl="0">
-              <a:lnSpc>
-                <a:spcPct val="100000"/>
-              </a:lnSpc>
-              <a:spcBef>
-                <a:spcPts val="0"/>
-              </a:spcBef>
-              <a:spcAft>
-                <a:spcPts val="0"/>
-              </a:spcAft>
-              <a:buClr>
-                <a:srgbClr val="000000"/>
-              </a:buClr>
-              <a:buSzPts val="4000"/>
-              <a:buFont typeface="Arial"/>
-              <a:buNone/>
-            </a:pPr>
-            <a:r>
-              <a:rPr lang="it-IT" sz="4000" b="1" i="0" u="none" strike="noStrike" cap="none">
-                <a:solidFill>
-                  <a:srgbClr val="002060"/>
-                </a:solidFill>
-                <a:latin typeface="Twentieth Century"/>
-                <a:ea typeface="Twentieth Century"/>
-                <a:cs typeface="Twentieth Century"/>
-                <a:sym typeface="Twentieth Century"/>
-              </a:rPr>
-              <a:t>Implementation</a:t>
-            </a:r>
-            <a:endParaRPr lang="it-IT" sz="1400" b="0" i="0" u="none" strike="noStrike" cap="none" dirty="0">
-              <a:solidFill>
-                <a:srgbClr val="000000"/>
-              </a:solidFill>
-              <a:latin typeface="Arial"/>
-              <a:ea typeface="Arial"/>
-              <a:cs typeface="Arial"/>
-              <a:sym typeface="Arial"/>
-            </a:endParaRPr>
-          </a:p>
-        </p:txBody>
-      </p:sp>
-      <p:sp>
-        <p:nvSpPr>
-          <p:cNvPr id="138" name="Google Shape;138;p15"/>
-          <p:cNvSpPr txBox="1"/>
-          <p:nvPr/>
-        </p:nvSpPr>
-        <p:spPr>
-          <a:xfrm>
-            <a:off x="239477" y="2106000"/>
-            <a:ext cx="5283499" cy="3508623"/>
-          </a:xfrm>
-          <a:prstGeom prst="rect">
-            <a:avLst/>
-          </a:prstGeom>
-          <a:noFill/>
-          <a:ln>
-            <a:noFill/>
-          </a:ln>
-        </p:spPr>
-        <p:txBody>
-          <a:bodyPr spcFirstLastPara="1" wrap="square" lIns="91425" tIns="91425" rIns="91425" bIns="91425" anchor="t" anchorCtr="0">
-            <a:spAutoFit/>
-          </a:bodyPr>
-          <a:lstStyle/>
-          <a:p>
-            <a:pPr marL="342900" marR="0" lvl="0" indent="-342900" algn="l" rtl="0">
-              <a:lnSpc>
-                <a:spcPct val="100000"/>
-              </a:lnSpc>
-              <a:spcBef>
-                <a:spcPts val="0"/>
-              </a:spcBef>
-              <a:spcAft>
-                <a:spcPts val="0"/>
-              </a:spcAft>
-              <a:buClr>
-                <a:srgbClr val="000000"/>
-              </a:buClr>
-              <a:buSzPts val="2400"/>
-              <a:buFont typeface="Arial"/>
-              <a:buChar char="•"/>
-            </a:pPr>
-            <a:r>
-              <a:rPr lang="en-US" sz="2400" dirty="0">
-                <a:latin typeface="Twentieth Century"/>
-                <a:ea typeface="Twentieth Century"/>
-                <a:cs typeface="Twentieth Century"/>
-                <a:sym typeface="Twentieth Century"/>
-              </a:rPr>
-              <a:t>Need </a:t>
-            </a:r>
-            <a:r>
-              <a:rPr lang="en-US" sz="2400" b="1" dirty="0">
-                <a:latin typeface="Twentieth Century"/>
-                <a:ea typeface="Twentieth Century"/>
-                <a:cs typeface="Twentieth Century"/>
-                <a:sym typeface="Twentieth Century"/>
-              </a:rPr>
-              <a:t>libraries</a:t>
-            </a:r>
-            <a:r>
-              <a:rPr lang="en-US" sz="2400" dirty="0">
-                <a:latin typeface="Twentieth Century"/>
-                <a:ea typeface="Twentieth Century"/>
-                <a:cs typeface="Twentieth Century"/>
-                <a:sym typeface="Twentieth Century"/>
-              </a:rPr>
-              <a:t> are imported.</a:t>
-            </a:r>
-          </a:p>
-          <a:p>
-            <a:pPr marL="342900" marR="0" lvl="0" indent="-342900" algn="l" rtl="0">
-              <a:lnSpc>
-                <a:spcPct val="100000"/>
-              </a:lnSpc>
-              <a:spcBef>
-                <a:spcPts val="0"/>
-              </a:spcBef>
-              <a:spcAft>
-                <a:spcPts val="0"/>
-              </a:spcAft>
-              <a:buClr>
-                <a:srgbClr val="000000"/>
-              </a:buClr>
-              <a:buSzPts val="2400"/>
-              <a:buFont typeface="Arial"/>
-              <a:buChar char="•"/>
-            </a:pPr>
-            <a:endParaRPr lang="en-US" sz="2400" dirty="0">
-              <a:latin typeface="Twentieth Century"/>
-              <a:ea typeface="Twentieth Century"/>
-              <a:cs typeface="Twentieth Century"/>
-              <a:sym typeface="Twentieth Century"/>
-            </a:endParaRPr>
-          </a:p>
-          <a:p>
-            <a:pPr marL="342900" indent="-342900">
-              <a:buSzPts val="2400"/>
-              <a:buFont typeface="Arial"/>
-              <a:buChar char="•"/>
-            </a:pPr>
-            <a:r>
-              <a:rPr lang="en-US" sz="2400" dirty="0">
-                <a:latin typeface="Twentieth Century"/>
-                <a:ea typeface="Twentieth Century"/>
-                <a:cs typeface="Twentieth Century"/>
-                <a:sym typeface="Twentieth Century"/>
-              </a:rPr>
-              <a:t>Python script will </a:t>
-            </a:r>
-            <a:r>
-              <a:rPr lang="en-US" sz="2400" b="1" dirty="0">
-                <a:latin typeface="Twentieth Century"/>
-                <a:ea typeface="Twentieth Century"/>
-                <a:cs typeface="Twentieth Century"/>
-                <a:sym typeface="Twentieth Century"/>
-              </a:rPr>
-              <a:t>read</a:t>
-            </a:r>
-            <a:r>
-              <a:rPr lang="en-US" sz="2400" dirty="0">
-                <a:latin typeface="Twentieth Century"/>
-                <a:ea typeface="Twentieth Century"/>
-                <a:cs typeface="Twentieth Century"/>
-                <a:sym typeface="Twentieth Century"/>
-              </a:rPr>
-              <a:t> string from csv file.</a:t>
-            </a:r>
-          </a:p>
-          <a:p>
-            <a:pPr marR="0" lvl="0" algn="l" rtl="0">
-              <a:lnSpc>
-                <a:spcPct val="100000"/>
-              </a:lnSpc>
-              <a:spcBef>
-                <a:spcPts val="0"/>
-              </a:spcBef>
-              <a:spcAft>
-                <a:spcPts val="0"/>
-              </a:spcAft>
-              <a:buClr>
-                <a:srgbClr val="000000"/>
-              </a:buClr>
-              <a:buSzPts val="2400"/>
-            </a:pPr>
-            <a:endParaRPr lang="en-US" sz="2400" dirty="0">
-              <a:latin typeface="Twentieth Century"/>
-              <a:ea typeface="Twentieth Century"/>
-              <a:cs typeface="Twentieth Century"/>
-              <a:sym typeface="Twentieth Century"/>
-            </a:endParaRPr>
-          </a:p>
-          <a:p>
-            <a:pPr marL="342900" marR="0" lvl="0" indent="-342900" algn="l" rtl="0">
-              <a:lnSpc>
-                <a:spcPct val="100000"/>
-              </a:lnSpc>
-              <a:spcBef>
-                <a:spcPts val="0"/>
-              </a:spcBef>
-              <a:spcAft>
-                <a:spcPts val="0"/>
-              </a:spcAft>
-              <a:buClr>
-                <a:srgbClr val="000000"/>
-              </a:buClr>
-              <a:buSzPts val="2400"/>
-              <a:buFont typeface="Arial"/>
-              <a:buChar char="•"/>
-            </a:pPr>
-            <a:r>
-              <a:rPr lang="en-US" sz="2400" dirty="0">
-                <a:latin typeface="Twentieth Century"/>
-                <a:ea typeface="Twentieth Century"/>
-                <a:cs typeface="Twentieth Century"/>
-                <a:sym typeface="Twentieth Century"/>
-              </a:rPr>
-              <a:t>Tokenize and model are </a:t>
-            </a:r>
-            <a:r>
-              <a:rPr lang="en-US" sz="2400" b="1" dirty="0">
-                <a:latin typeface="Twentieth Century"/>
-                <a:ea typeface="Twentieth Century"/>
-                <a:cs typeface="Twentieth Century"/>
-                <a:sym typeface="Twentieth Century"/>
-              </a:rPr>
-              <a:t>loaded</a:t>
-            </a:r>
-            <a:r>
-              <a:rPr lang="en-US" sz="2400" dirty="0">
-                <a:latin typeface="Twentieth Century"/>
-                <a:ea typeface="Twentieth Century"/>
-                <a:cs typeface="Twentieth Century"/>
-                <a:sym typeface="Twentieth Century"/>
-              </a:rPr>
-              <a:t>. </a:t>
-            </a:r>
-          </a:p>
-          <a:p>
-            <a:pPr marL="342900" marR="0" lvl="0" indent="-342900" algn="l" rtl="0">
-              <a:lnSpc>
-                <a:spcPct val="100000"/>
-              </a:lnSpc>
-              <a:spcBef>
-                <a:spcPts val="0"/>
-              </a:spcBef>
-              <a:spcAft>
-                <a:spcPts val="0"/>
-              </a:spcAft>
-              <a:buClr>
-                <a:srgbClr val="000000"/>
-              </a:buClr>
-              <a:buSzPts val="2400"/>
-              <a:buFont typeface="Arial"/>
-              <a:buChar char="•"/>
-            </a:pPr>
-            <a:endParaRPr lang="en-US" sz="2400" dirty="0">
-              <a:latin typeface="Twentieth Century"/>
-              <a:ea typeface="Twentieth Century"/>
-              <a:cs typeface="Twentieth Century"/>
-              <a:sym typeface="Twentieth Century"/>
-            </a:endParaRPr>
-          </a:p>
-          <a:p>
-            <a:pPr marL="342900" marR="0" lvl="0" indent="-342900" algn="l" rtl="0">
-              <a:lnSpc>
-                <a:spcPct val="100000"/>
-              </a:lnSpc>
-              <a:spcBef>
-                <a:spcPts val="0"/>
-              </a:spcBef>
-              <a:spcAft>
-                <a:spcPts val="0"/>
-              </a:spcAft>
-              <a:buClr>
-                <a:srgbClr val="000000"/>
-              </a:buClr>
-              <a:buSzPts val="2400"/>
-              <a:buFont typeface="Arial"/>
-              <a:buChar char="•"/>
-            </a:pPr>
-            <a:r>
-              <a:rPr lang="en-US" sz="2400" dirty="0">
-                <a:latin typeface="Twentieth Century"/>
-                <a:ea typeface="Twentieth Century"/>
-                <a:cs typeface="Twentieth Century"/>
-                <a:sym typeface="Twentieth Century"/>
-              </a:rPr>
-              <a:t>An empty string where store output is created.</a:t>
-            </a:r>
-          </a:p>
-        </p:txBody>
-      </p:sp>
-      <p:pic>
-        <p:nvPicPr>
-          <p:cNvPr id="5" name="Google Shape;98;p41">
-            <a:extLst>
-              <a:ext uri="{FF2B5EF4-FFF2-40B4-BE49-F238E27FC236}">
-                <a16:creationId xmlns:a16="http://schemas.microsoft.com/office/drawing/2014/main" id="{564035EE-44E1-4C3A-BD05-48F7B85384D1}"/>
-              </a:ext>
-            </a:extLst>
-          </p:cNvPr>
-          <p:cNvPicPr preferRelativeResize="0"/>
-          <p:nvPr/>
-        </p:nvPicPr>
-        <p:blipFill rotWithShape="1">
-          <a:blip r:embed="rId3">
-            <a:alphaModFix/>
-          </a:blip>
-          <a:srcRect/>
-          <a:stretch/>
-        </p:blipFill>
-        <p:spPr>
-          <a:xfrm>
-            <a:off x="11411712" y="302053"/>
-            <a:ext cx="540811" cy="652104"/>
-          </a:xfrm>
-          <a:prstGeom prst="rect">
-            <a:avLst/>
-          </a:prstGeom>
-          <a:noFill/>
-          <a:ln>
-            <a:noFill/>
-          </a:ln>
-        </p:spPr>
-      </p:pic>
-      <p:sp>
-        <p:nvSpPr>
-          <p:cNvPr id="11" name="CasellaDiTesto 10">
-            <a:extLst>
-              <a:ext uri="{FF2B5EF4-FFF2-40B4-BE49-F238E27FC236}">
-                <a16:creationId xmlns:a16="http://schemas.microsoft.com/office/drawing/2014/main" id="{0C92CD2B-CED1-4A80-BD13-74A28F95267E}"/>
-              </a:ext>
-            </a:extLst>
-          </p:cNvPr>
-          <p:cNvSpPr txBox="1"/>
-          <p:nvPr/>
-        </p:nvSpPr>
-        <p:spPr>
-          <a:xfrm>
-            <a:off x="5858047" y="2106000"/>
-            <a:ext cx="6094476" cy="4616648"/>
-          </a:xfrm>
-          <a:prstGeom prst="rect">
-            <a:avLst/>
-          </a:prstGeom>
-          <a:solidFill>
-            <a:schemeClr val="tx1"/>
-          </a:solidFill>
-        </p:spPr>
-        <p:txBody>
-          <a:bodyPr wrap="square">
-            <a:spAutoFit/>
-          </a:bodyPr>
-          <a:lstStyle/>
-          <a:p>
-            <a:r>
-              <a:rPr lang="it-IT" b="0" dirty="0">
-                <a:solidFill>
-                  <a:srgbClr val="C586C0"/>
-                </a:solidFill>
-                <a:effectLst/>
-                <a:latin typeface="Consolas" panose="020B0609020204030204" pitchFamily="49" charset="0"/>
-              </a:rPr>
-              <a:t>import</a:t>
-            </a:r>
-            <a:r>
-              <a:rPr lang="it-IT" b="0" dirty="0">
-                <a:solidFill>
-                  <a:srgbClr val="D4D4D4"/>
-                </a:solidFill>
-                <a:effectLst/>
-                <a:latin typeface="Consolas" panose="020B0609020204030204" pitchFamily="49" charset="0"/>
-              </a:rPr>
-              <a:t> </a:t>
-            </a:r>
-            <a:r>
-              <a:rPr lang="it-IT" b="0" dirty="0" err="1">
-                <a:solidFill>
-                  <a:srgbClr val="4EC9B0"/>
-                </a:solidFill>
-                <a:effectLst/>
-                <a:latin typeface="Consolas" panose="020B0609020204030204" pitchFamily="49" charset="0"/>
-              </a:rPr>
-              <a:t>json</a:t>
-            </a:r>
-            <a:endParaRPr lang="it-IT" b="0" dirty="0">
-              <a:solidFill>
-                <a:srgbClr val="D4D4D4"/>
-              </a:solidFill>
-              <a:effectLst/>
-              <a:latin typeface="Consolas" panose="020B0609020204030204" pitchFamily="49" charset="0"/>
-            </a:endParaRPr>
-          </a:p>
-          <a:p>
-            <a:r>
-              <a:rPr lang="it-IT" b="0" dirty="0">
-                <a:solidFill>
-                  <a:srgbClr val="C586C0"/>
-                </a:solidFill>
-                <a:effectLst/>
-                <a:latin typeface="Consolas" panose="020B0609020204030204" pitchFamily="49" charset="0"/>
-              </a:rPr>
-              <a:t>from</a:t>
-            </a:r>
-            <a:r>
-              <a:rPr lang="it-IT" b="0" dirty="0">
-                <a:solidFill>
-                  <a:srgbClr val="D4D4D4"/>
-                </a:solidFill>
-                <a:effectLst/>
-                <a:latin typeface="Consolas" panose="020B0609020204030204" pitchFamily="49" charset="0"/>
-              </a:rPr>
-              <a:t> </a:t>
-            </a:r>
-            <a:r>
-              <a:rPr lang="it-IT" b="0" dirty="0" err="1">
-                <a:solidFill>
-                  <a:srgbClr val="4EC9B0"/>
-                </a:solidFill>
-                <a:effectLst/>
-                <a:latin typeface="Consolas" panose="020B0609020204030204" pitchFamily="49" charset="0"/>
-              </a:rPr>
-              <a:t>datetime</a:t>
-            </a:r>
-            <a:r>
-              <a:rPr lang="it-IT" b="0" dirty="0">
-                <a:solidFill>
-                  <a:srgbClr val="D4D4D4"/>
-                </a:solidFill>
-                <a:effectLst/>
-                <a:latin typeface="Consolas" panose="020B0609020204030204" pitchFamily="49" charset="0"/>
-              </a:rPr>
-              <a:t> </a:t>
-            </a:r>
-            <a:r>
-              <a:rPr lang="it-IT" b="0" dirty="0">
-                <a:solidFill>
-                  <a:srgbClr val="C586C0"/>
-                </a:solidFill>
-                <a:effectLst/>
-                <a:latin typeface="Consolas" panose="020B0609020204030204" pitchFamily="49" charset="0"/>
-              </a:rPr>
-              <a:t>import</a:t>
-            </a:r>
-            <a:r>
-              <a:rPr lang="it-IT" b="0" dirty="0">
-                <a:solidFill>
-                  <a:srgbClr val="D4D4D4"/>
-                </a:solidFill>
-                <a:effectLst/>
-                <a:latin typeface="Consolas" panose="020B0609020204030204" pitchFamily="49" charset="0"/>
-              </a:rPr>
-              <a:t> </a:t>
-            </a:r>
-            <a:r>
-              <a:rPr lang="it-IT" b="0" dirty="0" err="1">
-                <a:solidFill>
-                  <a:srgbClr val="4EC9B0"/>
-                </a:solidFill>
-                <a:effectLst/>
-                <a:latin typeface="Consolas" panose="020B0609020204030204" pitchFamily="49" charset="0"/>
-              </a:rPr>
-              <a:t>datetime</a:t>
-            </a:r>
-            <a:endParaRPr lang="it-IT" b="0" dirty="0">
-              <a:solidFill>
-                <a:srgbClr val="D4D4D4"/>
-              </a:solidFill>
-              <a:effectLst/>
-              <a:latin typeface="Consolas" panose="020B0609020204030204" pitchFamily="49" charset="0"/>
-            </a:endParaRPr>
-          </a:p>
-          <a:p>
-            <a:br>
-              <a:rPr lang="it-IT" b="0" dirty="0">
-                <a:solidFill>
-                  <a:srgbClr val="D4D4D4"/>
-                </a:solidFill>
-                <a:effectLst/>
-                <a:latin typeface="Consolas" panose="020B0609020204030204" pitchFamily="49" charset="0"/>
-              </a:rPr>
-            </a:br>
-            <a:r>
-              <a:rPr lang="it-IT" b="0" dirty="0">
-                <a:solidFill>
-                  <a:srgbClr val="C586C0"/>
-                </a:solidFill>
-                <a:effectLst/>
-                <a:latin typeface="Consolas" panose="020B0609020204030204" pitchFamily="49" charset="0"/>
-              </a:rPr>
-              <a:t>import</a:t>
-            </a:r>
-            <a:r>
-              <a:rPr lang="it-IT" b="0" dirty="0">
-                <a:solidFill>
-                  <a:srgbClr val="D4D4D4"/>
-                </a:solidFill>
-                <a:effectLst/>
-                <a:latin typeface="Consolas" panose="020B0609020204030204" pitchFamily="49" charset="0"/>
-              </a:rPr>
-              <a:t> </a:t>
-            </a:r>
-            <a:r>
-              <a:rPr lang="it-IT" b="0" dirty="0" err="1">
-                <a:solidFill>
-                  <a:srgbClr val="D4D4D4"/>
-                </a:solidFill>
-                <a:effectLst/>
-                <a:latin typeface="Consolas" panose="020B0609020204030204" pitchFamily="49" charset="0"/>
-              </a:rPr>
-              <a:t>numpy</a:t>
-            </a:r>
-            <a:r>
-              <a:rPr lang="it-IT" b="0" dirty="0">
-                <a:solidFill>
-                  <a:srgbClr val="D4D4D4"/>
-                </a:solidFill>
-                <a:effectLst/>
-                <a:latin typeface="Consolas" panose="020B0609020204030204" pitchFamily="49" charset="0"/>
-              </a:rPr>
-              <a:t> </a:t>
-            </a:r>
-            <a:r>
-              <a:rPr lang="it-IT" b="0" dirty="0" err="1">
-                <a:solidFill>
-                  <a:srgbClr val="C586C0"/>
-                </a:solidFill>
-                <a:effectLst/>
-                <a:latin typeface="Consolas" panose="020B0609020204030204" pitchFamily="49" charset="0"/>
-              </a:rPr>
-              <a:t>as</a:t>
-            </a:r>
-            <a:r>
-              <a:rPr lang="it-IT" b="0" dirty="0">
-                <a:solidFill>
-                  <a:srgbClr val="D4D4D4"/>
-                </a:solidFill>
-                <a:effectLst/>
-                <a:latin typeface="Consolas" panose="020B0609020204030204" pitchFamily="49" charset="0"/>
-              </a:rPr>
-              <a:t> </a:t>
-            </a:r>
-            <a:r>
-              <a:rPr lang="it-IT" b="0" dirty="0" err="1">
-                <a:solidFill>
-                  <a:srgbClr val="4EC9B0"/>
-                </a:solidFill>
-                <a:effectLst/>
-                <a:latin typeface="Consolas" panose="020B0609020204030204" pitchFamily="49" charset="0"/>
-              </a:rPr>
-              <a:t>np</a:t>
-            </a:r>
-            <a:endParaRPr lang="it-IT" b="0" dirty="0">
-              <a:solidFill>
-                <a:srgbClr val="D4D4D4"/>
-              </a:solidFill>
-              <a:effectLst/>
-              <a:latin typeface="Consolas" panose="020B0609020204030204" pitchFamily="49" charset="0"/>
-            </a:endParaRPr>
-          </a:p>
-          <a:p>
-            <a:r>
-              <a:rPr lang="it-IT" b="0" dirty="0">
-                <a:solidFill>
-                  <a:srgbClr val="C586C0"/>
-                </a:solidFill>
-                <a:effectLst/>
-                <a:latin typeface="Consolas" panose="020B0609020204030204" pitchFamily="49" charset="0"/>
-              </a:rPr>
-              <a:t>import</a:t>
-            </a:r>
-            <a:r>
-              <a:rPr lang="it-IT" b="0" dirty="0">
-                <a:solidFill>
-                  <a:srgbClr val="D4D4D4"/>
-                </a:solidFill>
-                <a:effectLst/>
-                <a:latin typeface="Consolas" panose="020B0609020204030204" pitchFamily="49" charset="0"/>
-              </a:rPr>
-              <a:t> </a:t>
-            </a:r>
-            <a:r>
-              <a:rPr lang="it-IT" b="0" dirty="0" err="1">
-                <a:solidFill>
-                  <a:srgbClr val="D4D4D4"/>
-                </a:solidFill>
-                <a:effectLst/>
-                <a:latin typeface="Consolas" panose="020B0609020204030204" pitchFamily="49" charset="0"/>
-              </a:rPr>
-              <a:t>torch</a:t>
-            </a:r>
-            <a:endParaRPr lang="it-IT" b="0" dirty="0">
-              <a:solidFill>
-                <a:srgbClr val="D4D4D4"/>
-              </a:solidFill>
-              <a:effectLst/>
-              <a:latin typeface="Consolas" panose="020B0609020204030204" pitchFamily="49" charset="0"/>
-            </a:endParaRPr>
-          </a:p>
-          <a:p>
-            <a:r>
-              <a:rPr lang="it-IT" b="0" dirty="0">
-                <a:solidFill>
-                  <a:srgbClr val="C586C0"/>
-                </a:solidFill>
-                <a:effectLst/>
-                <a:latin typeface="Consolas" panose="020B0609020204030204" pitchFamily="49" charset="0"/>
-              </a:rPr>
-              <a:t>from</a:t>
-            </a:r>
-            <a:r>
-              <a:rPr lang="it-IT" b="0" dirty="0">
-                <a:solidFill>
-                  <a:srgbClr val="D4D4D4"/>
-                </a:solidFill>
-                <a:effectLst/>
-                <a:latin typeface="Consolas" panose="020B0609020204030204" pitchFamily="49" charset="0"/>
-              </a:rPr>
-              <a:t> transformers </a:t>
-            </a:r>
-            <a:r>
-              <a:rPr lang="it-IT" b="0" dirty="0">
-                <a:solidFill>
-                  <a:srgbClr val="C586C0"/>
-                </a:solidFill>
-                <a:effectLst/>
-                <a:latin typeface="Consolas" panose="020B0609020204030204" pitchFamily="49" charset="0"/>
-              </a:rPr>
-              <a:t>import</a:t>
-            </a:r>
-            <a:r>
-              <a:rPr lang="it-IT" b="0" dirty="0">
-                <a:solidFill>
-                  <a:srgbClr val="D4D4D4"/>
-                </a:solidFill>
-                <a:effectLst/>
-                <a:latin typeface="Consolas" panose="020B0609020204030204" pitchFamily="49" charset="0"/>
-              </a:rPr>
-              <a:t> </a:t>
-            </a:r>
-            <a:r>
-              <a:rPr lang="it-IT" b="0" dirty="0" err="1">
-                <a:solidFill>
-                  <a:srgbClr val="D4D4D4"/>
-                </a:solidFill>
-                <a:effectLst/>
-                <a:latin typeface="Consolas" panose="020B0609020204030204" pitchFamily="49" charset="0"/>
-              </a:rPr>
-              <a:t>AutoTokenizer</a:t>
-            </a:r>
-            <a:r>
-              <a:rPr lang="it-IT" b="0" dirty="0">
-                <a:solidFill>
-                  <a:srgbClr val="D4D4D4"/>
-                </a:solidFill>
-                <a:effectLst/>
-                <a:latin typeface="Consolas" panose="020B0609020204030204" pitchFamily="49" charset="0"/>
-              </a:rPr>
-              <a:t>, </a:t>
-            </a:r>
-            <a:r>
-              <a:rPr lang="it-IT" b="0" dirty="0" err="1">
-                <a:solidFill>
-                  <a:srgbClr val="D4D4D4"/>
-                </a:solidFill>
-                <a:effectLst/>
-                <a:latin typeface="Consolas" panose="020B0609020204030204" pitchFamily="49" charset="0"/>
-              </a:rPr>
-              <a:t>AutoModelForSequenceClassification</a:t>
-            </a:r>
-            <a:endParaRPr lang="it-IT" b="0" dirty="0">
-              <a:solidFill>
-                <a:srgbClr val="D4D4D4"/>
-              </a:solidFill>
-              <a:effectLst/>
-              <a:latin typeface="Consolas" panose="020B0609020204030204" pitchFamily="49" charset="0"/>
-            </a:endParaRPr>
-          </a:p>
-          <a:p>
-            <a:br>
-              <a:rPr lang="it-IT" b="0" dirty="0">
-                <a:solidFill>
-                  <a:srgbClr val="D4D4D4"/>
-                </a:solidFill>
-                <a:effectLst/>
-                <a:latin typeface="Consolas" panose="020B0609020204030204" pitchFamily="49" charset="0"/>
-              </a:rPr>
-            </a:br>
-            <a:r>
-              <a:rPr lang="it-IT" b="0" dirty="0">
-                <a:solidFill>
-                  <a:srgbClr val="6A9955"/>
-                </a:solidFill>
-                <a:effectLst/>
-                <a:latin typeface="Consolas" panose="020B0609020204030204" pitchFamily="49" charset="0"/>
-              </a:rPr>
-              <a:t># Read data from input file</a:t>
-            </a:r>
-            <a:endParaRPr lang="it-IT" b="0" dirty="0">
-              <a:solidFill>
-                <a:srgbClr val="D4D4D4"/>
-              </a:solidFill>
-              <a:effectLst/>
-              <a:latin typeface="Consolas" panose="020B0609020204030204" pitchFamily="49" charset="0"/>
-            </a:endParaRPr>
-          </a:p>
-          <a:p>
-            <a:r>
-              <a:rPr lang="it-IT" b="0" dirty="0">
-                <a:solidFill>
-                  <a:srgbClr val="9CDCFE"/>
-                </a:solidFill>
-                <a:effectLst/>
-                <a:latin typeface="Consolas" panose="020B0609020204030204" pitchFamily="49" charset="0"/>
-              </a:rPr>
-              <a:t>file</a:t>
-            </a:r>
-            <a:r>
-              <a:rPr lang="it-IT" b="0" dirty="0">
-                <a:solidFill>
-                  <a:srgbClr val="D4D4D4"/>
-                </a:solidFill>
-                <a:effectLst/>
-                <a:latin typeface="Consolas" panose="020B0609020204030204" pitchFamily="49" charset="0"/>
-              </a:rPr>
-              <a:t> = </a:t>
-            </a:r>
-            <a:r>
-              <a:rPr lang="it-IT" b="0" dirty="0">
-                <a:solidFill>
-                  <a:srgbClr val="DCDCAA"/>
-                </a:solidFill>
-                <a:effectLst/>
-                <a:latin typeface="Consolas" panose="020B0609020204030204" pitchFamily="49" charset="0"/>
-              </a:rPr>
-              <a:t>open</a:t>
-            </a:r>
-            <a:r>
-              <a:rPr lang="it-IT" b="0" dirty="0">
-                <a:solidFill>
-                  <a:srgbClr val="D4D4D4"/>
-                </a:solidFill>
-                <a:effectLst/>
-                <a:latin typeface="Consolas" panose="020B0609020204030204" pitchFamily="49" charset="0"/>
-              </a:rPr>
-              <a:t>(</a:t>
-            </a:r>
-            <a:r>
-              <a:rPr lang="it-IT" dirty="0">
-                <a:solidFill>
-                  <a:srgbClr val="CE9178"/>
-                </a:solidFill>
-                <a:latin typeface="Consolas" panose="020B0609020204030204" pitchFamily="49" charset="0"/>
-              </a:rPr>
-              <a:t>"</a:t>
-            </a:r>
-            <a:r>
-              <a:rPr lang="it-IT" b="0" dirty="0">
-                <a:solidFill>
-                  <a:srgbClr val="CE9178"/>
-                </a:solidFill>
-                <a:effectLst/>
-                <a:latin typeface="Consolas" panose="020B0609020204030204" pitchFamily="49" charset="0"/>
-              </a:rPr>
-              <a:t>input.csv"</a:t>
-            </a:r>
-            <a:r>
-              <a:rPr lang="it-IT" b="0" dirty="0">
-                <a:solidFill>
-                  <a:srgbClr val="D4D4D4"/>
-                </a:solidFill>
-                <a:effectLst/>
-                <a:latin typeface="Consolas" panose="020B0609020204030204" pitchFamily="49" charset="0"/>
-              </a:rPr>
-              <a:t>, </a:t>
-            </a:r>
-            <a:r>
-              <a:rPr lang="it-IT" dirty="0">
-                <a:solidFill>
-                  <a:srgbClr val="CE9178"/>
-                </a:solidFill>
-                <a:latin typeface="Consolas" panose="020B0609020204030204" pitchFamily="49" charset="0"/>
-              </a:rPr>
-              <a:t>"</a:t>
-            </a:r>
-            <a:r>
-              <a:rPr lang="it-IT" b="0" dirty="0">
-                <a:solidFill>
-                  <a:srgbClr val="CE9178"/>
-                </a:solidFill>
-                <a:effectLst/>
-                <a:latin typeface="Consolas" panose="020B0609020204030204" pitchFamily="49" charset="0"/>
-              </a:rPr>
-              <a:t>r"</a:t>
-            </a:r>
-            <a:r>
-              <a:rPr lang="it-IT" b="0" dirty="0">
-                <a:solidFill>
-                  <a:srgbClr val="D4D4D4"/>
-                </a:solidFill>
-                <a:effectLst/>
-                <a:latin typeface="Consolas" panose="020B0609020204030204" pitchFamily="49" charset="0"/>
-              </a:rPr>
-              <a:t>, </a:t>
-            </a:r>
-            <a:r>
-              <a:rPr lang="it-IT" b="0" dirty="0">
-                <a:solidFill>
-                  <a:srgbClr val="9CDCFE"/>
-                </a:solidFill>
-                <a:effectLst/>
-                <a:latin typeface="Consolas" panose="020B0609020204030204" pitchFamily="49" charset="0"/>
-              </a:rPr>
-              <a:t>encoding</a:t>
-            </a:r>
-            <a:r>
-              <a:rPr lang="it-IT" b="0" dirty="0">
-                <a:solidFill>
-                  <a:srgbClr val="D4D4D4"/>
-                </a:solidFill>
-                <a:effectLst/>
-                <a:latin typeface="Consolas" panose="020B0609020204030204" pitchFamily="49" charset="0"/>
-              </a:rPr>
-              <a:t>=</a:t>
-            </a:r>
-            <a:r>
-              <a:rPr lang="it-IT" dirty="0">
-                <a:solidFill>
-                  <a:srgbClr val="CE9178"/>
-                </a:solidFill>
-                <a:latin typeface="Consolas" panose="020B0609020204030204" pitchFamily="49" charset="0"/>
-              </a:rPr>
-              <a:t>"</a:t>
-            </a:r>
-            <a:r>
-              <a:rPr lang="it-IT" b="0" dirty="0">
-                <a:solidFill>
-                  <a:srgbClr val="CE9178"/>
-                </a:solidFill>
-                <a:effectLst/>
-                <a:latin typeface="Consolas" panose="020B0609020204030204" pitchFamily="49" charset="0"/>
-              </a:rPr>
-              <a:t>utf-8</a:t>
-            </a:r>
-            <a:r>
-              <a:rPr lang="it-IT" dirty="0">
-                <a:solidFill>
-                  <a:srgbClr val="CE9178"/>
-                </a:solidFill>
-                <a:latin typeface="Consolas" panose="020B0609020204030204" pitchFamily="49" charset="0"/>
-              </a:rPr>
-              <a:t>"</a:t>
-            </a:r>
-            <a:r>
-              <a:rPr lang="it-IT" b="0" dirty="0">
-                <a:solidFill>
-                  <a:srgbClr val="D4D4D4"/>
-                </a:solidFill>
-                <a:effectLst/>
-                <a:latin typeface="Consolas" panose="020B0609020204030204" pitchFamily="49" charset="0"/>
-              </a:rPr>
-              <a:t>)</a:t>
-            </a:r>
-          </a:p>
-          <a:p>
-            <a:r>
-              <a:rPr lang="it-IT" b="0" dirty="0">
-                <a:solidFill>
-                  <a:srgbClr val="9CDCFE"/>
-                </a:solidFill>
-                <a:effectLst/>
-                <a:latin typeface="Consolas" panose="020B0609020204030204" pitchFamily="49" charset="0"/>
-              </a:rPr>
-              <a:t>lines</a:t>
-            </a:r>
-            <a:r>
-              <a:rPr lang="it-IT" b="0" dirty="0">
-                <a:solidFill>
-                  <a:srgbClr val="D4D4D4"/>
-                </a:solidFill>
-                <a:effectLst/>
-                <a:latin typeface="Consolas" panose="020B0609020204030204" pitchFamily="49" charset="0"/>
-              </a:rPr>
-              <a:t> = </a:t>
-            </a:r>
-            <a:r>
-              <a:rPr lang="it-IT" b="0" dirty="0" err="1">
-                <a:solidFill>
-                  <a:srgbClr val="9CDCFE"/>
-                </a:solidFill>
-                <a:effectLst/>
-                <a:latin typeface="Consolas" panose="020B0609020204030204" pitchFamily="49" charset="0"/>
-              </a:rPr>
-              <a:t>file</a:t>
-            </a:r>
-            <a:r>
-              <a:rPr lang="it-IT" b="0" dirty="0" err="1">
-                <a:solidFill>
-                  <a:srgbClr val="D4D4D4"/>
-                </a:solidFill>
-                <a:effectLst/>
-                <a:latin typeface="Consolas" panose="020B0609020204030204" pitchFamily="49" charset="0"/>
-              </a:rPr>
-              <a:t>.</a:t>
-            </a:r>
-            <a:r>
-              <a:rPr lang="it-IT" b="0" dirty="0" err="1">
-                <a:solidFill>
-                  <a:srgbClr val="DCDCAA"/>
-                </a:solidFill>
-                <a:effectLst/>
-                <a:latin typeface="Consolas" panose="020B0609020204030204" pitchFamily="49" charset="0"/>
-              </a:rPr>
-              <a:t>readlines</a:t>
-            </a:r>
-            <a:r>
-              <a:rPr lang="it-IT" b="0" dirty="0">
-                <a:solidFill>
-                  <a:srgbClr val="D4D4D4"/>
-                </a:solidFill>
-                <a:effectLst/>
-                <a:latin typeface="Consolas" panose="020B0609020204030204" pitchFamily="49" charset="0"/>
-              </a:rPr>
-              <a:t>()</a:t>
-            </a:r>
-          </a:p>
-          <a:p>
-            <a:r>
-              <a:rPr lang="it-IT" b="0" dirty="0" err="1">
-                <a:solidFill>
-                  <a:srgbClr val="9CDCFE"/>
-                </a:solidFill>
-                <a:effectLst/>
-                <a:latin typeface="Consolas" panose="020B0609020204030204" pitchFamily="49" charset="0"/>
-              </a:rPr>
-              <a:t>file</a:t>
-            </a:r>
-            <a:r>
-              <a:rPr lang="it-IT" b="0" dirty="0" err="1">
-                <a:solidFill>
-                  <a:srgbClr val="D4D4D4"/>
-                </a:solidFill>
-                <a:effectLst/>
-                <a:latin typeface="Consolas" panose="020B0609020204030204" pitchFamily="49" charset="0"/>
-              </a:rPr>
-              <a:t>.</a:t>
-            </a:r>
-            <a:r>
-              <a:rPr lang="it-IT" b="0" dirty="0" err="1">
-                <a:solidFill>
-                  <a:srgbClr val="DCDCAA"/>
-                </a:solidFill>
-                <a:effectLst/>
-                <a:latin typeface="Consolas" panose="020B0609020204030204" pitchFamily="49" charset="0"/>
-              </a:rPr>
-              <a:t>close</a:t>
-            </a:r>
-            <a:r>
-              <a:rPr lang="it-IT" b="0" dirty="0">
-                <a:solidFill>
-                  <a:srgbClr val="D4D4D4"/>
-                </a:solidFill>
-                <a:effectLst/>
-                <a:latin typeface="Consolas" panose="020B0609020204030204" pitchFamily="49" charset="0"/>
-              </a:rPr>
-              <a:t>()</a:t>
-            </a:r>
-          </a:p>
-          <a:p>
-            <a:br>
-              <a:rPr lang="it-IT" b="0" dirty="0">
-                <a:solidFill>
-                  <a:srgbClr val="D4D4D4"/>
-                </a:solidFill>
-                <a:effectLst/>
-                <a:latin typeface="Consolas" panose="020B0609020204030204" pitchFamily="49" charset="0"/>
-              </a:rPr>
-            </a:br>
-            <a:r>
-              <a:rPr lang="it-IT" b="0" dirty="0">
-                <a:solidFill>
-                  <a:srgbClr val="6A9955"/>
-                </a:solidFill>
-                <a:effectLst/>
-                <a:latin typeface="Consolas" panose="020B0609020204030204" pitchFamily="49" charset="0"/>
-              </a:rPr>
-              <a:t># Load </a:t>
-            </a:r>
-            <a:r>
-              <a:rPr lang="it-IT" b="0" dirty="0" err="1">
-                <a:solidFill>
-                  <a:srgbClr val="6A9955"/>
-                </a:solidFill>
-                <a:effectLst/>
-                <a:latin typeface="Consolas" panose="020B0609020204030204" pitchFamily="49" charset="0"/>
-              </a:rPr>
-              <a:t>tokenizer</a:t>
-            </a:r>
-            <a:r>
-              <a:rPr lang="it-IT" b="0" dirty="0">
-                <a:solidFill>
-                  <a:srgbClr val="6A9955"/>
-                </a:solidFill>
-                <a:effectLst/>
-                <a:latin typeface="Consolas" panose="020B0609020204030204" pitchFamily="49" charset="0"/>
-              </a:rPr>
-              <a:t> and model</a:t>
-            </a:r>
-            <a:endParaRPr lang="it-IT" b="0" dirty="0">
-              <a:solidFill>
-                <a:srgbClr val="D4D4D4"/>
-              </a:solidFill>
-              <a:effectLst/>
-              <a:latin typeface="Consolas" panose="020B0609020204030204" pitchFamily="49" charset="0"/>
-            </a:endParaRPr>
-          </a:p>
-          <a:p>
-            <a:r>
-              <a:rPr lang="it-IT" b="0" dirty="0" err="1">
-                <a:solidFill>
-                  <a:srgbClr val="9CDCFE"/>
-                </a:solidFill>
-                <a:effectLst/>
-                <a:latin typeface="Consolas" panose="020B0609020204030204" pitchFamily="49" charset="0"/>
-              </a:rPr>
-              <a:t>tokenizer</a:t>
-            </a:r>
-            <a:r>
-              <a:rPr lang="it-IT" b="0" dirty="0">
-                <a:solidFill>
-                  <a:srgbClr val="D4D4D4"/>
-                </a:solidFill>
-                <a:effectLst/>
-                <a:latin typeface="Consolas" panose="020B0609020204030204" pitchFamily="49" charset="0"/>
-              </a:rPr>
-              <a:t> = </a:t>
-            </a:r>
-            <a:r>
-              <a:rPr lang="it-IT" b="0" dirty="0" err="1">
-                <a:solidFill>
-                  <a:srgbClr val="D4D4D4"/>
-                </a:solidFill>
-                <a:effectLst/>
-                <a:latin typeface="Consolas" panose="020B0609020204030204" pitchFamily="49" charset="0"/>
-              </a:rPr>
-              <a:t>AutoTokenizer.from_pretrained</a:t>
-            </a:r>
-            <a:r>
-              <a:rPr lang="it-IT" b="0" dirty="0">
-                <a:solidFill>
-                  <a:srgbClr val="D4D4D4"/>
-                </a:solidFill>
-                <a:effectLst/>
-                <a:latin typeface="Consolas" panose="020B0609020204030204" pitchFamily="49" charset="0"/>
-              </a:rPr>
-              <a:t>(</a:t>
-            </a:r>
-            <a:r>
-              <a:rPr lang="it-IT" b="0" dirty="0">
-                <a:solidFill>
-                  <a:srgbClr val="CE9178"/>
-                </a:solidFill>
-                <a:effectLst/>
-                <a:latin typeface="Consolas" panose="020B0609020204030204" pitchFamily="49" charset="0"/>
-              </a:rPr>
-              <a:t>"</a:t>
-            </a:r>
-            <a:r>
-              <a:rPr lang="it-IT" b="0" dirty="0" err="1">
-                <a:solidFill>
-                  <a:srgbClr val="CE9178"/>
-                </a:solidFill>
-                <a:effectLst/>
-                <a:latin typeface="Consolas" panose="020B0609020204030204" pitchFamily="49" charset="0"/>
-              </a:rPr>
-              <a:t>MilaNLProc</a:t>
-            </a:r>
-            <a:r>
-              <a:rPr lang="it-IT" b="0" dirty="0">
-                <a:solidFill>
-                  <a:srgbClr val="CE9178"/>
-                </a:solidFill>
-                <a:effectLst/>
-                <a:latin typeface="Consolas" panose="020B0609020204030204" pitchFamily="49" charset="0"/>
-              </a:rPr>
-              <a:t>/</a:t>
-            </a:r>
-            <a:r>
-              <a:rPr lang="it-IT" b="0" dirty="0" err="1">
-                <a:solidFill>
-                  <a:srgbClr val="CE9178"/>
-                </a:solidFill>
-                <a:effectLst/>
-                <a:latin typeface="Consolas" panose="020B0609020204030204" pitchFamily="49" charset="0"/>
-              </a:rPr>
-              <a:t>feel</a:t>
-            </a:r>
-            <a:r>
-              <a:rPr lang="it-IT" b="0" dirty="0">
-                <a:solidFill>
-                  <a:srgbClr val="CE9178"/>
-                </a:solidFill>
-                <a:effectLst/>
-                <a:latin typeface="Consolas" panose="020B0609020204030204" pitchFamily="49" charset="0"/>
-              </a:rPr>
-              <a:t>-</a:t>
-            </a:r>
-            <a:r>
-              <a:rPr lang="it-IT" b="0" dirty="0" err="1">
-                <a:solidFill>
-                  <a:srgbClr val="CE9178"/>
-                </a:solidFill>
-                <a:effectLst/>
-                <a:latin typeface="Consolas" panose="020B0609020204030204" pitchFamily="49" charset="0"/>
-              </a:rPr>
-              <a:t>it</a:t>
-            </a:r>
-            <a:r>
-              <a:rPr lang="it-IT" b="0" dirty="0">
-                <a:solidFill>
-                  <a:srgbClr val="CE9178"/>
-                </a:solidFill>
-                <a:effectLst/>
-                <a:latin typeface="Consolas" panose="020B0609020204030204" pitchFamily="49" charset="0"/>
-              </a:rPr>
-              <a:t>-</a:t>
-            </a:r>
-            <a:r>
-              <a:rPr lang="it-IT" b="0" dirty="0" err="1">
-                <a:solidFill>
-                  <a:srgbClr val="CE9178"/>
-                </a:solidFill>
-                <a:effectLst/>
-                <a:latin typeface="Consolas" panose="020B0609020204030204" pitchFamily="49" charset="0"/>
-              </a:rPr>
-              <a:t>italian</a:t>
-            </a:r>
-            <a:r>
-              <a:rPr lang="it-IT" b="0" dirty="0">
-                <a:solidFill>
-                  <a:srgbClr val="CE9178"/>
-                </a:solidFill>
-                <a:effectLst/>
-                <a:latin typeface="Consolas" panose="020B0609020204030204" pitchFamily="49" charset="0"/>
-              </a:rPr>
-              <a:t>-sentiment"</a:t>
-            </a:r>
-            <a:r>
-              <a:rPr lang="it-IT" b="0" dirty="0">
-                <a:solidFill>
-                  <a:srgbClr val="D4D4D4"/>
-                </a:solidFill>
-                <a:effectLst/>
-                <a:latin typeface="Consolas" panose="020B0609020204030204" pitchFamily="49" charset="0"/>
-              </a:rPr>
-              <a:t>)</a:t>
-            </a:r>
-          </a:p>
-          <a:p>
-            <a:r>
-              <a:rPr lang="it-IT" b="0" dirty="0">
-                <a:solidFill>
-                  <a:srgbClr val="9CDCFE"/>
-                </a:solidFill>
-                <a:effectLst/>
-                <a:latin typeface="Consolas" panose="020B0609020204030204" pitchFamily="49" charset="0"/>
-              </a:rPr>
-              <a:t>model</a:t>
-            </a:r>
-            <a:r>
-              <a:rPr lang="it-IT" b="0" dirty="0">
-                <a:solidFill>
-                  <a:srgbClr val="D4D4D4"/>
-                </a:solidFill>
-                <a:effectLst/>
-                <a:latin typeface="Consolas" panose="020B0609020204030204" pitchFamily="49" charset="0"/>
-              </a:rPr>
-              <a:t> = </a:t>
-            </a:r>
-            <a:r>
-              <a:rPr lang="it-IT" b="0" dirty="0" err="1">
-                <a:solidFill>
-                  <a:srgbClr val="D4D4D4"/>
-                </a:solidFill>
-                <a:effectLst/>
-                <a:latin typeface="Consolas" panose="020B0609020204030204" pitchFamily="49" charset="0"/>
-              </a:rPr>
-              <a:t>AutoModelForSequenceClassification.from_pretrained</a:t>
-            </a:r>
-            <a:r>
-              <a:rPr lang="it-IT" b="0" dirty="0">
-                <a:solidFill>
-                  <a:srgbClr val="D4D4D4"/>
-                </a:solidFill>
-                <a:effectLst/>
-                <a:latin typeface="Consolas" panose="020B0609020204030204" pitchFamily="49" charset="0"/>
-              </a:rPr>
-              <a:t>(</a:t>
-            </a:r>
-            <a:r>
-              <a:rPr lang="it-IT" b="0" dirty="0">
-                <a:solidFill>
-                  <a:srgbClr val="CE9178"/>
-                </a:solidFill>
-                <a:effectLst/>
-                <a:latin typeface="Consolas" panose="020B0609020204030204" pitchFamily="49" charset="0"/>
-              </a:rPr>
-              <a:t>"</a:t>
-            </a:r>
-            <a:r>
-              <a:rPr lang="it-IT" b="0" dirty="0" err="1">
-                <a:solidFill>
-                  <a:srgbClr val="CE9178"/>
-                </a:solidFill>
-                <a:effectLst/>
-                <a:latin typeface="Consolas" panose="020B0609020204030204" pitchFamily="49" charset="0"/>
-              </a:rPr>
-              <a:t>MilaNLProc</a:t>
-            </a:r>
-            <a:r>
-              <a:rPr lang="it-IT" b="0" dirty="0">
-                <a:solidFill>
-                  <a:srgbClr val="CE9178"/>
-                </a:solidFill>
-                <a:effectLst/>
-                <a:latin typeface="Consolas" panose="020B0609020204030204" pitchFamily="49" charset="0"/>
-              </a:rPr>
-              <a:t>/</a:t>
-            </a:r>
-            <a:r>
-              <a:rPr lang="it-IT" b="0" dirty="0" err="1">
-                <a:solidFill>
-                  <a:srgbClr val="CE9178"/>
-                </a:solidFill>
-                <a:effectLst/>
-                <a:latin typeface="Consolas" panose="020B0609020204030204" pitchFamily="49" charset="0"/>
-              </a:rPr>
-              <a:t>feel</a:t>
-            </a:r>
-            <a:r>
-              <a:rPr lang="it-IT" b="0" dirty="0">
-                <a:solidFill>
-                  <a:srgbClr val="CE9178"/>
-                </a:solidFill>
-                <a:effectLst/>
-                <a:latin typeface="Consolas" panose="020B0609020204030204" pitchFamily="49" charset="0"/>
-              </a:rPr>
-              <a:t>-</a:t>
-            </a:r>
-            <a:r>
-              <a:rPr lang="it-IT" b="0" dirty="0" err="1">
-                <a:solidFill>
-                  <a:srgbClr val="CE9178"/>
-                </a:solidFill>
-                <a:effectLst/>
-                <a:latin typeface="Consolas" panose="020B0609020204030204" pitchFamily="49" charset="0"/>
-              </a:rPr>
-              <a:t>it</a:t>
-            </a:r>
-            <a:r>
-              <a:rPr lang="it-IT" b="0" dirty="0">
-                <a:solidFill>
-                  <a:srgbClr val="CE9178"/>
-                </a:solidFill>
-                <a:effectLst/>
-                <a:latin typeface="Consolas" panose="020B0609020204030204" pitchFamily="49" charset="0"/>
-              </a:rPr>
-              <a:t>-</a:t>
-            </a:r>
-            <a:r>
-              <a:rPr lang="it-IT" b="0" dirty="0" err="1">
-                <a:solidFill>
-                  <a:srgbClr val="CE9178"/>
-                </a:solidFill>
-                <a:effectLst/>
-                <a:latin typeface="Consolas" panose="020B0609020204030204" pitchFamily="49" charset="0"/>
-              </a:rPr>
-              <a:t>italian</a:t>
-            </a:r>
-            <a:r>
-              <a:rPr lang="it-IT" b="0" dirty="0">
-                <a:solidFill>
-                  <a:srgbClr val="CE9178"/>
-                </a:solidFill>
-                <a:effectLst/>
-                <a:latin typeface="Consolas" panose="020B0609020204030204" pitchFamily="49" charset="0"/>
-              </a:rPr>
-              <a:t>-sentiment"</a:t>
-            </a:r>
-            <a:r>
-              <a:rPr lang="it-IT" b="0" dirty="0">
-                <a:solidFill>
-                  <a:srgbClr val="D4D4D4"/>
-                </a:solidFill>
-                <a:effectLst/>
-                <a:latin typeface="Consolas" panose="020B0609020204030204" pitchFamily="49" charset="0"/>
-              </a:rPr>
-              <a:t>)</a:t>
-            </a:r>
-          </a:p>
-          <a:p>
-            <a:br>
-              <a:rPr lang="it-IT" b="0" dirty="0">
-                <a:solidFill>
-                  <a:srgbClr val="D4D4D4"/>
-                </a:solidFill>
-                <a:effectLst/>
-                <a:latin typeface="Consolas" panose="020B0609020204030204" pitchFamily="49" charset="0"/>
-              </a:rPr>
-            </a:br>
-            <a:r>
-              <a:rPr lang="it-IT" b="0" dirty="0" err="1">
-                <a:solidFill>
-                  <a:srgbClr val="9CDCFE"/>
-                </a:solidFill>
-                <a:effectLst/>
-                <a:latin typeface="Consolas" panose="020B0609020204030204" pitchFamily="49" charset="0"/>
-              </a:rPr>
-              <a:t>ris</a:t>
-            </a:r>
-            <a:r>
-              <a:rPr lang="it-IT" b="0" dirty="0">
-                <a:solidFill>
-                  <a:srgbClr val="D4D4D4"/>
-                </a:solidFill>
-                <a:effectLst/>
-                <a:latin typeface="Consolas" panose="020B0609020204030204" pitchFamily="49" charset="0"/>
-              </a:rPr>
-              <a:t> = </a:t>
-            </a:r>
-            <a:r>
-              <a:rPr lang="it-IT" b="0" dirty="0">
-                <a:solidFill>
-                  <a:srgbClr val="CE9178"/>
-                </a:solidFill>
-                <a:effectLst/>
-                <a:latin typeface="Consolas" panose="020B0609020204030204" pitchFamily="49" charset="0"/>
-              </a:rPr>
-              <a:t>""</a:t>
-            </a:r>
-            <a:endParaRPr lang="it-IT" b="0" dirty="0">
-              <a:solidFill>
-                <a:srgbClr val="D4D4D4"/>
-              </a:solidFill>
-              <a:effectLst/>
-              <a:latin typeface="Consolas" panose="020B0609020204030204" pitchFamily="49" charset="0"/>
-            </a:endParaRPr>
-          </a:p>
-        </p:txBody>
-      </p:sp>
-    </p:spTree>
-    <p:extLst>
-      <p:ext uri="{BB962C8B-B14F-4D97-AF65-F5344CB8AC3E}">
-        <p14:creationId xmlns:p14="http://schemas.microsoft.com/office/powerpoint/2010/main" val="3830281371"/>
       </p:ext>
     </p:extLst>
   </p:cSld>
@@ -27811,6 +28595,15 @@
 </file>
 
 <file path=customXml/item1.xml><?xml version="1.0" encoding="utf-8"?>
+<?mso-contentType ?>
+<FormTemplates xmlns="http://schemas.microsoft.com/sharepoint/v3/contenttype/forms">
+  <Display>DocumentLibraryForm</Display>
+  <Edit>DocumentLibraryForm</Edit>
+  <New>DocumentLibraryForm</New>
+</FormTemplates>
+</file>
+
+<file path=customXml/item2.xml><?xml version="1.0" encoding="utf-8"?>
 <ct:contentTypeSchema xmlns:ct="http://schemas.microsoft.com/office/2006/metadata/contentType" xmlns:ma="http://schemas.microsoft.com/office/2006/metadata/properties/metaAttributes" ct:_="" ma:_="" ma:contentTypeName="Document" ma:contentTypeID="0x010100CDDE742AC48C1240B9DBA051350D09BE" ma:contentTypeVersion="2" ma:contentTypeDescription="Create a new document." ma:contentTypeScope="" ma:versionID="9cdd21692b9185ebd4bea184d94e9f10">
   <xsd:schema xmlns:xsd="http://www.w3.org/2001/XMLSchema" xmlns:xs="http://www.w3.org/2001/XMLSchema" xmlns:p="http://schemas.microsoft.com/office/2006/metadata/properties" xmlns:ns3="be1e2c9f-10b8-4a31-b2ae-e40360c80536" targetNamespace="http://schemas.microsoft.com/office/2006/metadata/properties" ma:root="true" ma:fieldsID="0b44a1c510c65f442af131b97d4551be" ns3:_="">
     <xsd:import namespace="be1e2c9f-10b8-4a31-b2ae-e40360c80536"/>
@@ -27942,15 +28735,6 @@
 </ct:contentTypeSchema>
 </file>
 
-<file path=customXml/item2.xml><?xml version="1.0" encoding="utf-8"?>
-<?mso-contentType ?>
-<FormTemplates xmlns="http://schemas.microsoft.com/sharepoint/v3/contenttype/forms">
-  <Display>DocumentLibraryForm</Display>
-  <Edit>DocumentLibraryForm</Edit>
-  <New>DocumentLibraryForm</New>
-</FormTemplates>
-</file>
-
 <file path=customXml/item3.xml><?xml version="1.0" encoding="utf-8"?>
 <p:properties xmlns:p="http://schemas.microsoft.com/office/2006/metadata/properties" xmlns:xsi="http://www.w3.org/2001/XMLSchema-instance" xmlns:pc="http://schemas.microsoft.com/office/infopath/2007/PartnerControls">
   <documentManagement/>
@@ -27958,6 +28742,14 @@
 </file>
 
 <file path=customXml/itemProps1.xml><?xml version="1.0" encoding="utf-8"?>
+<ds:datastoreItem xmlns:ds="http://schemas.openxmlformats.org/officeDocument/2006/customXml" ds:itemID="{3705E2BE-8F2A-4080-850F-5EAC442C31F2}">
+  <ds:schemaRefs>
+    <ds:schemaRef ds:uri="http://schemas.microsoft.com/sharepoint/v3/contenttype/forms"/>
+  </ds:schemaRefs>
+</ds:datastoreItem>
+</file>
+
+<file path=customXml/itemProps2.xml><?xml version="1.0" encoding="utf-8"?>
 <ds:datastoreItem xmlns:ds="http://schemas.openxmlformats.org/officeDocument/2006/customXml" ds:itemID="{2EC0727D-45BD-4BB6-8290-5022C585CD45}">
   <ds:schemaRefs>
     <ds:schemaRef ds:uri="http://schemas.microsoft.com/office/2006/metadata/contentType"/>
@@ -27971,14 +28763,6 @@
     <ds:schemaRef ds:uri="http://purl.org/dc/elements/1.1/"/>
     <ds:schemaRef ds:uri="http://purl.org/dc/terms/"/>
     <ds:schemaRef ds:uri="http://schemas.microsoft.com/internal/obd"/>
-  </ds:schemaRefs>
-</ds:datastoreItem>
-</file>
-
-<file path=customXml/itemProps2.xml><?xml version="1.0" encoding="utf-8"?>
-<ds:datastoreItem xmlns:ds="http://schemas.openxmlformats.org/officeDocument/2006/customXml" ds:itemID="{3705E2BE-8F2A-4080-850F-5EAC442C31F2}">
-  <ds:schemaRefs>
-    <ds:schemaRef ds:uri="http://schemas.microsoft.com/sharepoint/v3/contenttype/forms"/>
   </ds:schemaRefs>
 </ds:datastoreItem>
 </file>

--- a/DA_project.pptx
+++ b/DA_project.pptx
@@ -270,7 +270,7 @@
       </p15:sldGuideLst>
     </p:ext>
     <p:ext uri="http://customooxmlschemas.google.com/">
-      <go:slidesCustomData xmlns="" xmlns:mc="http://schemas.openxmlformats.org/markup-compatibility/2006" xmlns:mv="urn:schemas-microsoft-com:mac:vml" xmlns:c="http://schemas.openxmlformats.org/drawingml/2006/chart" xmlns:dgm="http://schemas.openxmlformats.org/drawingml/2006/diagram" xmlns:o="urn:schemas-microsoft-com:office:office" xmlns:v="urn:schemas-microsoft-com:vml" xmlns:pvml="urn:schemas-microsoft-com:office:powerpoint" xmlns:com="http://schemas.openxmlformats.org/drawingml/2006/compatibility" xmlns:p14="http://schemas.microsoft.com/office/powerpoint/2010/main" xmlns:p15="http://schemas.microsoft.com/office/powerpoint/2012/main" xmlns:ahyp="http://schemas.microsoft.com/office/drawing/2018/hyperlinkcolor" xmlns:go="http://customooxmlschemas.google.com/" r:id="rId35" roundtripDataSignature="AMtx7mhny1AmHFXKoQABgh0uWA3Nnm8m9g=="/>
+      <go:slidesCustomData xmlns:go="http://customooxmlschemas.google.com/" xmlns:ahyp="http://schemas.microsoft.com/office/drawing/2018/hyperlinkcolor" xmlns:p15="http://schemas.microsoft.com/office/powerpoint/2012/main" xmlns:p14="http://schemas.microsoft.com/office/powerpoint/2010/main" xmlns:com="http://schemas.openxmlformats.org/drawingml/2006/compatibility" xmlns:pvml="urn:schemas-microsoft-com:office:powerpoint" xmlns:v="urn:schemas-microsoft-com:vml" xmlns:o="urn:schemas-microsoft-com:office:office" xmlns:dgm="http://schemas.openxmlformats.org/drawingml/2006/diagram" xmlns:c="http://schemas.openxmlformats.org/drawingml/2006/chart" xmlns:mv="urn:schemas-microsoft-com:mac:vml" xmlns:mc="http://schemas.openxmlformats.org/markup-compatibility/2006" xmlns="" r:id="rId35" roundtripDataSignature="AMtx7mhny1AmHFXKoQABgh0uWA3Nnm8m9g=="/>
     </p:ext>
   </p:extLst>
 </p:presentation>
@@ -23222,7 +23222,7 @@
         </p:nvSpPr>
         <p:spPr>
           <a:xfrm>
-            <a:off x="2484120" y="5216456"/>
+            <a:off x="2484120" y="5399763"/>
             <a:ext cx="7223760" cy="707846"/>
           </a:xfrm>
           <a:prstGeom prst="rect">
@@ -24223,31 +24223,7 @@
                 <a:cs typeface="Twentieth Century"/>
                 <a:sym typeface="Twentieth Century"/>
               </a:rPr>
-              <a:t> indeed is it possible train the model  for different activities or </a:t>
-            </a:r>
-            <a:r>
-              <a:rPr lang="en-US" sz="2400" i="0" u="none" strike="noStrike" cap="none" dirty="0" err="1">
-                <a:solidFill>
-                  <a:srgbClr val="000000"/>
-                </a:solidFill>
-                <a:latin typeface="Twentieth Century"/>
-                <a:ea typeface="Twentieth Century"/>
-                <a:cs typeface="Twentieth Century"/>
-                <a:sym typeface="Twentieth Century"/>
-              </a:rPr>
-              <a:t>languges</a:t>
-            </a:r>
-            <a:r>
-              <a:rPr lang="en-US" sz="2400" i="0" u="none" strike="noStrike" cap="none" dirty="0">
-                <a:solidFill>
-                  <a:srgbClr val="000000"/>
-                </a:solidFill>
-                <a:latin typeface="Twentieth Century"/>
-                <a:ea typeface="Twentieth Century"/>
-                <a:cs typeface="Twentieth Century"/>
-                <a:sym typeface="Twentieth Century"/>
-              </a:rPr>
-              <a:t>.</a:t>
+              <a:t> indeed is it possible train the model  for different activities or languages.</a:t>
             </a:r>
           </a:p>
         </p:txBody>
@@ -24833,7 +24809,7 @@
               <a:buNone/>
             </a:pPr>
             <a:r>
-              <a:rPr lang="it-IT" sz="4000" b="1" i="0" u="none" strike="noStrike" cap="none">
+              <a:rPr lang="it-IT" sz="4000" b="1" i="0" u="none" strike="noStrike" cap="none" dirty="0" err="1">
                 <a:solidFill>
                   <a:srgbClr val="002060"/>
                 </a:solidFill>
@@ -24842,7 +24818,31 @@
                 <a:cs typeface="Twentieth Century"/>
                 <a:sym typeface="Twentieth Century"/>
               </a:rPr>
-              <a:t>Used technologies</a:t>
+              <a:t>Used</a:t>
+            </a:r>
+            <a:r>
+              <a:rPr lang="it-IT" sz="4000" b="1" i="0" u="none" strike="noStrike" cap="none" dirty="0">
+                <a:solidFill>
+                  <a:srgbClr val="002060"/>
+                </a:solidFill>
+                <a:latin typeface="Twentieth Century"/>
+                <a:ea typeface="Twentieth Century"/>
+                <a:cs typeface="Twentieth Century"/>
+                <a:sym typeface="Twentieth Century"/>
+              </a:rPr>
+              <a:t> </a:t>
+            </a:r>
+            <a:r>
+              <a:rPr lang="it-IT" sz="4000" b="1" i="0" u="none" strike="noStrike" cap="none" dirty="0" err="1">
+                <a:solidFill>
+                  <a:srgbClr val="002060"/>
+                </a:solidFill>
+                <a:latin typeface="Twentieth Century"/>
+                <a:ea typeface="Twentieth Century"/>
+                <a:cs typeface="Twentieth Century"/>
+                <a:sym typeface="Twentieth Century"/>
+              </a:rPr>
+              <a:t>technologies</a:t>
             </a:r>
             <a:endParaRPr sz="1400" b="0" i="0" u="none" strike="noStrike" cap="none" dirty="0">
               <a:solidFill>
@@ -28595,15 +28595,6 @@
 </file>
 
 <file path=customXml/item1.xml><?xml version="1.0" encoding="utf-8"?>
-<?mso-contentType ?>
-<FormTemplates xmlns="http://schemas.microsoft.com/sharepoint/v3/contenttype/forms">
-  <Display>DocumentLibraryForm</Display>
-  <Edit>DocumentLibraryForm</Edit>
-  <New>DocumentLibraryForm</New>
-</FormTemplates>
-</file>
-
-<file path=customXml/item2.xml><?xml version="1.0" encoding="utf-8"?>
 <ct:contentTypeSchema xmlns:ct="http://schemas.microsoft.com/office/2006/metadata/contentType" xmlns:ma="http://schemas.microsoft.com/office/2006/metadata/properties/metaAttributes" ct:_="" ma:_="" ma:contentTypeName="Document" ma:contentTypeID="0x010100CDDE742AC48C1240B9DBA051350D09BE" ma:contentTypeVersion="2" ma:contentTypeDescription="Create a new document." ma:contentTypeScope="" ma:versionID="9cdd21692b9185ebd4bea184d94e9f10">
   <xsd:schema xmlns:xsd="http://www.w3.org/2001/XMLSchema" xmlns:xs="http://www.w3.org/2001/XMLSchema" xmlns:p="http://schemas.microsoft.com/office/2006/metadata/properties" xmlns:ns3="be1e2c9f-10b8-4a31-b2ae-e40360c80536" targetNamespace="http://schemas.microsoft.com/office/2006/metadata/properties" ma:root="true" ma:fieldsID="0b44a1c510c65f442af131b97d4551be" ns3:_="">
     <xsd:import namespace="be1e2c9f-10b8-4a31-b2ae-e40360c80536"/>
@@ -28735,6 +28726,15 @@
 </ct:contentTypeSchema>
 </file>
 
+<file path=customXml/item2.xml><?xml version="1.0" encoding="utf-8"?>
+<?mso-contentType ?>
+<FormTemplates xmlns="http://schemas.microsoft.com/sharepoint/v3/contenttype/forms">
+  <Display>DocumentLibraryForm</Display>
+  <Edit>DocumentLibraryForm</Edit>
+  <New>DocumentLibraryForm</New>
+</FormTemplates>
+</file>
+
 <file path=customXml/item3.xml><?xml version="1.0" encoding="utf-8"?>
 <p:properties xmlns:p="http://schemas.microsoft.com/office/2006/metadata/properties" xmlns:xsi="http://www.w3.org/2001/XMLSchema-instance" xmlns:pc="http://schemas.microsoft.com/office/infopath/2007/PartnerControls">
   <documentManagement/>
@@ -28742,14 +28742,6 @@
 </file>
 
 <file path=customXml/itemProps1.xml><?xml version="1.0" encoding="utf-8"?>
-<ds:datastoreItem xmlns:ds="http://schemas.openxmlformats.org/officeDocument/2006/customXml" ds:itemID="{3705E2BE-8F2A-4080-850F-5EAC442C31F2}">
-  <ds:schemaRefs>
-    <ds:schemaRef ds:uri="http://schemas.microsoft.com/sharepoint/v3/contenttype/forms"/>
-  </ds:schemaRefs>
-</ds:datastoreItem>
-</file>
-
-<file path=customXml/itemProps2.xml><?xml version="1.0" encoding="utf-8"?>
 <ds:datastoreItem xmlns:ds="http://schemas.openxmlformats.org/officeDocument/2006/customXml" ds:itemID="{2EC0727D-45BD-4BB6-8290-5022C585CD45}">
   <ds:schemaRefs>
     <ds:schemaRef ds:uri="http://schemas.microsoft.com/office/2006/metadata/contentType"/>
@@ -28763,6 +28755,14 @@
     <ds:schemaRef ds:uri="http://purl.org/dc/elements/1.1/"/>
     <ds:schemaRef ds:uri="http://purl.org/dc/terms/"/>
     <ds:schemaRef ds:uri="http://schemas.microsoft.com/internal/obd"/>
+  </ds:schemaRefs>
+</ds:datastoreItem>
+</file>
+
+<file path=customXml/itemProps2.xml><?xml version="1.0" encoding="utf-8"?>
+<ds:datastoreItem xmlns:ds="http://schemas.openxmlformats.org/officeDocument/2006/customXml" ds:itemID="{3705E2BE-8F2A-4080-850F-5EAC442C31F2}">
+  <ds:schemaRefs>
+    <ds:schemaRef ds:uri="http://schemas.microsoft.com/sharepoint/v3/contenttype/forms"/>
   </ds:schemaRefs>
 </ds:datastoreItem>
 </file>

--- a/DA_project.pptx
+++ b/DA_project.pptx
@@ -270,7 +270,7 @@
       </p15:sldGuideLst>
     </p:ext>
     <p:ext uri="http://customooxmlschemas.google.com/">
-      <go:slidesCustomData xmlns:go="http://customooxmlschemas.google.com/" xmlns:ahyp="http://schemas.microsoft.com/office/drawing/2018/hyperlinkcolor" xmlns:p15="http://schemas.microsoft.com/office/powerpoint/2012/main" xmlns:p14="http://schemas.microsoft.com/office/powerpoint/2010/main" xmlns:com="http://schemas.openxmlformats.org/drawingml/2006/compatibility" xmlns:pvml="urn:schemas-microsoft-com:office:powerpoint" xmlns:v="urn:schemas-microsoft-com:vml" xmlns:o="urn:schemas-microsoft-com:office:office" xmlns:dgm="http://schemas.openxmlformats.org/drawingml/2006/diagram" xmlns:c="http://schemas.openxmlformats.org/drawingml/2006/chart" xmlns:mv="urn:schemas-microsoft-com:mac:vml" xmlns:mc="http://schemas.openxmlformats.org/markup-compatibility/2006" xmlns="" r:id="rId35" roundtripDataSignature="AMtx7mhny1AmHFXKoQABgh0uWA3Nnm8m9g=="/>
+      <go:slidesCustomData xmlns="" xmlns:mc="http://schemas.openxmlformats.org/markup-compatibility/2006" xmlns:mv="urn:schemas-microsoft-com:mac:vml" xmlns:c="http://schemas.openxmlformats.org/drawingml/2006/chart" xmlns:dgm="http://schemas.openxmlformats.org/drawingml/2006/diagram" xmlns:o="urn:schemas-microsoft-com:office:office" xmlns:v="urn:schemas-microsoft-com:vml" xmlns:pvml="urn:schemas-microsoft-com:office:powerpoint" xmlns:com="http://schemas.openxmlformats.org/drawingml/2006/compatibility" xmlns:p14="http://schemas.microsoft.com/office/powerpoint/2010/main" xmlns:p15="http://schemas.microsoft.com/office/powerpoint/2012/main" xmlns:ahyp="http://schemas.microsoft.com/office/drawing/2018/hyperlinkcolor" xmlns:go="http://customooxmlschemas.google.com/" r:id="rId35" roundtripDataSignature="AMtx7mhny1AmHFXKoQABgh0uWA3Nnm8m9g=="/>
     </p:ext>
   </p:extLst>
 </p:presentation>
@@ -18024,7 +18024,7 @@
         <p:spPr>
           <a:xfrm>
             <a:off x="239477" y="2106000"/>
-            <a:ext cx="5283499" cy="3508623"/>
+            <a:ext cx="5283499" cy="3139291"/>
           </a:xfrm>
           <a:prstGeom prst="rect">
             <a:avLst/>
@@ -18123,7 +18123,7 @@
                 <a:cs typeface="Twentieth Century"/>
                 <a:sym typeface="Twentieth Century"/>
               </a:rPr>
-              <a:t>Python script will </a:t>
+              <a:t>A string is </a:t>
             </a:r>
             <a:r>
               <a:rPr lang="en-US" sz="2400" b="1" dirty="0">
@@ -18141,7 +18141,7 @@
                 <a:cs typeface="Twentieth Century"/>
                 <a:sym typeface="Twentieth Century"/>
               </a:rPr>
-              <a:t> string from csv file.</a:t>
+              <a:t> string from csv  file.</a:t>
             </a:r>
           </a:p>
           <a:p>
@@ -19530,7 +19530,7 @@
                 <a:cs typeface="Twentieth Century"/>
                 <a:sym typeface="Twentieth Century"/>
               </a:rPr>
-              <a:t>Foreach row model is called, and it is asked for a </a:t>
+              <a:t>Foreach row model is called and it is asked for a </a:t>
             </a:r>
             <a:r>
               <a:rPr lang="en-US" sz="2400" b="1" dirty="0">
@@ -21427,25 +21427,7 @@
                 <a:cs typeface="Twentieth Century"/>
                 <a:sym typeface="Twentieth Century"/>
               </a:rPr>
-              <a:t>New </a:t>
-            </a:r>
-            <a:r>
-              <a:rPr lang="en-US" sz="2400" dirty="0" err="1">
-                <a:latin typeface="Twentieth Century"/>
-                <a:ea typeface="Twentieth Century"/>
-                <a:cs typeface="Twentieth Century"/>
-                <a:sym typeface="Twentieth Century"/>
-              </a:rPr>
-              <a:t>datas</a:t>
-            </a:r>
-            <a:r>
-              <a:rPr lang="en-US" sz="2400" dirty="0">
-                <a:latin typeface="Twentieth Century"/>
-                <a:ea typeface="Twentieth Century"/>
-                <a:cs typeface="Twentieth Century"/>
-                <a:sym typeface="Twentieth Century"/>
-              </a:rPr>
-              <a:t> are </a:t>
+              <a:t>New data are </a:t>
             </a:r>
             <a:r>
               <a:rPr lang="en-US" sz="2400" b="1" dirty="0">
@@ -23006,7 +22988,31 @@
                 <a:cs typeface="Twentieth Century"/>
                 <a:sym typeface="Twentieth Century"/>
               </a:rPr>
-              <a:t>A possible future development should be the </a:t>
+              <a:t>A possible </a:t>
+            </a:r>
+            <a:r>
+              <a:rPr lang="en-US" sz="2400" b="1" i="0" u="none" strike="noStrike" cap="none" dirty="0">
+                <a:solidFill>
+                  <a:srgbClr val="000000"/>
+                </a:solidFill>
+                <a:latin typeface="Twentieth Century"/>
+                <a:ea typeface="Twentieth Century"/>
+                <a:cs typeface="Twentieth Century"/>
+                <a:sym typeface="Twentieth Century"/>
+              </a:rPr>
+              <a:t>future development </a:t>
+            </a:r>
+            <a:r>
+              <a:rPr lang="en-US" sz="2400" b="0" i="0" u="none" strike="noStrike" cap="none" dirty="0">
+                <a:solidFill>
+                  <a:srgbClr val="000000"/>
+                </a:solidFill>
+                <a:latin typeface="Twentieth Century"/>
+                <a:ea typeface="Twentieth Century"/>
+                <a:cs typeface="Twentieth Century"/>
+                <a:sym typeface="Twentieth Century"/>
+              </a:rPr>
+              <a:t>should be the </a:t>
             </a:r>
             <a:r>
               <a:rPr lang="en-US" sz="2400" b="1" i="0" u="none" strike="noStrike" cap="none" dirty="0">
@@ -23759,7 +23765,7 @@
                 <a:cs typeface="Twentieth Century"/>
                 <a:sym typeface="Twentieth Century"/>
               </a:rPr>
-              <a:t>foreach row after that </a:t>
+              <a:t>for each row after that </a:t>
             </a:r>
             <a:r>
               <a:rPr lang="en-US" sz="2400" u="none" strike="noStrike" cap="none" dirty="0">
@@ -24199,7 +24205,7 @@
                 <a:cs typeface="Twentieth Century"/>
                 <a:sym typeface="Twentieth Century"/>
               </a:rPr>
-              <a:t>BERT it is a </a:t>
+              <a:t>BERT is a </a:t>
             </a:r>
             <a:r>
               <a:rPr lang="en-US" sz="2400" b="1" i="0" u="none" strike="noStrike" cap="none" dirty="0">
@@ -24223,7 +24229,31 @@
                 <a:cs typeface="Twentieth Century"/>
                 <a:sym typeface="Twentieth Century"/>
               </a:rPr>
-              <a:t> indeed is it possible train the model  for different activities or languages.</a:t>
+              <a:t> in fact its possible use it </a:t>
+            </a:r>
+            <a:r>
+              <a:rPr lang="en-US" sz="2400" i="0" u="none" strike="noStrike" cap="none">
+                <a:solidFill>
+                  <a:srgbClr val="000000"/>
+                </a:solidFill>
+                <a:latin typeface="Twentieth Century"/>
+                <a:ea typeface="Twentieth Century"/>
+                <a:cs typeface="Twentieth Century"/>
+                <a:sym typeface="Twentieth Century"/>
+              </a:rPr>
+              <a:t>for different </a:t>
+            </a:r>
+            <a:r>
+              <a:rPr lang="en-US" sz="2400" i="0" u="none" strike="noStrike" cap="none" dirty="0">
+                <a:solidFill>
+                  <a:srgbClr val="000000"/>
+                </a:solidFill>
+                <a:latin typeface="Twentieth Century"/>
+                <a:ea typeface="Twentieth Century"/>
+                <a:cs typeface="Twentieth Century"/>
+                <a:sym typeface="Twentieth Century"/>
+              </a:rPr>
+              <a:t>activities or languages.</a:t>
             </a:r>
           </a:p>
         </p:txBody>
@@ -24436,7 +24466,7 @@
                 <a:cs typeface="Twentieth Century"/>
                 <a:sym typeface="Twentieth Century"/>
               </a:rPr>
-              <a:t>In the previous approach </a:t>
+              <a:t>In traditional approach </a:t>
             </a:r>
             <a:r>
               <a:rPr lang="en-US" sz="2400" b="1" dirty="0">
@@ -24543,7 +24573,7 @@
                 <a:cs typeface="Twentieth Century"/>
                 <a:sym typeface="Twentieth Century"/>
               </a:rPr>
-              <a:t>Bert can </a:t>
+              <a:t>BERT can </a:t>
             </a:r>
             <a:r>
               <a:rPr lang="en-US" sz="2400" b="1" dirty="0">
@@ -24865,7 +24895,7 @@
         <p:spPr>
           <a:xfrm>
             <a:off x="239477" y="2106000"/>
-            <a:ext cx="7331755" cy="4247286"/>
+            <a:ext cx="7331755" cy="4616618"/>
           </a:xfrm>
           <a:prstGeom prst="rect">
             <a:avLst/>
@@ -25011,6 +25041,24 @@
                 <a:sym typeface="Twentieth Century"/>
               </a:rPr>
               <a:t>UmBERTo</a:t>
+            </a:r>
+            <a:r>
+              <a:rPr lang="en-US" sz="2400" b="1" dirty="0">
+                <a:latin typeface="Twentieth Century"/>
+                <a:ea typeface="Twentieth Century"/>
+                <a:cs typeface="Twentieth Century"/>
+                <a:sym typeface="Twentieth Century"/>
+              </a:rPr>
+              <a:t> </a:t>
+            </a:r>
+            <a:r>
+              <a:rPr lang="en-US" sz="2400" dirty="0">
+                <a:latin typeface="Twentieth Century"/>
+                <a:ea typeface="Twentieth Century"/>
+                <a:cs typeface="Twentieth Century"/>
+                <a:sym typeface="Twentieth Century"/>
+              </a:rPr>
+              <a:t>that</a:t>
             </a:r>
             <a:r>
               <a:rPr lang="en-US" sz="2400" b="1" dirty="0">
@@ -26258,7 +26306,7 @@
                 <a:cs typeface="Twentieth Century"/>
                 <a:sym typeface="Twentieth Century"/>
               </a:rPr>
-              <a:t>to perform tasks on different modalities such as text, vision, and audio. </a:t>
+              <a:t>to perform tasks on different modalities such as text, vision and audio. </a:t>
             </a:r>
           </a:p>
           <a:p>
@@ -28595,6 +28643,15 @@
 </file>
 
 <file path=customXml/item1.xml><?xml version="1.0" encoding="utf-8"?>
+<?mso-contentType ?>
+<FormTemplates xmlns="http://schemas.microsoft.com/sharepoint/v3/contenttype/forms">
+  <Display>DocumentLibraryForm</Display>
+  <Edit>DocumentLibraryForm</Edit>
+  <New>DocumentLibraryForm</New>
+</FormTemplates>
+</file>
+
+<file path=customXml/item2.xml><?xml version="1.0" encoding="utf-8"?>
 <ct:contentTypeSchema xmlns:ct="http://schemas.microsoft.com/office/2006/metadata/contentType" xmlns:ma="http://schemas.microsoft.com/office/2006/metadata/properties/metaAttributes" ct:_="" ma:_="" ma:contentTypeName="Document" ma:contentTypeID="0x010100CDDE742AC48C1240B9DBA051350D09BE" ma:contentTypeVersion="2" ma:contentTypeDescription="Create a new document." ma:contentTypeScope="" ma:versionID="9cdd21692b9185ebd4bea184d94e9f10">
   <xsd:schema xmlns:xsd="http://www.w3.org/2001/XMLSchema" xmlns:xs="http://www.w3.org/2001/XMLSchema" xmlns:p="http://schemas.microsoft.com/office/2006/metadata/properties" xmlns:ns3="be1e2c9f-10b8-4a31-b2ae-e40360c80536" targetNamespace="http://schemas.microsoft.com/office/2006/metadata/properties" ma:root="true" ma:fieldsID="0b44a1c510c65f442af131b97d4551be" ns3:_="">
     <xsd:import namespace="be1e2c9f-10b8-4a31-b2ae-e40360c80536"/>
@@ -28726,15 +28783,6 @@
 </ct:contentTypeSchema>
 </file>
 
-<file path=customXml/item2.xml><?xml version="1.0" encoding="utf-8"?>
-<?mso-contentType ?>
-<FormTemplates xmlns="http://schemas.microsoft.com/sharepoint/v3/contenttype/forms">
-  <Display>DocumentLibraryForm</Display>
-  <Edit>DocumentLibraryForm</Edit>
-  <New>DocumentLibraryForm</New>
-</FormTemplates>
-</file>
-
 <file path=customXml/item3.xml><?xml version="1.0" encoding="utf-8"?>
 <p:properties xmlns:p="http://schemas.microsoft.com/office/2006/metadata/properties" xmlns:xsi="http://www.w3.org/2001/XMLSchema-instance" xmlns:pc="http://schemas.microsoft.com/office/infopath/2007/PartnerControls">
   <documentManagement/>
@@ -28742,6 +28790,14 @@
 </file>
 
 <file path=customXml/itemProps1.xml><?xml version="1.0" encoding="utf-8"?>
+<ds:datastoreItem xmlns:ds="http://schemas.openxmlformats.org/officeDocument/2006/customXml" ds:itemID="{3705E2BE-8F2A-4080-850F-5EAC442C31F2}">
+  <ds:schemaRefs>
+    <ds:schemaRef ds:uri="http://schemas.microsoft.com/sharepoint/v3/contenttype/forms"/>
+  </ds:schemaRefs>
+</ds:datastoreItem>
+</file>
+
+<file path=customXml/itemProps2.xml><?xml version="1.0" encoding="utf-8"?>
 <ds:datastoreItem xmlns:ds="http://schemas.openxmlformats.org/officeDocument/2006/customXml" ds:itemID="{2EC0727D-45BD-4BB6-8290-5022C585CD45}">
   <ds:schemaRefs>
     <ds:schemaRef ds:uri="http://schemas.microsoft.com/office/2006/metadata/contentType"/>
@@ -28759,26 +28815,18 @@
 </ds:datastoreItem>
 </file>
 
-<file path=customXml/itemProps2.xml><?xml version="1.0" encoding="utf-8"?>
-<ds:datastoreItem xmlns:ds="http://schemas.openxmlformats.org/officeDocument/2006/customXml" ds:itemID="{3705E2BE-8F2A-4080-850F-5EAC442C31F2}">
-  <ds:schemaRefs>
-    <ds:schemaRef ds:uri="http://schemas.microsoft.com/sharepoint/v3/contenttype/forms"/>
-  </ds:schemaRefs>
-</ds:datastoreItem>
-</file>
-
 <file path=customXml/itemProps3.xml><?xml version="1.0" encoding="utf-8"?>
 <ds:datastoreItem xmlns:ds="http://schemas.openxmlformats.org/officeDocument/2006/customXml" ds:itemID="{C4F30699-1E34-401C-8BAE-933763093A89}">
   <ds:schemaRefs>
-    <ds:schemaRef ds:uri="http://schemas.openxmlformats.org/package/2006/metadata/core-properties"/>
     <ds:schemaRef ds:uri="http://schemas.microsoft.com/office/2006/documentManagement/types"/>
+    <ds:schemaRef ds:uri="http://purl.org/dc/terms/"/>
+    <ds:schemaRef ds:uri="http://schemas.microsoft.com/office/2006/metadata/properties"/>
+    <ds:schemaRef ds:uri="http://purl.org/dc/dcmitype/"/>
+    <ds:schemaRef ds:uri="http://www.w3.org/XML/1998/namespace"/>
     <ds:schemaRef ds:uri="http://purl.org/dc/elements/1.1/"/>
     <ds:schemaRef ds:uri="http://schemas.microsoft.com/office/infopath/2007/PartnerControls"/>
-    <ds:schemaRef ds:uri="http://www.w3.org/XML/1998/namespace"/>
-    <ds:schemaRef ds:uri="http://purl.org/dc/dcmitype/"/>
+    <ds:schemaRef ds:uri="http://schemas.openxmlformats.org/package/2006/metadata/core-properties"/>
     <ds:schemaRef ds:uri="be1e2c9f-10b8-4a31-b2ae-e40360c80536"/>
-    <ds:schemaRef ds:uri="http://schemas.microsoft.com/office/2006/metadata/properties"/>
-    <ds:schemaRef ds:uri="http://purl.org/dc/terms/"/>
   </ds:schemaRefs>
 </ds:datastoreItem>
 </file>